--- a/构想.pptx
+++ b/构想.pptx
@@ -6,12 +6,23 @@
   </p:sldMasterIdLst>
   <p:sldIdLst>
     <p:sldId id="258" r:id="rId3"/>
-    <p:sldId id="256" r:id="rId4"/>
-    <p:sldId id="262" r:id="rId5"/>
-    <p:sldId id="259" r:id="rId6"/>
-    <p:sldId id="261" r:id="rId7"/>
-    <p:sldId id="263" r:id="rId8"/>
-    <p:sldId id="264" r:id="rId9"/>
+    <p:sldId id="267" r:id="rId4"/>
+    <p:sldId id="256" r:id="rId5"/>
+    <p:sldId id="268" r:id="rId6"/>
+    <p:sldId id="269" r:id="rId7"/>
+    <p:sldId id="275" r:id="rId8"/>
+    <p:sldId id="276" r:id="rId9"/>
+    <p:sldId id="277" r:id="rId10"/>
+    <p:sldId id="278" r:id="rId11"/>
+    <p:sldId id="279" r:id="rId12"/>
+    <p:sldId id="280" r:id="rId13"/>
+    <p:sldId id="281" r:id="rId14"/>
+    <p:sldId id="283" r:id="rId15"/>
+    <p:sldId id="288" r:id="rId16"/>
+    <p:sldId id="284" r:id="rId17"/>
+    <p:sldId id="285" r:id="rId18"/>
+    <p:sldId id="287" r:id="rId19"/>
+    <p:sldId id="286" r:id="rId20"/>
   </p:sldIdLst>
   <p:sldSz cx="12192000" cy="6858000"/>
   <p:notesSz cx="6858000" cy="9144000"/>
@@ -2986,7 +2997,7 @@
                   <a:schemeClr val="bg1"/>
                 </a:solidFill>
               </a:rPr>
-              <a:t>主要目标用户</a:t>
+              <a:t>目标用户</a:t>
             </a:r>
             <a:endParaRPr lang="zh-CN" altLang="en-US" dirty="0" smtClean="0">
               <a:solidFill>
@@ -2998,7 +3009,7 @@
       </p:sp>
       <p:sp>
         <p:nvSpPr>
-          <p:cNvPr id="12" name="文本占位符 12"/>
+          <p:cNvPr id="13" name="文本占位符 14"/>
           <p:cNvSpPr txBox="1"/>
           <p:nvPr>
             <p:custDataLst>
@@ -3008,8 +3019,8 @@
         </p:nvSpPr>
         <p:spPr>
           <a:xfrm>
-            <a:off x="2595245" y="1768475"/>
-            <a:ext cx="7420610" cy="1692910"/>
+            <a:off x="2595245" y="3387725"/>
+            <a:ext cx="7420610" cy="1445895"/>
           </a:xfrm>
           <a:prstGeom prst="rect">
             <a:avLst/>
@@ -3133,15 +3144,15 @@
                   <a:schemeClr val="bg1"/>
                 </a:solidFill>
               </a:rPr>
-              <a:t>1</a:t>
-            </a:r>
-            <a:r>
-              <a:rPr lang="zh-CN" altLang="en-US" dirty="0" smtClean="0">
-                <a:solidFill>
-                  <a:schemeClr val="bg1"/>
-                </a:solidFill>
-              </a:rPr>
-              <a:t>、喜爱老虎机玩法的玩家</a:t>
+              <a:t>2</a:t>
+            </a:r>
+            <a:r>
+              <a:rPr lang="zh-CN" altLang="en-US" dirty="0" smtClean="0">
+                <a:solidFill>
+                  <a:schemeClr val="bg1"/>
+                </a:solidFill>
+              </a:rPr>
+              <a:t>、对游戏背景（文明进化）感兴趣的玩家</a:t>
             </a:r>
             <a:endParaRPr lang="zh-CN" altLang="en-US" dirty="0" smtClean="0">
               <a:solidFill>
@@ -3149,35 +3160,11 @@
               </a:solidFill>
             </a:endParaRPr>
           </a:p>
-          <a:p>
-            <a:pPr algn="l"/>
-            <a:r>
-              <a:rPr lang="zh-CN" altLang="en-US" dirty="0" smtClean="0">
-                <a:solidFill>
-                  <a:schemeClr val="bg1"/>
-                </a:solidFill>
-              </a:rPr>
-              <a:t>（赌心强，付费欲望较强，人数较少）</a:t>
-            </a:r>
-            <a:endParaRPr lang="zh-CN" altLang="en-US" dirty="0" smtClean="0">
-              <a:solidFill>
-                <a:schemeClr val="bg1"/>
-              </a:solidFill>
-            </a:endParaRPr>
-          </a:p>
-          <a:p>
-            <a:pPr algn="l"/>
-            <a:endParaRPr lang="zh-CN" altLang="en-US" dirty="0" smtClean="0">
-              <a:solidFill>
-                <a:schemeClr val="bg1"/>
-              </a:solidFill>
-            </a:endParaRPr>
-          </a:p>
         </p:txBody>
       </p:sp>
       <p:sp>
         <p:nvSpPr>
-          <p:cNvPr id="13" name="文本占位符 14"/>
+          <p:cNvPr id="2" name="文本占位符 14"/>
           <p:cNvSpPr txBox="1"/>
           <p:nvPr>
             <p:custDataLst>
@@ -3187,7 +3174,7 @@
         </p:nvSpPr>
         <p:spPr>
           <a:xfrm>
-            <a:off x="2595245" y="3669030"/>
+            <a:off x="2595245" y="4833620"/>
             <a:ext cx="7420610" cy="1378585"/>
           </a:xfrm>
           <a:prstGeom prst="rect">
@@ -3312,15 +3299,15 @@
                   <a:schemeClr val="bg1"/>
                 </a:solidFill>
               </a:rPr>
-              <a:t>2</a:t>
-            </a:r>
-            <a:r>
-              <a:rPr lang="zh-CN" altLang="en-US" dirty="0" smtClean="0">
-                <a:solidFill>
-                  <a:schemeClr val="bg1"/>
-                </a:solidFill>
-              </a:rPr>
-              <a:t>、普通大众</a:t>
+              <a:t>3</a:t>
+            </a:r>
+            <a:r>
+              <a:rPr lang="zh-CN" altLang="en-US" dirty="0" smtClean="0">
+                <a:solidFill>
+                  <a:schemeClr val="bg1"/>
+                </a:solidFill>
+              </a:rPr>
+              <a:t>、普通休闲游戏玩家</a:t>
             </a:r>
             <a:endParaRPr lang="zh-CN" altLang="en-US" dirty="0" smtClean="0">
               <a:solidFill>
@@ -3328,15 +3315,154 @@
               </a:solidFill>
             </a:endParaRPr>
           </a:p>
+        </p:txBody>
+      </p:sp>
+      <p:sp>
+        <p:nvSpPr>
+          <p:cNvPr id="4" name="文本占位符 14"/>
+          <p:cNvSpPr txBox="1"/>
+          <p:nvPr>
+            <p:custDataLst>
+              <p:tags r:id="rId4"/>
+            </p:custDataLst>
+          </p:nvPr>
+        </p:nvSpPr>
+        <p:spPr>
+          <a:xfrm>
+            <a:off x="2595245" y="2009140"/>
+            <a:ext cx="7420610" cy="1378585"/>
+          </a:xfrm>
+          <a:prstGeom prst="rect">
+            <a:avLst/>
+          </a:prstGeom>
+          <a:ln>
+            <a:solidFill>
+              <a:schemeClr val="bg1">
+                <a:lumMod val="85000"/>
+              </a:schemeClr>
+            </a:solidFill>
+            <a:prstDash val="sysDash"/>
+          </a:ln>
+        </p:spPr>
+        <p:txBody>
+          <a:bodyPr vert="horz" lIns="91440" tIns="45720" rIns="91440" bIns="45720" rtlCol="0" anchor="ctr" anchorCtr="0">
+            <a:normAutofit lnSpcReduction="10000"/>
+          </a:bodyPr>
+          <a:lstStyle>
+            <a:defPPr>
+              <a:defRPr lang="zh-CN"/>
+            </a:defPPr>
+            <a:lvl1pPr indent="0" algn="ctr">
+              <a:lnSpc>
+                <a:spcPct val="90000"/>
+              </a:lnSpc>
+              <a:spcBef>
+                <a:spcPts val="1000"/>
+              </a:spcBef>
+              <a:buFont typeface="Arial" panose="020B0604020202020204" pitchFamily="34" charset="0"/>
+              <a:buNone/>
+              <a:defRPr sz="2800"/>
+            </a:lvl1pPr>
+            <a:lvl2pPr marL="685800" indent="-228600">
+              <a:lnSpc>
+                <a:spcPct val="90000"/>
+              </a:lnSpc>
+              <a:spcBef>
+                <a:spcPts val="500"/>
+              </a:spcBef>
+              <a:buFont typeface="Arial" panose="020B0604020202020204" pitchFamily="34" charset="0"/>
+              <a:buChar char="•"/>
+              <a:defRPr sz="2400"/>
+            </a:lvl2pPr>
+            <a:lvl3pPr marL="1143000" indent="-228600">
+              <a:lnSpc>
+                <a:spcPct val="90000"/>
+              </a:lnSpc>
+              <a:spcBef>
+                <a:spcPts val="500"/>
+              </a:spcBef>
+              <a:buFont typeface="Arial" panose="020B0604020202020204" pitchFamily="34" charset="0"/>
+              <a:buChar char="•"/>
+              <a:defRPr sz="2000"/>
+            </a:lvl3pPr>
+            <a:lvl4pPr marL="1600200" indent="-228600">
+              <a:lnSpc>
+                <a:spcPct val="90000"/>
+              </a:lnSpc>
+              <a:spcBef>
+                <a:spcPts val="500"/>
+              </a:spcBef>
+              <a:buFont typeface="Arial" panose="020B0604020202020204" pitchFamily="34" charset="0"/>
+              <a:buChar char="•"/>
+            </a:lvl4pPr>
+            <a:lvl5pPr marL="2057400" indent="-228600">
+              <a:lnSpc>
+                <a:spcPct val="90000"/>
+              </a:lnSpc>
+              <a:spcBef>
+                <a:spcPts val="500"/>
+              </a:spcBef>
+              <a:buFont typeface="Arial" panose="020B0604020202020204" pitchFamily="34" charset="0"/>
+              <a:buChar char="•"/>
+            </a:lvl5pPr>
+            <a:lvl6pPr marL="2514600" indent="-228600">
+              <a:lnSpc>
+                <a:spcPct val="90000"/>
+              </a:lnSpc>
+              <a:spcBef>
+                <a:spcPts val="500"/>
+              </a:spcBef>
+              <a:buFont typeface="Arial" panose="020B0604020202020204" pitchFamily="34" charset="0"/>
+              <a:buChar char="•"/>
+            </a:lvl6pPr>
+            <a:lvl7pPr marL="2971800" indent="-228600">
+              <a:lnSpc>
+                <a:spcPct val="90000"/>
+              </a:lnSpc>
+              <a:spcBef>
+                <a:spcPts val="500"/>
+              </a:spcBef>
+              <a:buFont typeface="Arial" panose="020B0604020202020204" pitchFamily="34" charset="0"/>
+              <a:buChar char="•"/>
+            </a:lvl7pPr>
+            <a:lvl8pPr marL="3429000" indent="-228600">
+              <a:lnSpc>
+                <a:spcPct val="90000"/>
+              </a:lnSpc>
+              <a:spcBef>
+                <a:spcPts val="500"/>
+              </a:spcBef>
+              <a:buFont typeface="Arial" panose="020B0604020202020204" pitchFamily="34" charset="0"/>
+              <a:buChar char="•"/>
+            </a:lvl8pPr>
+            <a:lvl9pPr marL="3886200" indent="-228600">
+              <a:lnSpc>
+                <a:spcPct val="90000"/>
+              </a:lnSpc>
+              <a:spcBef>
+                <a:spcPts val="500"/>
+              </a:spcBef>
+              <a:buFont typeface="Arial" panose="020B0604020202020204" pitchFamily="34" charset="0"/>
+              <a:buChar char="•"/>
+            </a:lvl9pPr>
+          </a:lstStyle>
           <a:p>
             <a:pPr algn="l"/>
             <a:r>
-              <a:rPr lang="zh-CN" altLang="en-US" dirty="0" smtClean="0">
-                <a:solidFill>
-                  <a:schemeClr val="bg1"/>
-                </a:solidFill>
-              </a:rPr>
-              <a:t>（赌心弱，追求低门槛的刺激，付费欲望弱，人数多）</a:t>
+              <a:rPr lang="en-US" altLang="zh-CN" dirty="0" smtClean="0">
+                <a:solidFill>
+                  <a:schemeClr val="bg1"/>
+                </a:solidFill>
+              </a:rPr>
+              <a:t>1</a:t>
+            </a:r>
+            <a:r>
+              <a:rPr lang="zh-CN" altLang="en-US" dirty="0" smtClean="0">
+                <a:solidFill>
+                  <a:schemeClr val="bg1"/>
+                </a:solidFill>
+              </a:rPr>
+              <a:t>、对老虎机玩法感兴趣的玩家</a:t>
             </a:r>
             <a:endParaRPr lang="zh-CN" altLang="en-US" dirty="0" smtClean="0">
               <a:solidFill>
@@ -3348,7 +3474,7 @@
       </p:sp>
     </p:spTree>
     <p:custDataLst>
-      <p:tags r:id="rId4"/>
+      <p:tags r:id="rId5"/>
     </p:custDataLst>
   </p:cSld>
   <p:clrMapOvr>
@@ -3357,7 +3483,7 @@
 </p:sld>
 </file>
 
-<file path=ppt/slides/slide2.xml><?xml version="1.0" encoding="utf-8"?>
+<file path=ppt/slides/slide10.xml><?xml version="1.0" encoding="utf-8"?>
 <p:sld xmlns:a="http://schemas.openxmlformats.org/drawingml/2006/main" xmlns:r="http://schemas.openxmlformats.org/officeDocument/2006/relationships" xmlns:p="http://schemas.openxmlformats.org/presentationml/2006/main">
   <p:cSld>
     <p:bg>
@@ -3433,20 +3559,22 @@
                 <a:solidFill>
                   <a:schemeClr val="bg1"/>
                 </a:solidFill>
-              </a:rPr>
-              <a:t>设计目标</a:t>
+                <a:sym typeface="+mn-ea"/>
+              </a:rPr>
+              <a:t>多人玩法构想：竞技场</a:t>
             </a:r>
             <a:endParaRPr lang="zh-CN" altLang="en-US" dirty="0" smtClean="0">
               <a:solidFill>
                 <a:schemeClr val="bg1"/>
               </a:solidFill>
+              <a:sym typeface="+mn-ea"/>
             </a:endParaRPr>
           </a:p>
         </p:txBody>
       </p:sp>
       <p:sp>
         <p:nvSpPr>
-          <p:cNvPr id="12" name="文本占位符 12"/>
+          <p:cNvPr id="3" name="文本占位符 14"/>
           <p:cNvSpPr txBox="1"/>
           <p:nvPr>
             <p:custDataLst>
@@ -3456,8 +3584,8 @@
         </p:nvSpPr>
         <p:spPr>
           <a:xfrm>
-            <a:off x="2562225" y="1951355"/>
-            <a:ext cx="7420610" cy="1290955"/>
+            <a:off x="838200" y="1614805"/>
+            <a:ext cx="9914255" cy="4171950"/>
           </a:xfrm>
           <a:prstGeom prst="rect">
             <a:avLst/>
@@ -3473,7 +3601,7 @@
         </p:spPr>
         <p:txBody>
           <a:bodyPr vert="horz" lIns="91440" tIns="45720" rIns="91440" bIns="45720" rtlCol="0" anchor="ctr" anchorCtr="0">
-            <a:normAutofit/>
+            <a:normAutofit fontScale="90000"/>
           </a:bodyPr>
           <a:lstStyle>
             <a:defPPr>
@@ -3574,38 +3702,26 @@
             </a:lvl9pPr>
           </a:lstStyle>
           <a:p>
-            <a:pPr algn="l"/>
-            <a:r>
-              <a:rPr lang="en-US" altLang="zh-CN" dirty="0" smtClean="0">
-                <a:solidFill>
-                  <a:schemeClr val="bg1"/>
-                </a:solidFill>
-              </a:rPr>
-              <a:t>1</a:t>
-            </a:r>
-            <a:r>
-              <a:rPr lang="zh-CN" altLang="en-US" dirty="0" smtClean="0">
-                <a:solidFill>
-                  <a:schemeClr val="bg1"/>
-                </a:solidFill>
-              </a:rPr>
-              <a:t>、确保以老虎机</a:t>
-            </a:r>
-            <a:r>
-              <a:rPr lang="en-US" altLang="zh-CN" dirty="0" smtClean="0">
-                <a:solidFill>
-                  <a:schemeClr val="bg1"/>
-                </a:solidFill>
-              </a:rPr>
-              <a:t>+</a:t>
-            </a:r>
-            <a:r>
-              <a:rPr lang="zh-CN" altLang="en-US" dirty="0" smtClean="0">
-                <a:solidFill>
-                  <a:schemeClr val="bg1"/>
-                </a:solidFill>
-              </a:rPr>
-              <a:t>奖励玩法为核心</a:t>
+            <a:pPr algn="l">
+              <a:lnSpc>
+                <a:spcPct val="110000"/>
+              </a:lnSpc>
+            </a:pPr>
+            <a:r>
+              <a:rPr lang="zh-CN" altLang="en-US" dirty="0" smtClean="0">
+                <a:solidFill>
+                  <a:schemeClr val="bg1"/>
+                </a:solidFill>
+              </a:rPr>
+              <a:t>这个构想主要出于以下一些目的</a:t>
+            </a:r>
+            <a:r>
+              <a:rPr lang="zh-CN" altLang="en-US" dirty="0" smtClean="0">
+                <a:solidFill>
+                  <a:schemeClr val="bg1"/>
+                </a:solidFill>
+              </a:rPr>
+              <a:t>：</a:t>
             </a:r>
             <a:endParaRPr lang="zh-CN" altLang="en-US" dirty="0" smtClean="0">
               <a:solidFill>
@@ -3613,154 +3729,35 @@
               </a:solidFill>
             </a:endParaRPr>
           </a:p>
-        </p:txBody>
-      </p:sp>
-      <p:sp>
-        <p:nvSpPr>
-          <p:cNvPr id="13" name="文本占位符 14"/>
-          <p:cNvSpPr txBox="1"/>
-          <p:nvPr>
-            <p:custDataLst>
-              <p:tags r:id="rId3"/>
-            </p:custDataLst>
-          </p:nvPr>
-        </p:nvSpPr>
-        <p:spPr>
-          <a:xfrm>
-            <a:off x="2562225" y="3365500"/>
-            <a:ext cx="7420610" cy="1378585"/>
-          </a:xfrm>
-          <a:prstGeom prst="rect">
-            <a:avLst/>
-          </a:prstGeom>
-          <a:ln>
-            <a:solidFill>
-              <a:schemeClr val="bg1">
-                <a:lumMod val="85000"/>
-              </a:schemeClr>
-            </a:solidFill>
-            <a:prstDash val="sysDash"/>
-          </a:ln>
-        </p:spPr>
-        <p:txBody>
-          <a:bodyPr vert="horz" lIns="91440" tIns="45720" rIns="91440" bIns="45720" rtlCol="0" anchor="ctr" anchorCtr="0">
-            <a:normAutofit/>
-          </a:bodyPr>
-          <a:lstStyle>
-            <a:defPPr>
-              <a:defRPr lang="zh-CN"/>
-            </a:defPPr>
-            <a:lvl1pPr indent="0" algn="ctr">
-              <a:lnSpc>
-                <a:spcPct val="90000"/>
-              </a:lnSpc>
-              <a:spcBef>
-                <a:spcPts val="1000"/>
-              </a:spcBef>
-              <a:buFont typeface="Arial" panose="020B0604020202020204" pitchFamily="34" charset="0"/>
-              <a:buNone/>
-              <a:defRPr sz="2800"/>
-            </a:lvl1pPr>
-            <a:lvl2pPr marL="685800" indent="-228600">
-              <a:lnSpc>
-                <a:spcPct val="90000"/>
-              </a:lnSpc>
-              <a:spcBef>
-                <a:spcPts val="500"/>
-              </a:spcBef>
-              <a:buFont typeface="Arial" panose="020B0604020202020204" pitchFamily="34" charset="0"/>
-              <a:buChar char="•"/>
-              <a:defRPr sz="2400"/>
-            </a:lvl2pPr>
-            <a:lvl3pPr marL="1143000" indent="-228600">
-              <a:lnSpc>
-                <a:spcPct val="90000"/>
-              </a:lnSpc>
-              <a:spcBef>
-                <a:spcPts val="500"/>
-              </a:spcBef>
-              <a:buFont typeface="Arial" panose="020B0604020202020204" pitchFamily="34" charset="0"/>
-              <a:buChar char="•"/>
-              <a:defRPr sz="2000"/>
-            </a:lvl3pPr>
-            <a:lvl4pPr marL="1600200" indent="-228600">
-              <a:lnSpc>
-                <a:spcPct val="90000"/>
-              </a:lnSpc>
-              <a:spcBef>
-                <a:spcPts val="500"/>
-              </a:spcBef>
-              <a:buFont typeface="Arial" panose="020B0604020202020204" pitchFamily="34" charset="0"/>
-              <a:buChar char="•"/>
-            </a:lvl4pPr>
-            <a:lvl5pPr marL="2057400" indent="-228600">
-              <a:lnSpc>
-                <a:spcPct val="90000"/>
-              </a:lnSpc>
-              <a:spcBef>
-                <a:spcPts val="500"/>
-              </a:spcBef>
-              <a:buFont typeface="Arial" panose="020B0604020202020204" pitchFamily="34" charset="0"/>
-              <a:buChar char="•"/>
-            </a:lvl5pPr>
-            <a:lvl6pPr marL="2514600" indent="-228600">
-              <a:lnSpc>
-                <a:spcPct val="90000"/>
-              </a:lnSpc>
-              <a:spcBef>
-                <a:spcPts val="500"/>
-              </a:spcBef>
-              <a:buFont typeface="Arial" panose="020B0604020202020204" pitchFamily="34" charset="0"/>
-              <a:buChar char="•"/>
-            </a:lvl6pPr>
-            <a:lvl7pPr marL="2971800" indent="-228600">
-              <a:lnSpc>
-                <a:spcPct val="90000"/>
-              </a:lnSpc>
-              <a:spcBef>
-                <a:spcPts val="500"/>
-              </a:spcBef>
-              <a:buFont typeface="Arial" panose="020B0604020202020204" pitchFamily="34" charset="0"/>
-              <a:buChar char="•"/>
-            </a:lvl7pPr>
-            <a:lvl8pPr marL="3429000" indent="-228600">
-              <a:lnSpc>
-                <a:spcPct val="90000"/>
-              </a:lnSpc>
-              <a:spcBef>
-                <a:spcPts val="500"/>
-              </a:spcBef>
-              <a:buFont typeface="Arial" panose="020B0604020202020204" pitchFamily="34" charset="0"/>
-              <a:buChar char="•"/>
-            </a:lvl8pPr>
-            <a:lvl9pPr marL="3886200" indent="-228600">
-              <a:lnSpc>
-                <a:spcPct val="90000"/>
-              </a:lnSpc>
-              <a:spcBef>
-                <a:spcPts val="500"/>
-              </a:spcBef>
-              <a:buFont typeface="Arial" panose="020B0604020202020204" pitchFamily="34" charset="0"/>
-              <a:buChar char="•"/>
-            </a:lvl9pPr>
-          </a:lstStyle>
-          <a:p>
-            <a:pPr algn="l"/>
+          <a:p>
+            <a:pPr algn="l">
+              <a:lnSpc>
+                <a:spcPct val="110000"/>
+              </a:lnSpc>
+            </a:pPr>
             <a:r>
               <a:rPr lang="en-US" altLang="zh-CN" dirty="0" smtClean="0">
                 <a:solidFill>
                   <a:schemeClr val="bg1"/>
                 </a:solidFill>
               </a:rPr>
-              <a:t>2</a:t>
-            </a:r>
-            <a:r>
-              <a:rPr lang="zh-CN" altLang="en-US" dirty="0" smtClean="0">
-                <a:solidFill>
-                  <a:schemeClr val="bg1"/>
-                </a:solidFill>
-              </a:rPr>
-              <a:t>、提供长远目标和新鲜感，促使玩家长期玩下去</a:t>
+              <a:t>1</a:t>
+            </a:r>
+            <a:r>
+              <a:rPr lang="zh-CN" altLang="en-US" dirty="0" smtClean="0">
+                <a:solidFill>
+                  <a:schemeClr val="bg1"/>
+                </a:solidFill>
+              </a:rPr>
+              <a:t>、玩家需要花费很多的时间去收集新的卡牌，而开发者可以源源不断地提供新的卡牌</a:t>
+            </a:r>
+            <a:r>
+              <a:rPr lang="zh-CN" altLang="en-US" dirty="0" smtClean="0">
+                <a:solidFill>
+                  <a:schemeClr val="bg1"/>
+                </a:solidFill>
+              </a:rPr>
+              <a:t>供玩家收集</a:t>
             </a:r>
             <a:endParaRPr lang="zh-CN" altLang="en-US" dirty="0" smtClean="0">
               <a:solidFill>
@@ -3768,154 +3765,43 @@
               </a:solidFill>
             </a:endParaRPr>
           </a:p>
-        </p:txBody>
-      </p:sp>
-      <p:sp>
-        <p:nvSpPr>
-          <p:cNvPr id="2" name="文本占位符 14"/>
-          <p:cNvSpPr txBox="1"/>
-          <p:nvPr>
-            <p:custDataLst>
-              <p:tags r:id="rId4"/>
-            </p:custDataLst>
-          </p:nvPr>
-        </p:nvSpPr>
-        <p:spPr>
-          <a:xfrm>
-            <a:off x="2562225" y="4867910"/>
-            <a:ext cx="7420610" cy="1378585"/>
-          </a:xfrm>
-          <a:prstGeom prst="rect">
-            <a:avLst/>
-          </a:prstGeom>
-          <a:ln>
-            <a:solidFill>
-              <a:schemeClr val="bg1">
-                <a:lumMod val="85000"/>
-              </a:schemeClr>
-            </a:solidFill>
-            <a:prstDash val="sysDash"/>
-          </a:ln>
-        </p:spPr>
-        <p:txBody>
-          <a:bodyPr vert="horz" lIns="91440" tIns="45720" rIns="91440" bIns="45720" rtlCol="0" anchor="ctr" anchorCtr="0">
-            <a:normAutofit/>
-          </a:bodyPr>
-          <a:lstStyle>
-            <a:defPPr>
-              <a:defRPr lang="zh-CN"/>
-            </a:defPPr>
-            <a:lvl1pPr indent="0" algn="ctr">
-              <a:lnSpc>
-                <a:spcPct val="90000"/>
-              </a:lnSpc>
-              <a:spcBef>
-                <a:spcPts val="1000"/>
-              </a:spcBef>
-              <a:buFont typeface="Arial" panose="020B0604020202020204" pitchFamily="34" charset="0"/>
-              <a:buNone/>
-              <a:defRPr sz="2800"/>
-            </a:lvl1pPr>
-            <a:lvl2pPr marL="685800" indent="-228600">
-              <a:lnSpc>
-                <a:spcPct val="90000"/>
-              </a:lnSpc>
-              <a:spcBef>
-                <a:spcPts val="500"/>
-              </a:spcBef>
-              <a:buFont typeface="Arial" panose="020B0604020202020204" pitchFamily="34" charset="0"/>
-              <a:buChar char="•"/>
-              <a:defRPr sz="2400"/>
-            </a:lvl2pPr>
-            <a:lvl3pPr marL="1143000" indent="-228600">
-              <a:lnSpc>
-                <a:spcPct val="90000"/>
-              </a:lnSpc>
-              <a:spcBef>
-                <a:spcPts val="500"/>
-              </a:spcBef>
-              <a:buFont typeface="Arial" panose="020B0604020202020204" pitchFamily="34" charset="0"/>
-              <a:buChar char="•"/>
-              <a:defRPr sz="2000"/>
-            </a:lvl3pPr>
-            <a:lvl4pPr marL="1600200" indent="-228600">
-              <a:lnSpc>
-                <a:spcPct val="90000"/>
-              </a:lnSpc>
-              <a:spcBef>
-                <a:spcPts val="500"/>
-              </a:spcBef>
-              <a:buFont typeface="Arial" panose="020B0604020202020204" pitchFamily="34" charset="0"/>
-              <a:buChar char="•"/>
-            </a:lvl4pPr>
-            <a:lvl5pPr marL="2057400" indent="-228600">
-              <a:lnSpc>
-                <a:spcPct val="90000"/>
-              </a:lnSpc>
-              <a:spcBef>
-                <a:spcPts val="500"/>
-              </a:spcBef>
-              <a:buFont typeface="Arial" panose="020B0604020202020204" pitchFamily="34" charset="0"/>
-              <a:buChar char="•"/>
-            </a:lvl5pPr>
-            <a:lvl6pPr marL="2514600" indent="-228600">
-              <a:lnSpc>
-                <a:spcPct val="90000"/>
-              </a:lnSpc>
-              <a:spcBef>
-                <a:spcPts val="500"/>
-              </a:spcBef>
-              <a:buFont typeface="Arial" panose="020B0604020202020204" pitchFamily="34" charset="0"/>
-              <a:buChar char="•"/>
-            </a:lvl6pPr>
-            <a:lvl7pPr marL="2971800" indent="-228600">
-              <a:lnSpc>
-                <a:spcPct val="90000"/>
-              </a:lnSpc>
-              <a:spcBef>
-                <a:spcPts val="500"/>
-              </a:spcBef>
-              <a:buFont typeface="Arial" panose="020B0604020202020204" pitchFamily="34" charset="0"/>
-              <a:buChar char="•"/>
-            </a:lvl7pPr>
-            <a:lvl8pPr marL="3429000" indent="-228600">
-              <a:lnSpc>
-                <a:spcPct val="90000"/>
-              </a:lnSpc>
-              <a:spcBef>
-                <a:spcPts val="500"/>
-              </a:spcBef>
-              <a:buFont typeface="Arial" panose="020B0604020202020204" pitchFamily="34" charset="0"/>
-              <a:buChar char="•"/>
-            </a:lvl8pPr>
-            <a:lvl9pPr marL="3886200" indent="-228600">
-              <a:lnSpc>
-                <a:spcPct val="90000"/>
-              </a:lnSpc>
-              <a:spcBef>
-                <a:spcPts val="500"/>
-              </a:spcBef>
-              <a:buFont typeface="Arial" panose="020B0604020202020204" pitchFamily="34" charset="0"/>
-              <a:buChar char="•"/>
-            </a:lvl9pPr>
-          </a:lstStyle>
-          <a:p>
-            <a:pPr algn="l"/>
+          <a:p>
+            <a:pPr algn="l">
+              <a:lnSpc>
+                <a:spcPct val="110000"/>
+              </a:lnSpc>
+            </a:pPr>
             <a:r>
               <a:rPr lang="en-US" altLang="zh-CN" dirty="0" smtClean="0">
                 <a:solidFill>
                   <a:schemeClr val="bg1"/>
                 </a:solidFill>
               </a:rPr>
-              <a:t>3</a:t>
-            </a:r>
-            <a:r>
-              <a:rPr lang="zh-CN" altLang="en-US" dirty="0" smtClean="0">
-                <a:solidFill>
-                  <a:schemeClr val="bg1"/>
-                </a:solidFill>
-              </a:rPr>
-              <a:t>、规则少，容易理解</a:t>
+              <a:t>2</a:t>
+            </a:r>
+            <a:r>
+              <a:rPr lang="zh-CN" altLang="en-US" dirty="0" smtClean="0">
+                <a:solidFill>
+                  <a:schemeClr val="bg1"/>
+                </a:solidFill>
+              </a:rPr>
+              <a:t>、玩家在对抗时可以实施</a:t>
+            </a:r>
+            <a:r>
+              <a:rPr lang="zh-CN" altLang="en-US" dirty="0" smtClean="0">
+                <a:solidFill>
+                  <a:schemeClr val="bg1"/>
+                </a:solidFill>
+              </a:rPr>
+              <a:t>一些策略，获得一种自己的策略影响结果的感觉（也可以只</a:t>
+            </a:r>
+            <a:r>
+              <a:rPr lang="zh-CN" altLang="en-US" dirty="0" smtClean="0">
+                <a:solidFill>
+                  <a:schemeClr val="bg1"/>
+                </a:solidFill>
+              </a:rPr>
+              <a:t>是幻觉，只要有就行）</a:t>
             </a:r>
             <a:endParaRPr lang="zh-CN" altLang="en-US" dirty="0" smtClean="0">
               <a:solidFill>
@@ -3923,11 +3809,75 @@
               </a:solidFill>
             </a:endParaRPr>
           </a:p>
+          <a:p>
+            <a:pPr algn="l">
+              <a:lnSpc>
+                <a:spcPct val="110000"/>
+              </a:lnSpc>
+            </a:pPr>
+            <a:r>
+              <a:rPr lang="en-US" altLang="zh-CN" dirty="0" smtClean="0">
+                <a:solidFill>
+                  <a:schemeClr val="bg1"/>
+                </a:solidFill>
+              </a:rPr>
+              <a:t>3</a:t>
+            </a:r>
+            <a:r>
+              <a:rPr lang="zh-CN" altLang="en-US" dirty="0" smtClean="0">
+                <a:solidFill>
+                  <a:schemeClr val="bg1"/>
+                </a:solidFill>
+              </a:rPr>
+              <a:t>、玩家能够击败别的玩家获得上榜的机会，从而获得成就感，使得</a:t>
+            </a:r>
+            <a:r>
+              <a:rPr lang="zh-CN" altLang="en-US" dirty="0" smtClean="0">
+                <a:solidFill>
+                  <a:schemeClr val="bg1"/>
+                </a:solidFill>
+              </a:rPr>
+              <a:t>这个玩法也可以长期玩下去</a:t>
+            </a:r>
+            <a:endParaRPr lang="zh-CN" altLang="en-US" dirty="0" smtClean="0">
+              <a:solidFill>
+                <a:schemeClr val="bg1"/>
+              </a:solidFill>
+            </a:endParaRPr>
+          </a:p>
+          <a:p>
+            <a:pPr algn="l">
+              <a:lnSpc>
+                <a:spcPct val="110000"/>
+              </a:lnSpc>
+            </a:pPr>
+            <a:r>
+              <a:rPr lang="zh-CN" altLang="en-US" dirty="0" smtClean="0">
+                <a:solidFill>
+                  <a:schemeClr val="bg1"/>
+                </a:solidFill>
+              </a:rPr>
+              <a:t>只要能满足这些</a:t>
+            </a:r>
+            <a:r>
+              <a:rPr lang="zh-CN" altLang="en-US" dirty="0" smtClean="0">
+                <a:solidFill>
+                  <a:schemeClr val="bg1"/>
+                </a:solidFill>
+              </a:rPr>
+              <a:t>功能的玩法，都可以考虑</a:t>
+            </a:r>
+            <a:endParaRPr lang="zh-CN" altLang="en-US" dirty="0" smtClean="0">
+              <a:solidFill>
+                <a:schemeClr val="bg1"/>
+              </a:solidFill>
+            </a:endParaRPr>
+          </a:p>
         </p:txBody>
       </p:sp>
     </p:spTree>
     <p:custDataLst>
-      <p:tags r:id="rId5"/>
+      <p:tags r:id="rId3"/>
     </p:custDataLst>
   </p:cSld>
   <p:clrMapOvr>
@@ -3936,7 +3886,7 @@
 </p:sld>
 </file>
 
-<file path=ppt/slides/slide3.xml><?xml version="1.0" encoding="utf-8"?>
+<file path=ppt/slides/slide11.xml><?xml version="1.0" encoding="utf-8"?>
 <p:sld xmlns:a="http://schemas.openxmlformats.org/drawingml/2006/main" xmlns:r="http://schemas.openxmlformats.org/officeDocument/2006/relationships" xmlns:p="http://schemas.openxmlformats.org/presentationml/2006/main">
   <p:cSld>
     <p:bg>
@@ -4012,20 +3962,22 @@
                 <a:solidFill>
                   <a:schemeClr val="bg1"/>
                 </a:solidFill>
-              </a:rPr>
-              <a:t>设计目标</a:t>
+                <a:sym typeface="+mn-ea"/>
+              </a:rPr>
+              <a:t>游戏设计：基础玩法</a:t>
             </a:r>
             <a:endParaRPr lang="zh-CN" altLang="en-US" dirty="0" smtClean="0">
               <a:solidFill>
                 <a:schemeClr val="bg1"/>
               </a:solidFill>
+              <a:sym typeface="+mn-ea"/>
             </a:endParaRPr>
           </a:p>
         </p:txBody>
       </p:sp>
       <p:sp>
         <p:nvSpPr>
-          <p:cNvPr id="12" name="文本占位符 12"/>
+          <p:cNvPr id="3" name="文本占位符 14"/>
           <p:cNvSpPr txBox="1"/>
           <p:nvPr>
             <p:custDataLst>
@@ -4035,8 +3987,2754 @@
         </p:nvSpPr>
         <p:spPr>
           <a:xfrm>
-            <a:off x="2562225" y="1951355"/>
-            <a:ext cx="7420610" cy="1290955"/>
+            <a:off x="838200" y="1614805"/>
+            <a:ext cx="9914255" cy="4171950"/>
+          </a:xfrm>
+          <a:prstGeom prst="rect">
+            <a:avLst/>
+          </a:prstGeom>
+          <a:ln>
+            <a:solidFill>
+              <a:schemeClr val="bg1">
+                <a:lumMod val="85000"/>
+              </a:schemeClr>
+            </a:solidFill>
+            <a:prstDash val="sysDash"/>
+          </a:ln>
+        </p:spPr>
+        <p:txBody>
+          <a:bodyPr vert="horz" lIns="91440" tIns="45720" rIns="91440" bIns="45720" rtlCol="0" anchor="ctr" anchorCtr="0">
+            <a:normAutofit lnSpcReduction="20000"/>
+          </a:bodyPr>
+          <a:lstStyle>
+            <a:defPPr>
+              <a:defRPr lang="zh-CN"/>
+            </a:defPPr>
+            <a:lvl1pPr indent="0" algn="ctr">
+              <a:lnSpc>
+                <a:spcPct val="90000"/>
+              </a:lnSpc>
+              <a:spcBef>
+                <a:spcPts val="1000"/>
+              </a:spcBef>
+              <a:buFont typeface="Arial" panose="020B0604020202020204" pitchFamily="34" charset="0"/>
+              <a:buNone/>
+              <a:defRPr sz="2800"/>
+            </a:lvl1pPr>
+            <a:lvl2pPr marL="685800" indent="-228600">
+              <a:lnSpc>
+                <a:spcPct val="90000"/>
+              </a:lnSpc>
+              <a:spcBef>
+                <a:spcPts val="500"/>
+              </a:spcBef>
+              <a:buFont typeface="Arial" panose="020B0604020202020204" pitchFamily="34" charset="0"/>
+              <a:buChar char="•"/>
+              <a:defRPr sz="2400"/>
+            </a:lvl2pPr>
+            <a:lvl3pPr marL="1143000" indent="-228600">
+              <a:lnSpc>
+                <a:spcPct val="90000"/>
+              </a:lnSpc>
+              <a:spcBef>
+                <a:spcPts val="500"/>
+              </a:spcBef>
+              <a:buFont typeface="Arial" panose="020B0604020202020204" pitchFamily="34" charset="0"/>
+              <a:buChar char="•"/>
+              <a:defRPr sz="2000"/>
+            </a:lvl3pPr>
+            <a:lvl4pPr marL="1600200" indent="-228600">
+              <a:lnSpc>
+                <a:spcPct val="90000"/>
+              </a:lnSpc>
+              <a:spcBef>
+                <a:spcPts val="500"/>
+              </a:spcBef>
+              <a:buFont typeface="Arial" panose="020B0604020202020204" pitchFamily="34" charset="0"/>
+              <a:buChar char="•"/>
+            </a:lvl4pPr>
+            <a:lvl5pPr marL="2057400" indent="-228600">
+              <a:lnSpc>
+                <a:spcPct val="90000"/>
+              </a:lnSpc>
+              <a:spcBef>
+                <a:spcPts val="500"/>
+              </a:spcBef>
+              <a:buFont typeface="Arial" panose="020B0604020202020204" pitchFamily="34" charset="0"/>
+              <a:buChar char="•"/>
+            </a:lvl5pPr>
+            <a:lvl6pPr marL="2514600" indent="-228600">
+              <a:lnSpc>
+                <a:spcPct val="90000"/>
+              </a:lnSpc>
+              <a:spcBef>
+                <a:spcPts val="500"/>
+              </a:spcBef>
+              <a:buFont typeface="Arial" panose="020B0604020202020204" pitchFamily="34" charset="0"/>
+              <a:buChar char="•"/>
+            </a:lvl6pPr>
+            <a:lvl7pPr marL="2971800" indent="-228600">
+              <a:lnSpc>
+                <a:spcPct val="90000"/>
+              </a:lnSpc>
+              <a:spcBef>
+                <a:spcPts val="500"/>
+              </a:spcBef>
+              <a:buFont typeface="Arial" panose="020B0604020202020204" pitchFamily="34" charset="0"/>
+              <a:buChar char="•"/>
+            </a:lvl7pPr>
+            <a:lvl8pPr marL="3429000" indent="-228600">
+              <a:lnSpc>
+                <a:spcPct val="90000"/>
+              </a:lnSpc>
+              <a:spcBef>
+                <a:spcPts val="500"/>
+              </a:spcBef>
+              <a:buFont typeface="Arial" panose="020B0604020202020204" pitchFamily="34" charset="0"/>
+              <a:buChar char="•"/>
+            </a:lvl8pPr>
+            <a:lvl9pPr marL="3886200" indent="-228600">
+              <a:lnSpc>
+                <a:spcPct val="90000"/>
+              </a:lnSpc>
+              <a:spcBef>
+                <a:spcPts val="500"/>
+              </a:spcBef>
+              <a:buFont typeface="Arial" panose="020B0604020202020204" pitchFamily="34" charset="0"/>
+              <a:buChar char="•"/>
+            </a:lvl9pPr>
+          </a:lstStyle>
+          <a:p>
+            <a:pPr algn="l">
+              <a:lnSpc>
+                <a:spcPct val="110000"/>
+              </a:lnSpc>
+            </a:pPr>
+            <a:r>
+              <a:rPr lang="en-US" altLang="zh-CN" dirty="0" smtClean="0">
+                <a:solidFill>
+                  <a:schemeClr val="bg1"/>
+                </a:solidFill>
+              </a:rPr>
+              <a:t>· </a:t>
+            </a:r>
+            <a:r>
+              <a:rPr lang="zh-CN" altLang="en-US" dirty="0" smtClean="0">
+                <a:solidFill>
+                  <a:schemeClr val="bg1"/>
+                </a:solidFill>
+              </a:rPr>
+              <a:t>基础玩法仍然是老虎机</a:t>
+            </a:r>
+            <a:r>
+              <a:rPr lang="en-US" altLang="zh-CN" dirty="0" smtClean="0">
+                <a:solidFill>
+                  <a:schemeClr val="bg1"/>
+                </a:solidFill>
+              </a:rPr>
+              <a:t>+</a:t>
+            </a:r>
+            <a:r>
+              <a:rPr lang="zh-CN" altLang="en-US" dirty="0" smtClean="0">
+                <a:solidFill>
+                  <a:schemeClr val="bg1"/>
+                </a:solidFill>
+              </a:rPr>
+              <a:t>奖励游戏</a:t>
+            </a:r>
+            <a:endParaRPr lang="zh-CN" altLang="en-US" dirty="0" smtClean="0">
+              <a:solidFill>
+                <a:schemeClr val="bg1"/>
+              </a:solidFill>
+            </a:endParaRPr>
+          </a:p>
+          <a:p>
+            <a:pPr algn="l">
+              <a:lnSpc>
+                <a:spcPct val="110000"/>
+              </a:lnSpc>
+            </a:pPr>
+            <a:r>
+              <a:rPr lang="en-US" altLang="zh-CN" dirty="0" smtClean="0">
+                <a:solidFill>
+                  <a:schemeClr val="bg1"/>
+                </a:solidFill>
+              </a:rPr>
+              <a:t>· </a:t>
+            </a:r>
+            <a:r>
+              <a:rPr lang="zh-CN" altLang="en-US" dirty="0" smtClean="0">
+                <a:solidFill>
+                  <a:schemeClr val="bg1"/>
+                </a:solidFill>
+              </a:rPr>
+              <a:t>每一个老虎机结合一个主题，如某个古埃及神话，主题影响老虎机的表现效果（图案、背景等）</a:t>
+            </a:r>
+            <a:endParaRPr lang="zh-CN" altLang="en-US" dirty="0" smtClean="0">
+              <a:solidFill>
+                <a:schemeClr val="bg1"/>
+              </a:solidFill>
+            </a:endParaRPr>
+          </a:p>
+          <a:p>
+            <a:pPr algn="l">
+              <a:lnSpc>
+                <a:spcPct val="110000"/>
+              </a:lnSpc>
+            </a:pPr>
+            <a:r>
+              <a:rPr lang="en-US" altLang="zh-CN" dirty="0" smtClean="0">
+                <a:solidFill>
+                  <a:schemeClr val="bg1"/>
+                </a:solidFill>
+              </a:rPr>
+              <a:t>· </a:t>
+            </a:r>
+            <a:r>
+              <a:rPr lang="zh-CN" altLang="en-US" dirty="0" smtClean="0">
+                <a:solidFill>
+                  <a:schemeClr val="bg1"/>
+                </a:solidFill>
+              </a:rPr>
+              <a:t>老虎机由金币启动，产出有：</a:t>
+            </a:r>
+            <a:endParaRPr lang="zh-CN" altLang="en-US" dirty="0" smtClean="0">
+              <a:solidFill>
+                <a:schemeClr val="bg1"/>
+              </a:solidFill>
+            </a:endParaRPr>
+          </a:p>
+          <a:p>
+            <a:pPr algn="l">
+              <a:lnSpc>
+                <a:spcPct val="110000"/>
+              </a:lnSpc>
+            </a:pPr>
+            <a:r>
+              <a:rPr lang="en-US" altLang="zh-CN" dirty="0" smtClean="0">
+                <a:solidFill>
+                  <a:schemeClr val="bg1"/>
+                </a:solidFill>
+              </a:rPr>
+              <a:t>1</a:t>
+            </a:r>
+            <a:r>
+              <a:rPr lang="zh-CN" altLang="en-US" dirty="0" smtClean="0">
+                <a:solidFill>
+                  <a:schemeClr val="bg1"/>
+                </a:solidFill>
+              </a:rPr>
+              <a:t>、金币（期望值是负数）</a:t>
+            </a:r>
+            <a:endParaRPr lang="zh-CN" altLang="en-US" dirty="0" smtClean="0">
+              <a:solidFill>
+                <a:schemeClr val="bg1"/>
+              </a:solidFill>
+            </a:endParaRPr>
+          </a:p>
+          <a:p>
+            <a:pPr algn="l">
+              <a:lnSpc>
+                <a:spcPct val="110000"/>
+              </a:lnSpc>
+            </a:pPr>
+            <a:r>
+              <a:rPr lang="en-US" altLang="zh-CN" dirty="0" smtClean="0">
+                <a:solidFill>
+                  <a:schemeClr val="bg1"/>
+                </a:solidFill>
+              </a:rPr>
+              <a:t>2</a:t>
+            </a:r>
+            <a:r>
+              <a:rPr lang="zh-CN" altLang="en-US" dirty="0" smtClean="0">
+                <a:solidFill>
+                  <a:schemeClr val="bg1"/>
+                </a:solidFill>
+              </a:rPr>
+              <a:t>、文明点数（类似于经验值）</a:t>
+            </a:r>
+            <a:endParaRPr lang="zh-CN" altLang="en-US" dirty="0" smtClean="0">
+              <a:solidFill>
+                <a:schemeClr val="bg1"/>
+              </a:solidFill>
+            </a:endParaRPr>
+          </a:p>
+          <a:p>
+            <a:pPr algn="l">
+              <a:lnSpc>
+                <a:spcPct val="110000"/>
+              </a:lnSpc>
+            </a:pPr>
+            <a:r>
+              <a:rPr lang="en-US" altLang="zh-CN" dirty="0" smtClean="0">
+                <a:solidFill>
+                  <a:schemeClr val="bg1"/>
+                </a:solidFill>
+              </a:rPr>
+              <a:t>3</a:t>
+            </a:r>
+            <a:r>
+              <a:rPr lang="zh-CN" altLang="en-US" dirty="0" smtClean="0">
+                <a:solidFill>
+                  <a:schemeClr val="bg1"/>
+                </a:solidFill>
+              </a:rPr>
+              <a:t>、道具（也可以取名叫做</a:t>
+            </a:r>
+            <a:r>
+              <a:rPr lang="zh-CN" altLang="en-US" dirty="0" smtClean="0">
+                <a:solidFill>
+                  <a:schemeClr val="bg1"/>
+                </a:solidFill>
+              </a:rPr>
+              <a:t>科技、社会成果）</a:t>
+            </a:r>
+            <a:endParaRPr lang="zh-CN" altLang="en-US" dirty="0" smtClean="0">
+              <a:solidFill>
+                <a:schemeClr val="bg1"/>
+              </a:solidFill>
+            </a:endParaRPr>
+          </a:p>
+        </p:txBody>
+      </p:sp>
+    </p:spTree>
+    <p:custDataLst>
+      <p:tags r:id="rId3"/>
+    </p:custDataLst>
+  </p:cSld>
+  <p:clrMapOvr>
+    <a:masterClrMapping/>
+  </p:clrMapOvr>
+</p:sld>
+</file>
+
+<file path=ppt/slides/slide12.xml><?xml version="1.0" encoding="utf-8"?>
+<p:sld xmlns:a="http://schemas.openxmlformats.org/drawingml/2006/main" xmlns:r="http://schemas.openxmlformats.org/officeDocument/2006/relationships" xmlns:p="http://schemas.openxmlformats.org/presentationml/2006/main">
+  <p:cSld>
+    <p:bg>
+      <p:bgPr>
+        <a:solidFill>
+          <a:schemeClr val="accent1">
+            <a:lumMod val="75000"/>
+          </a:schemeClr>
+        </a:solidFill>
+        <a:effectLst/>
+      </p:bgPr>
+    </p:bg>
+    <p:spTree>
+      <p:nvGrpSpPr>
+        <p:cNvPr id="1" name=""/>
+        <p:cNvGrpSpPr/>
+        <p:nvPr/>
+      </p:nvGrpSpPr>
+      <p:grpSpPr>
+        <a:xfrm>
+          <a:off x="0" y="0"/>
+          <a:ext cx="0" cy="0"/>
+          <a:chOff x="0" y="0"/>
+          <a:chExt cx="0" cy="0"/>
+        </a:xfrm>
+      </p:grpSpPr>
+      <p:sp>
+        <p:nvSpPr>
+          <p:cNvPr id="11" name="标题 1"/>
+          <p:cNvSpPr txBox="1"/>
+          <p:nvPr>
+            <p:custDataLst>
+              <p:tags r:id="rId1"/>
+            </p:custDataLst>
+          </p:nvPr>
+        </p:nvSpPr>
+        <p:spPr>
+          <a:xfrm>
+            <a:off x="838200" y="365125"/>
+            <a:ext cx="10515600" cy="1325563"/>
+          </a:xfrm>
+          <a:prstGeom prst="rect">
+            <a:avLst/>
+          </a:prstGeom>
+          <a:noFill/>
+        </p:spPr>
+        <p:txBody>
+          <a:bodyPr anchor="ctr" anchorCtr="0">
+            <a:normAutofit/>
+          </a:bodyPr>
+          <a:lstStyle>
+            <a:defPPr>
+              <a:defRPr lang="zh-CN"/>
+            </a:defPPr>
+            <a:lvl1pPr algn="ctr">
+              <a:lnSpc>
+                <a:spcPct val="90000"/>
+              </a:lnSpc>
+              <a:spcBef>
+                <a:spcPct val="0"/>
+              </a:spcBef>
+              <a:buNone/>
+              <a:defRPr sz="4400">
+                <a:latin typeface="+mj-lt"/>
+                <a:ea typeface="+mj-ea"/>
+                <a:cs typeface="+mj-cs"/>
+              </a:defRPr>
+            </a:lvl1pPr>
+          </a:lstStyle>
+          <a:p>
+            <a:r>
+              <a:rPr lang="zh-CN" altLang="en-US" dirty="0" smtClean="0">
+                <a:solidFill>
+                  <a:schemeClr val="bg1"/>
+                </a:solidFill>
+                <a:sym typeface="+mn-ea"/>
+              </a:rPr>
+              <a:t>游戏设计：文明时代划分</a:t>
+            </a:r>
+            <a:endParaRPr lang="zh-CN" altLang="en-US" dirty="0" smtClean="0">
+              <a:solidFill>
+                <a:schemeClr val="bg1"/>
+              </a:solidFill>
+              <a:sym typeface="+mn-ea"/>
+            </a:endParaRPr>
+          </a:p>
+        </p:txBody>
+      </p:sp>
+      <p:sp>
+        <p:nvSpPr>
+          <p:cNvPr id="3" name="文本占位符 14"/>
+          <p:cNvSpPr txBox="1"/>
+          <p:nvPr>
+            <p:custDataLst>
+              <p:tags r:id="rId2"/>
+            </p:custDataLst>
+          </p:nvPr>
+        </p:nvSpPr>
+        <p:spPr>
+          <a:xfrm>
+            <a:off x="838200" y="1691005"/>
+            <a:ext cx="9914255" cy="4171950"/>
+          </a:xfrm>
+          <a:prstGeom prst="rect">
+            <a:avLst/>
+          </a:prstGeom>
+          <a:ln>
+            <a:solidFill>
+              <a:schemeClr val="bg1">
+                <a:lumMod val="85000"/>
+              </a:schemeClr>
+            </a:solidFill>
+            <a:prstDash val="sysDash"/>
+          </a:ln>
+        </p:spPr>
+        <p:txBody>
+          <a:bodyPr vert="horz" lIns="91440" tIns="45720" rIns="91440" bIns="45720" rtlCol="0" anchor="ctr" anchorCtr="0">
+            <a:normAutofit fontScale="90000"/>
+          </a:bodyPr>
+          <a:lstStyle>
+            <a:defPPr>
+              <a:defRPr lang="zh-CN"/>
+            </a:defPPr>
+            <a:lvl1pPr indent="0" algn="ctr">
+              <a:lnSpc>
+                <a:spcPct val="90000"/>
+              </a:lnSpc>
+              <a:spcBef>
+                <a:spcPts val="1000"/>
+              </a:spcBef>
+              <a:buFont typeface="Arial" panose="020B0604020202020204" pitchFamily="34" charset="0"/>
+              <a:buNone/>
+              <a:defRPr sz="2800"/>
+            </a:lvl1pPr>
+            <a:lvl2pPr marL="685800" indent="-228600">
+              <a:lnSpc>
+                <a:spcPct val="90000"/>
+              </a:lnSpc>
+              <a:spcBef>
+                <a:spcPts val="500"/>
+              </a:spcBef>
+              <a:buFont typeface="Arial" panose="020B0604020202020204" pitchFamily="34" charset="0"/>
+              <a:buChar char="•"/>
+              <a:defRPr sz="2400"/>
+            </a:lvl2pPr>
+            <a:lvl3pPr marL="1143000" indent="-228600">
+              <a:lnSpc>
+                <a:spcPct val="90000"/>
+              </a:lnSpc>
+              <a:spcBef>
+                <a:spcPts val="500"/>
+              </a:spcBef>
+              <a:buFont typeface="Arial" panose="020B0604020202020204" pitchFamily="34" charset="0"/>
+              <a:buChar char="•"/>
+              <a:defRPr sz="2000"/>
+            </a:lvl3pPr>
+            <a:lvl4pPr marL="1600200" indent="-228600">
+              <a:lnSpc>
+                <a:spcPct val="90000"/>
+              </a:lnSpc>
+              <a:spcBef>
+                <a:spcPts val="500"/>
+              </a:spcBef>
+              <a:buFont typeface="Arial" panose="020B0604020202020204" pitchFamily="34" charset="0"/>
+              <a:buChar char="•"/>
+            </a:lvl4pPr>
+            <a:lvl5pPr marL="2057400" indent="-228600">
+              <a:lnSpc>
+                <a:spcPct val="90000"/>
+              </a:lnSpc>
+              <a:spcBef>
+                <a:spcPts val="500"/>
+              </a:spcBef>
+              <a:buFont typeface="Arial" panose="020B0604020202020204" pitchFamily="34" charset="0"/>
+              <a:buChar char="•"/>
+            </a:lvl5pPr>
+            <a:lvl6pPr marL="2514600" indent="-228600">
+              <a:lnSpc>
+                <a:spcPct val="90000"/>
+              </a:lnSpc>
+              <a:spcBef>
+                <a:spcPts val="500"/>
+              </a:spcBef>
+              <a:buFont typeface="Arial" panose="020B0604020202020204" pitchFamily="34" charset="0"/>
+              <a:buChar char="•"/>
+            </a:lvl6pPr>
+            <a:lvl7pPr marL="2971800" indent="-228600">
+              <a:lnSpc>
+                <a:spcPct val="90000"/>
+              </a:lnSpc>
+              <a:spcBef>
+                <a:spcPts val="500"/>
+              </a:spcBef>
+              <a:buFont typeface="Arial" panose="020B0604020202020204" pitchFamily="34" charset="0"/>
+              <a:buChar char="•"/>
+            </a:lvl7pPr>
+            <a:lvl8pPr marL="3429000" indent="-228600">
+              <a:lnSpc>
+                <a:spcPct val="90000"/>
+              </a:lnSpc>
+              <a:spcBef>
+                <a:spcPts val="500"/>
+              </a:spcBef>
+              <a:buFont typeface="Arial" panose="020B0604020202020204" pitchFamily="34" charset="0"/>
+              <a:buChar char="•"/>
+            </a:lvl8pPr>
+            <a:lvl9pPr marL="3886200" indent="-228600">
+              <a:lnSpc>
+                <a:spcPct val="90000"/>
+              </a:lnSpc>
+              <a:spcBef>
+                <a:spcPts val="500"/>
+              </a:spcBef>
+              <a:buFont typeface="Arial" panose="020B0604020202020204" pitchFamily="34" charset="0"/>
+              <a:buChar char="•"/>
+            </a:lvl9pPr>
+          </a:lstStyle>
+          <a:p>
+            <a:pPr algn="l">
+              <a:lnSpc>
+                <a:spcPct val="110000"/>
+              </a:lnSpc>
+            </a:pPr>
+            <a:r>
+              <a:rPr lang="zh-CN" altLang="en-US" dirty="0" smtClean="0">
+                <a:solidFill>
+                  <a:schemeClr val="bg1"/>
+                </a:solidFill>
+              </a:rPr>
+              <a:t>游戏中有着许多个老虎机，靠奖励游戏和主题来表现差异化，同时还有以下组织：</a:t>
+            </a:r>
+            <a:endParaRPr lang="zh-CN" altLang="en-US" dirty="0" smtClean="0">
+              <a:solidFill>
+                <a:schemeClr val="bg1"/>
+              </a:solidFill>
+            </a:endParaRPr>
+          </a:p>
+          <a:p>
+            <a:pPr algn="l">
+              <a:lnSpc>
+                <a:spcPct val="110000"/>
+              </a:lnSpc>
+            </a:pPr>
+            <a:r>
+              <a:rPr lang="en-US" altLang="zh-CN" dirty="0" smtClean="0">
+                <a:solidFill>
+                  <a:schemeClr val="bg1"/>
+                </a:solidFill>
+              </a:rPr>
+              <a:t>· </a:t>
+            </a:r>
+            <a:r>
+              <a:rPr lang="zh-CN" altLang="en-US" dirty="0" smtClean="0">
+                <a:solidFill>
+                  <a:schemeClr val="bg1"/>
+                </a:solidFill>
+              </a:rPr>
+              <a:t>玩家一开始只能玩一个老虎机，随着条件的满足开启其它老虎机</a:t>
+            </a:r>
+            <a:endParaRPr lang="zh-CN" altLang="en-US" dirty="0" smtClean="0">
+              <a:solidFill>
+                <a:schemeClr val="bg1"/>
+              </a:solidFill>
+            </a:endParaRPr>
+          </a:p>
+          <a:p>
+            <a:pPr algn="l">
+              <a:lnSpc>
+                <a:spcPct val="110000"/>
+              </a:lnSpc>
+            </a:pPr>
+            <a:r>
+              <a:rPr lang="en-US" altLang="zh-CN" dirty="0" smtClean="0">
+                <a:solidFill>
+                  <a:schemeClr val="bg1"/>
+                </a:solidFill>
+              </a:rPr>
+              <a:t>· </a:t>
+            </a:r>
+            <a:r>
+              <a:rPr lang="zh-CN" altLang="en-US" dirty="0" smtClean="0">
+                <a:solidFill>
+                  <a:schemeClr val="bg1"/>
+                </a:solidFill>
+              </a:rPr>
+              <a:t>多个老虎机组成一个</a:t>
+            </a:r>
+            <a:r>
+              <a:rPr lang="en-US" altLang="zh-CN" dirty="0" smtClean="0">
+                <a:solidFill>
+                  <a:schemeClr val="bg1"/>
+                </a:solidFill>
+              </a:rPr>
+              <a:t>“</a:t>
+            </a:r>
+            <a:r>
+              <a:rPr lang="zh-CN" altLang="en-US" dirty="0" smtClean="0">
+                <a:solidFill>
+                  <a:schemeClr val="bg1"/>
+                </a:solidFill>
+              </a:rPr>
+              <a:t>时代</a:t>
+            </a:r>
+            <a:r>
+              <a:rPr lang="en-US" altLang="zh-CN" dirty="0" smtClean="0">
+                <a:solidFill>
+                  <a:schemeClr val="bg1"/>
+                </a:solidFill>
+              </a:rPr>
+              <a:t>”</a:t>
+            </a:r>
+            <a:r>
+              <a:rPr lang="zh-CN" altLang="en-US" dirty="0" smtClean="0">
+                <a:solidFill>
+                  <a:schemeClr val="bg1"/>
+                </a:solidFill>
+              </a:rPr>
+              <a:t>，如古代、古典时代、中世纪、大航海时代、工业时代、现代，每个时代</a:t>
+            </a:r>
+            <a:r>
+              <a:rPr lang="zh-CN" altLang="en-US" dirty="0" smtClean="0">
+                <a:solidFill>
+                  <a:schemeClr val="bg1"/>
+                </a:solidFill>
+              </a:rPr>
+              <a:t>里包含多个老虎机</a:t>
+            </a:r>
+            <a:endParaRPr lang="zh-CN" altLang="en-US" dirty="0" smtClean="0">
+              <a:solidFill>
+                <a:schemeClr val="bg1"/>
+              </a:solidFill>
+            </a:endParaRPr>
+          </a:p>
+          <a:p>
+            <a:pPr algn="l">
+              <a:lnSpc>
+                <a:spcPct val="110000"/>
+              </a:lnSpc>
+            </a:pPr>
+            <a:r>
+              <a:rPr lang="en-US" altLang="zh-CN" dirty="0" smtClean="0">
+                <a:solidFill>
+                  <a:schemeClr val="bg1"/>
+                </a:solidFill>
+              </a:rPr>
+              <a:t>· </a:t>
+            </a:r>
+            <a:r>
+              <a:rPr lang="zh-CN" altLang="en-US" dirty="0" smtClean="0">
+                <a:solidFill>
+                  <a:schemeClr val="bg1"/>
+                </a:solidFill>
+              </a:rPr>
+              <a:t>玩家从</a:t>
+            </a:r>
+            <a:r>
+              <a:rPr lang="en-US" altLang="zh-CN" dirty="0" smtClean="0">
+                <a:solidFill>
+                  <a:schemeClr val="bg1"/>
+                </a:solidFill>
+              </a:rPr>
+              <a:t>“</a:t>
+            </a:r>
+            <a:r>
+              <a:rPr lang="zh-CN" altLang="en-US" dirty="0" smtClean="0">
+                <a:solidFill>
+                  <a:schemeClr val="bg1"/>
+                </a:solidFill>
+              </a:rPr>
+              <a:t>古代</a:t>
+            </a:r>
+            <a:r>
+              <a:rPr lang="en-US" altLang="zh-CN" dirty="0" smtClean="0">
+                <a:solidFill>
+                  <a:schemeClr val="bg1"/>
+                </a:solidFill>
+              </a:rPr>
+              <a:t>”</a:t>
+            </a:r>
+            <a:r>
+              <a:rPr lang="zh-CN" altLang="en-US" dirty="0" smtClean="0">
+                <a:solidFill>
+                  <a:schemeClr val="bg1"/>
+                </a:solidFill>
+              </a:rPr>
+              <a:t>的第一个老虎机开始玩，利用老虎机产出的</a:t>
+            </a:r>
+            <a:r>
+              <a:rPr lang="en-US" altLang="zh-CN" dirty="0" smtClean="0">
+                <a:solidFill>
+                  <a:schemeClr val="bg1"/>
+                </a:solidFill>
+              </a:rPr>
+              <a:t>“</a:t>
+            </a:r>
+            <a:r>
+              <a:rPr lang="zh-CN" altLang="en-US" dirty="0" smtClean="0">
+                <a:solidFill>
+                  <a:schemeClr val="bg1"/>
+                </a:solidFill>
+              </a:rPr>
+              <a:t>文明点数</a:t>
+            </a:r>
+            <a:r>
+              <a:rPr lang="en-US" altLang="zh-CN" dirty="0" smtClean="0">
+                <a:solidFill>
+                  <a:schemeClr val="bg1"/>
+                </a:solidFill>
+              </a:rPr>
+              <a:t>”</a:t>
+            </a:r>
+            <a:r>
+              <a:rPr lang="zh-CN" altLang="en-US" dirty="0" smtClean="0">
+                <a:solidFill>
+                  <a:schemeClr val="bg1"/>
+                </a:solidFill>
+              </a:rPr>
+              <a:t>解锁本时代更高级的老虎机，同事足够的文明点数也是进入下一时代的条件之一（另一个条件是特殊建筑）</a:t>
+            </a:r>
+            <a:endParaRPr lang="zh-CN" altLang="en-US" dirty="0" smtClean="0">
+              <a:solidFill>
+                <a:schemeClr val="bg1"/>
+              </a:solidFill>
+            </a:endParaRPr>
+          </a:p>
+        </p:txBody>
+      </p:sp>
+    </p:spTree>
+    <p:custDataLst>
+      <p:tags r:id="rId3"/>
+    </p:custDataLst>
+  </p:cSld>
+  <p:clrMapOvr>
+    <a:masterClrMapping/>
+  </p:clrMapOvr>
+</p:sld>
+</file>
+
+<file path=ppt/slides/slide13.xml><?xml version="1.0" encoding="utf-8"?>
+<p:sld xmlns:a="http://schemas.openxmlformats.org/drawingml/2006/main" xmlns:r="http://schemas.openxmlformats.org/officeDocument/2006/relationships" xmlns:p="http://schemas.openxmlformats.org/presentationml/2006/main">
+  <p:cSld>
+    <p:bg>
+      <p:bgPr>
+        <a:solidFill>
+          <a:schemeClr val="accent1">
+            <a:lumMod val="75000"/>
+          </a:schemeClr>
+        </a:solidFill>
+        <a:effectLst/>
+      </p:bgPr>
+    </p:bg>
+    <p:spTree>
+      <p:nvGrpSpPr>
+        <p:cNvPr id="1" name=""/>
+        <p:cNvGrpSpPr/>
+        <p:nvPr/>
+      </p:nvGrpSpPr>
+      <p:grpSpPr>
+        <a:xfrm>
+          <a:off x="0" y="0"/>
+          <a:ext cx="0" cy="0"/>
+          <a:chOff x="0" y="0"/>
+          <a:chExt cx="0" cy="0"/>
+        </a:xfrm>
+      </p:grpSpPr>
+      <p:sp>
+        <p:nvSpPr>
+          <p:cNvPr id="11" name="标题 1"/>
+          <p:cNvSpPr txBox="1"/>
+          <p:nvPr>
+            <p:custDataLst>
+              <p:tags r:id="rId1"/>
+            </p:custDataLst>
+          </p:nvPr>
+        </p:nvSpPr>
+        <p:spPr>
+          <a:xfrm>
+            <a:off x="838200" y="365125"/>
+            <a:ext cx="10515600" cy="1325563"/>
+          </a:xfrm>
+          <a:prstGeom prst="rect">
+            <a:avLst/>
+          </a:prstGeom>
+          <a:noFill/>
+        </p:spPr>
+        <p:txBody>
+          <a:bodyPr anchor="ctr" anchorCtr="0">
+            <a:normAutofit/>
+          </a:bodyPr>
+          <a:lstStyle>
+            <a:defPPr>
+              <a:defRPr lang="zh-CN"/>
+            </a:defPPr>
+            <a:lvl1pPr algn="ctr">
+              <a:lnSpc>
+                <a:spcPct val="90000"/>
+              </a:lnSpc>
+              <a:spcBef>
+                <a:spcPct val="0"/>
+              </a:spcBef>
+              <a:buNone/>
+              <a:defRPr sz="4400">
+                <a:latin typeface="+mj-lt"/>
+                <a:ea typeface="+mj-ea"/>
+                <a:cs typeface="+mj-cs"/>
+              </a:defRPr>
+            </a:lvl1pPr>
+          </a:lstStyle>
+          <a:p>
+            <a:r>
+              <a:rPr lang="zh-CN" altLang="en-US" dirty="0" smtClean="0">
+                <a:solidFill>
+                  <a:schemeClr val="bg1"/>
+                </a:solidFill>
+                <a:sym typeface="+mn-ea"/>
+              </a:rPr>
+              <a:t>游戏设计：文明时代划分</a:t>
+            </a:r>
+            <a:endParaRPr lang="zh-CN" altLang="en-US" dirty="0" smtClean="0">
+              <a:solidFill>
+                <a:schemeClr val="bg1"/>
+              </a:solidFill>
+              <a:sym typeface="+mn-ea"/>
+            </a:endParaRPr>
+          </a:p>
+        </p:txBody>
+      </p:sp>
+      <p:sp>
+        <p:nvSpPr>
+          <p:cNvPr id="3" name="文本占位符 14"/>
+          <p:cNvSpPr txBox="1"/>
+          <p:nvPr>
+            <p:custDataLst>
+              <p:tags r:id="rId2"/>
+            </p:custDataLst>
+          </p:nvPr>
+        </p:nvSpPr>
+        <p:spPr>
+          <a:xfrm>
+            <a:off x="838200" y="1691005"/>
+            <a:ext cx="9914255" cy="4745990"/>
+          </a:xfrm>
+          <a:prstGeom prst="rect">
+            <a:avLst/>
+          </a:prstGeom>
+          <a:ln>
+            <a:solidFill>
+              <a:schemeClr val="bg1">
+                <a:lumMod val="85000"/>
+              </a:schemeClr>
+            </a:solidFill>
+            <a:prstDash val="sysDash"/>
+          </a:ln>
+        </p:spPr>
+        <p:txBody>
+          <a:bodyPr vert="horz" lIns="91440" tIns="45720" rIns="91440" bIns="45720" rtlCol="0" anchor="ctr" anchorCtr="0">
+            <a:normAutofit fontScale="90000" lnSpcReduction="20000"/>
+          </a:bodyPr>
+          <a:lstStyle>
+            <a:defPPr>
+              <a:defRPr lang="zh-CN"/>
+            </a:defPPr>
+            <a:lvl1pPr indent="0" algn="ctr">
+              <a:lnSpc>
+                <a:spcPct val="90000"/>
+              </a:lnSpc>
+              <a:spcBef>
+                <a:spcPts val="1000"/>
+              </a:spcBef>
+              <a:buFont typeface="Arial" panose="020B0604020202020204" pitchFamily="34" charset="0"/>
+              <a:buNone/>
+              <a:defRPr sz="2800"/>
+            </a:lvl1pPr>
+            <a:lvl2pPr marL="685800" indent="-228600">
+              <a:lnSpc>
+                <a:spcPct val="90000"/>
+              </a:lnSpc>
+              <a:spcBef>
+                <a:spcPts val="500"/>
+              </a:spcBef>
+              <a:buFont typeface="Arial" panose="020B0604020202020204" pitchFamily="34" charset="0"/>
+              <a:buChar char="•"/>
+              <a:defRPr sz="2400"/>
+            </a:lvl2pPr>
+            <a:lvl3pPr marL="1143000" indent="-228600">
+              <a:lnSpc>
+                <a:spcPct val="90000"/>
+              </a:lnSpc>
+              <a:spcBef>
+                <a:spcPts val="500"/>
+              </a:spcBef>
+              <a:buFont typeface="Arial" panose="020B0604020202020204" pitchFamily="34" charset="0"/>
+              <a:buChar char="•"/>
+              <a:defRPr sz="2000"/>
+            </a:lvl3pPr>
+            <a:lvl4pPr marL="1600200" indent="-228600">
+              <a:lnSpc>
+                <a:spcPct val="90000"/>
+              </a:lnSpc>
+              <a:spcBef>
+                <a:spcPts val="500"/>
+              </a:spcBef>
+              <a:buFont typeface="Arial" panose="020B0604020202020204" pitchFamily="34" charset="0"/>
+              <a:buChar char="•"/>
+            </a:lvl4pPr>
+            <a:lvl5pPr marL="2057400" indent="-228600">
+              <a:lnSpc>
+                <a:spcPct val="90000"/>
+              </a:lnSpc>
+              <a:spcBef>
+                <a:spcPts val="500"/>
+              </a:spcBef>
+              <a:buFont typeface="Arial" panose="020B0604020202020204" pitchFamily="34" charset="0"/>
+              <a:buChar char="•"/>
+            </a:lvl5pPr>
+            <a:lvl6pPr marL="2514600" indent="-228600">
+              <a:lnSpc>
+                <a:spcPct val="90000"/>
+              </a:lnSpc>
+              <a:spcBef>
+                <a:spcPts val="500"/>
+              </a:spcBef>
+              <a:buFont typeface="Arial" panose="020B0604020202020204" pitchFamily="34" charset="0"/>
+              <a:buChar char="•"/>
+            </a:lvl6pPr>
+            <a:lvl7pPr marL="2971800" indent="-228600">
+              <a:lnSpc>
+                <a:spcPct val="90000"/>
+              </a:lnSpc>
+              <a:spcBef>
+                <a:spcPts val="500"/>
+              </a:spcBef>
+              <a:buFont typeface="Arial" panose="020B0604020202020204" pitchFamily="34" charset="0"/>
+              <a:buChar char="•"/>
+            </a:lvl7pPr>
+            <a:lvl8pPr marL="3429000" indent="-228600">
+              <a:lnSpc>
+                <a:spcPct val="90000"/>
+              </a:lnSpc>
+              <a:spcBef>
+                <a:spcPts val="500"/>
+              </a:spcBef>
+              <a:buFont typeface="Arial" panose="020B0604020202020204" pitchFamily="34" charset="0"/>
+              <a:buChar char="•"/>
+            </a:lvl8pPr>
+            <a:lvl9pPr marL="3886200" indent="-228600">
+              <a:lnSpc>
+                <a:spcPct val="90000"/>
+              </a:lnSpc>
+              <a:spcBef>
+                <a:spcPts val="500"/>
+              </a:spcBef>
+              <a:buFont typeface="Arial" panose="020B0604020202020204" pitchFamily="34" charset="0"/>
+              <a:buChar char="•"/>
+            </a:lvl9pPr>
+          </a:lstStyle>
+          <a:p>
+            <a:pPr algn="l">
+              <a:lnSpc>
+                <a:spcPct val="110000"/>
+              </a:lnSpc>
+            </a:pPr>
+            <a:r>
+              <a:rPr lang="zh-CN" altLang="en-US" dirty="0" smtClean="0">
+                <a:solidFill>
+                  <a:schemeClr val="bg1"/>
+                </a:solidFill>
+              </a:rPr>
+              <a:t>如何从一个时代进入下一个时代？可以通过老虎机游戏，集齐指定的道具后解锁，而我设想的是通过一个间接的方式：</a:t>
+            </a:r>
+            <a:endParaRPr lang="zh-CN" altLang="en-US" dirty="0" smtClean="0">
+              <a:solidFill>
+                <a:schemeClr val="bg1"/>
+              </a:solidFill>
+            </a:endParaRPr>
+          </a:p>
+          <a:p>
+            <a:pPr algn="l">
+              <a:lnSpc>
+                <a:spcPct val="110000"/>
+              </a:lnSpc>
+            </a:pPr>
+            <a:r>
+              <a:rPr lang="zh-CN" altLang="en-US" dirty="0" smtClean="0">
+                <a:solidFill>
+                  <a:schemeClr val="bg1"/>
+                </a:solidFill>
+              </a:rPr>
+              <a:t>老虎机游戏</a:t>
+            </a:r>
+            <a:r>
+              <a:rPr lang="en-US" altLang="zh-CN" dirty="0" smtClean="0">
+                <a:solidFill>
+                  <a:schemeClr val="bg1"/>
+                </a:solidFill>
+              </a:rPr>
+              <a:t>---&gt;</a:t>
+            </a:r>
+            <a:r>
+              <a:rPr lang="zh-CN" altLang="en-US" dirty="0" smtClean="0">
+                <a:solidFill>
+                  <a:schemeClr val="bg1"/>
+                </a:solidFill>
+              </a:rPr>
+              <a:t>道具</a:t>
+            </a:r>
+            <a:r>
+              <a:rPr lang="en-US" altLang="zh-CN" dirty="0" smtClean="0">
+                <a:solidFill>
+                  <a:schemeClr val="bg1"/>
+                </a:solidFill>
+              </a:rPr>
+              <a:t>---&gt;</a:t>
+            </a:r>
+            <a:r>
+              <a:rPr lang="zh-CN" altLang="en-US" dirty="0" smtClean="0">
+                <a:solidFill>
+                  <a:schemeClr val="bg1"/>
+                </a:solidFill>
+              </a:rPr>
+              <a:t>建筑列表</a:t>
+            </a:r>
+            <a:r>
+              <a:rPr lang="en-US" altLang="zh-CN" dirty="0" smtClean="0">
+                <a:solidFill>
+                  <a:schemeClr val="bg1"/>
+                </a:solidFill>
+              </a:rPr>
+              <a:t>---&gt;</a:t>
+            </a:r>
+            <a:r>
+              <a:rPr lang="zh-CN" altLang="en-US" dirty="0" smtClean="0">
+                <a:solidFill>
+                  <a:schemeClr val="bg1"/>
+                </a:solidFill>
+              </a:rPr>
+              <a:t>开启下一时代</a:t>
+            </a:r>
+            <a:endParaRPr lang="zh-CN" altLang="en-US" dirty="0" smtClean="0">
+              <a:solidFill>
+                <a:schemeClr val="bg1"/>
+              </a:solidFill>
+            </a:endParaRPr>
+          </a:p>
+          <a:p>
+            <a:pPr algn="l">
+              <a:lnSpc>
+                <a:spcPct val="110000"/>
+              </a:lnSpc>
+            </a:pPr>
+            <a:r>
+              <a:rPr lang="zh-CN" altLang="en-US" dirty="0" smtClean="0">
+                <a:solidFill>
+                  <a:schemeClr val="bg1"/>
+                </a:solidFill>
+              </a:rPr>
+              <a:t>这样做有以下几个好处：</a:t>
+            </a:r>
+            <a:endParaRPr lang="zh-CN" altLang="en-US" dirty="0" smtClean="0">
+              <a:solidFill>
+                <a:schemeClr val="bg1"/>
+              </a:solidFill>
+            </a:endParaRPr>
+          </a:p>
+          <a:p>
+            <a:pPr algn="l">
+              <a:lnSpc>
+                <a:spcPct val="110000"/>
+              </a:lnSpc>
+            </a:pPr>
+            <a:r>
+              <a:rPr lang="en-US" altLang="zh-CN" dirty="0" smtClean="0">
+                <a:solidFill>
+                  <a:schemeClr val="bg1"/>
+                </a:solidFill>
+              </a:rPr>
+              <a:t>1</a:t>
+            </a:r>
+            <a:r>
+              <a:rPr lang="zh-CN" altLang="en-US" dirty="0" smtClean="0">
+                <a:solidFill>
+                  <a:schemeClr val="bg1"/>
+                </a:solidFill>
+              </a:rPr>
+              <a:t>、紧密结合玩法与背景：文明的鲜明特征是不同时代的不同风格的建筑物，通过建筑的建设，玩家更能感受到文明的进步</a:t>
+            </a:r>
+            <a:endParaRPr lang="zh-CN" altLang="en-US" dirty="0" smtClean="0">
+              <a:solidFill>
+                <a:schemeClr val="bg1"/>
+              </a:solidFill>
+            </a:endParaRPr>
+          </a:p>
+          <a:p>
+            <a:pPr algn="l">
+              <a:lnSpc>
+                <a:spcPct val="110000"/>
+              </a:lnSpc>
+            </a:pPr>
+            <a:r>
+              <a:rPr lang="en-US" altLang="zh-CN" dirty="0" smtClean="0">
+                <a:solidFill>
+                  <a:schemeClr val="bg1"/>
+                </a:solidFill>
+              </a:rPr>
+              <a:t>2</a:t>
+            </a:r>
+            <a:r>
+              <a:rPr lang="zh-CN" altLang="en-US" dirty="0" smtClean="0">
+                <a:solidFill>
+                  <a:schemeClr val="bg1"/>
+                </a:solidFill>
+              </a:rPr>
+              <a:t>、新的玩法：建期某个时代本身所有的建筑物，能够满足玩家的完成和收集感</a:t>
+            </a:r>
+            <a:endParaRPr lang="zh-CN" altLang="en-US" dirty="0" smtClean="0">
+              <a:solidFill>
+                <a:schemeClr val="bg1"/>
+              </a:solidFill>
+            </a:endParaRPr>
+          </a:p>
+          <a:p>
+            <a:pPr algn="l">
+              <a:lnSpc>
+                <a:spcPct val="110000"/>
+              </a:lnSpc>
+            </a:pPr>
+            <a:r>
+              <a:rPr lang="en-US" altLang="zh-CN" dirty="0" smtClean="0">
+                <a:solidFill>
+                  <a:schemeClr val="bg1"/>
+                </a:solidFill>
+              </a:rPr>
+              <a:t>3</a:t>
+            </a:r>
+            <a:r>
+              <a:rPr lang="zh-CN" altLang="en-US" dirty="0" smtClean="0">
+                <a:solidFill>
+                  <a:schemeClr val="bg1"/>
+                </a:solidFill>
+              </a:rPr>
+              <a:t>、特殊建筑设计：有能开启下一时代的建筑，也有开启本时代竞技场的建筑，或者增加每日金币奖励的建筑（其它建筑也可以提供一些功能，比如每天增加文明点数）</a:t>
+            </a:r>
+            <a:endParaRPr lang="zh-CN" altLang="en-US" dirty="0" smtClean="0">
+              <a:solidFill>
+                <a:schemeClr val="bg1"/>
+              </a:solidFill>
+            </a:endParaRPr>
+          </a:p>
+        </p:txBody>
+      </p:sp>
+    </p:spTree>
+    <p:custDataLst>
+      <p:tags r:id="rId3"/>
+    </p:custDataLst>
+  </p:cSld>
+  <p:clrMapOvr>
+    <a:masterClrMapping/>
+  </p:clrMapOvr>
+</p:sld>
+</file>
+
+<file path=ppt/slides/slide14.xml><?xml version="1.0" encoding="utf-8"?>
+<p:sld xmlns:a="http://schemas.openxmlformats.org/drawingml/2006/main" xmlns:r="http://schemas.openxmlformats.org/officeDocument/2006/relationships" xmlns:p="http://schemas.openxmlformats.org/presentationml/2006/main">
+  <p:cSld>
+    <p:bg>
+      <p:bgPr>
+        <a:solidFill>
+          <a:schemeClr val="accent1">
+            <a:lumMod val="75000"/>
+          </a:schemeClr>
+        </a:solidFill>
+        <a:effectLst/>
+      </p:bgPr>
+    </p:bg>
+    <p:spTree>
+      <p:nvGrpSpPr>
+        <p:cNvPr id="1" name=""/>
+        <p:cNvGrpSpPr/>
+        <p:nvPr/>
+      </p:nvGrpSpPr>
+      <p:grpSpPr>
+        <a:xfrm>
+          <a:off x="0" y="0"/>
+          <a:ext cx="0" cy="0"/>
+          <a:chOff x="0" y="0"/>
+          <a:chExt cx="0" cy="0"/>
+        </a:xfrm>
+      </p:grpSpPr>
+      <p:sp>
+        <p:nvSpPr>
+          <p:cNvPr id="11" name="标题 1"/>
+          <p:cNvSpPr txBox="1"/>
+          <p:nvPr>
+            <p:custDataLst>
+              <p:tags r:id="rId1"/>
+            </p:custDataLst>
+          </p:nvPr>
+        </p:nvSpPr>
+        <p:spPr>
+          <a:xfrm>
+            <a:off x="838200" y="365125"/>
+            <a:ext cx="10515600" cy="1325563"/>
+          </a:xfrm>
+          <a:prstGeom prst="rect">
+            <a:avLst/>
+          </a:prstGeom>
+          <a:noFill/>
+        </p:spPr>
+        <p:txBody>
+          <a:bodyPr anchor="ctr" anchorCtr="0">
+            <a:normAutofit/>
+          </a:bodyPr>
+          <a:lstStyle>
+            <a:defPPr>
+              <a:defRPr lang="zh-CN"/>
+            </a:defPPr>
+            <a:lvl1pPr algn="ctr">
+              <a:lnSpc>
+                <a:spcPct val="90000"/>
+              </a:lnSpc>
+              <a:spcBef>
+                <a:spcPct val="0"/>
+              </a:spcBef>
+              <a:buNone/>
+              <a:defRPr sz="4400">
+                <a:latin typeface="+mj-lt"/>
+                <a:ea typeface="+mj-ea"/>
+                <a:cs typeface="+mj-cs"/>
+              </a:defRPr>
+            </a:lvl1pPr>
+          </a:lstStyle>
+          <a:p>
+            <a:r>
+              <a:rPr lang="zh-CN" altLang="en-US" dirty="0" smtClean="0">
+                <a:solidFill>
+                  <a:schemeClr val="bg1"/>
+                </a:solidFill>
+                <a:sym typeface="+mn-ea"/>
+              </a:rPr>
+              <a:t>游戏设计：流程</a:t>
+            </a:r>
+            <a:endParaRPr lang="zh-CN" altLang="en-US" dirty="0" smtClean="0">
+              <a:solidFill>
+                <a:schemeClr val="bg1"/>
+              </a:solidFill>
+              <a:sym typeface="+mn-ea"/>
+            </a:endParaRPr>
+          </a:p>
+        </p:txBody>
+      </p:sp>
+      <p:sp>
+        <p:nvSpPr>
+          <p:cNvPr id="3" name="文本占位符 14"/>
+          <p:cNvSpPr txBox="1"/>
+          <p:nvPr>
+            <p:custDataLst>
+              <p:tags r:id="rId2"/>
+            </p:custDataLst>
+          </p:nvPr>
+        </p:nvSpPr>
+        <p:spPr>
+          <a:xfrm>
+            <a:off x="838200" y="1691005"/>
+            <a:ext cx="9914255" cy="4745990"/>
+          </a:xfrm>
+          <a:prstGeom prst="rect">
+            <a:avLst/>
+          </a:prstGeom>
+          <a:ln>
+            <a:solidFill>
+              <a:schemeClr val="bg1">
+                <a:lumMod val="85000"/>
+              </a:schemeClr>
+            </a:solidFill>
+            <a:prstDash val="sysDash"/>
+          </a:ln>
+        </p:spPr>
+        <p:txBody>
+          <a:bodyPr vert="horz" lIns="91440" tIns="45720" rIns="91440" bIns="45720" rtlCol="0" anchor="ctr" anchorCtr="0">
+            <a:normAutofit fontScale="90000" lnSpcReduction="20000"/>
+          </a:bodyPr>
+          <a:lstStyle>
+            <a:defPPr>
+              <a:defRPr lang="zh-CN"/>
+            </a:defPPr>
+            <a:lvl1pPr indent="0" algn="ctr">
+              <a:lnSpc>
+                <a:spcPct val="90000"/>
+              </a:lnSpc>
+              <a:spcBef>
+                <a:spcPts val="1000"/>
+              </a:spcBef>
+              <a:buFont typeface="Arial" panose="020B0604020202020204" pitchFamily="34" charset="0"/>
+              <a:buNone/>
+              <a:defRPr sz="2800"/>
+            </a:lvl1pPr>
+            <a:lvl2pPr marL="685800" indent="-228600">
+              <a:lnSpc>
+                <a:spcPct val="90000"/>
+              </a:lnSpc>
+              <a:spcBef>
+                <a:spcPts val="500"/>
+              </a:spcBef>
+              <a:buFont typeface="Arial" panose="020B0604020202020204" pitchFamily="34" charset="0"/>
+              <a:buChar char="•"/>
+              <a:defRPr sz="2400"/>
+            </a:lvl2pPr>
+            <a:lvl3pPr marL="1143000" indent="-228600">
+              <a:lnSpc>
+                <a:spcPct val="90000"/>
+              </a:lnSpc>
+              <a:spcBef>
+                <a:spcPts val="500"/>
+              </a:spcBef>
+              <a:buFont typeface="Arial" panose="020B0604020202020204" pitchFamily="34" charset="0"/>
+              <a:buChar char="•"/>
+              <a:defRPr sz="2000"/>
+            </a:lvl3pPr>
+            <a:lvl4pPr marL="1600200" indent="-228600">
+              <a:lnSpc>
+                <a:spcPct val="90000"/>
+              </a:lnSpc>
+              <a:spcBef>
+                <a:spcPts val="500"/>
+              </a:spcBef>
+              <a:buFont typeface="Arial" panose="020B0604020202020204" pitchFamily="34" charset="0"/>
+              <a:buChar char="•"/>
+            </a:lvl4pPr>
+            <a:lvl5pPr marL="2057400" indent="-228600">
+              <a:lnSpc>
+                <a:spcPct val="90000"/>
+              </a:lnSpc>
+              <a:spcBef>
+                <a:spcPts val="500"/>
+              </a:spcBef>
+              <a:buFont typeface="Arial" panose="020B0604020202020204" pitchFamily="34" charset="0"/>
+              <a:buChar char="•"/>
+            </a:lvl5pPr>
+            <a:lvl6pPr marL="2514600" indent="-228600">
+              <a:lnSpc>
+                <a:spcPct val="90000"/>
+              </a:lnSpc>
+              <a:spcBef>
+                <a:spcPts val="500"/>
+              </a:spcBef>
+              <a:buFont typeface="Arial" panose="020B0604020202020204" pitchFamily="34" charset="0"/>
+              <a:buChar char="•"/>
+            </a:lvl6pPr>
+            <a:lvl7pPr marL="2971800" indent="-228600">
+              <a:lnSpc>
+                <a:spcPct val="90000"/>
+              </a:lnSpc>
+              <a:spcBef>
+                <a:spcPts val="500"/>
+              </a:spcBef>
+              <a:buFont typeface="Arial" panose="020B0604020202020204" pitchFamily="34" charset="0"/>
+              <a:buChar char="•"/>
+            </a:lvl7pPr>
+            <a:lvl8pPr marL="3429000" indent="-228600">
+              <a:lnSpc>
+                <a:spcPct val="90000"/>
+              </a:lnSpc>
+              <a:spcBef>
+                <a:spcPts val="500"/>
+              </a:spcBef>
+              <a:buFont typeface="Arial" panose="020B0604020202020204" pitchFamily="34" charset="0"/>
+              <a:buChar char="•"/>
+            </a:lvl8pPr>
+            <a:lvl9pPr marL="3886200" indent="-228600">
+              <a:lnSpc>
+                <a:spcPct val="90000"/>
+              </a:lnSpc>
+              <a:spcBef>
+                <a:spcPts val="500"/>
+              </a:spcBef>
+              <a:buFont typeface="Arial" panose="020B0604020202020204" pitchFamily="34" charset="0"/>
+              <a:buChar char="•"/>
+            </a:lvl9pPr>
+          </a:lstStyle>
+          <a:p>
+            <a:pPr algn="l">
+              <a:lnSpc>
+                <a:spcPct val="110000"/>
+              </a:lnSpc>
+            </a:pPr>
+            <a:r>
+              <a:rPr lang="en-US" altLang="zh-CN" dirty="0" smtClean="0">
+                <a:solidFill>
+                  <a:schemeClr val="bg1"/>
+                </a:solidFill>
+              </a:rPr>
+              <a:t>· </a:t>
+            </a:r>
+            <a:r>
+              <a:rPr lang="zh-CN" altLang="en-US" dirty="0" smtClean="0">
+                <a:solidFill>
+                  <a:schemeClr val="bg1"/>
+                </a:solidFill>
+              </a:rPr>
+              <a:t>玩家进入游戏后，启动第一个老虎机名为</a:t>
+            </a:r>
+            <a:r>
+              <a:rPr lang="en-US" altLang="zh-CN" dirty="0" smtClean="0">
+                <a:solidFill>
+                  <a:schemeClr val="bg1"/>
+                </a:solidFill>
+              </a:rPr>
+              <a:t>“</a:t>
+            </a:r>
+            <a:r>
+              <a:rPr lang="zh-CN" altLang="en-US" dirty="0" smtClean="0">
+                <a:solidFill>
+                  <a:schemeClr val="bg1"/>
+                </a:solidFill>
+              </a:rPr>
+              <a:t>奥西里斯</a:t>
+            </a:r>
+            <a:r>
+              <a:rPr lang="en-US" altLang="zh-CN" dirty="0" smtClean="0">
+                <a:solidFill>
+                  <a:schemeClr val="bg1"/>
+                </a:solidFill>
+              </a:rPr>
+              <a:t>”</a:t>
+            </a:r>
+            <a:r>
+              <a:rPr lang="zh-CN" altLang="en-US" dirty="0" smtClean="0">
+                <a:solidFill>
+                  <a:schemeClr val="bg1"/>
+                </a:solidFill>
+              </a:rPr>
+              <a:t>，在游玩中</a:t>
+            </a:r>
+            <a:r>
+              <a:rPr lang="zh-CN" altLang="en-US" dirty="0" smtClean="0">
+                <a:solidFill>
+                  <a:schemeClr val="bg1"/>
+                </a:solidFill>
+              </a:rPr>
+              <a:t>获得了文明点数，依次解锁了</a:t>
+            </a:r>
+            <a:r>
+              <a:rPr lang="en-US" altLang="zh-CN" dirty="0" smtClean="0">
+                <a:solidFill>
+                  <a:schemeClr val="bg1"/>
+                </a:solidFill>
+              </a:rPr>
+              <a:t>“</a:t>
+            </a:r>
+            <a:r>
+              <a:rPr lang="zh-CN" altLang="en-US" dirty="0" smtClean="0">
+                <a:solidFill>
+                  <a:schemeClr val="bg1"/>
+                </a:solidFill>
+              </a:rPr>
+              <a:t>伊西斯</a:t>
+            </a:r>
+            <a:r>
+              <a:rPr lang="en-US" altLang="zh-CN" dirty="0" smtClean="0">
+                <a:solidFill>
+                  <a:schemeClr val="bg1"/>
+                </a:solidFill>
+              </a:rPr>
+              <a:t>”</a:t>
+            </a:r>
+            <a:r>
+              <a:rPr lang="zh-CN" altLang="en-US" dirty="0" smtClean="0">
+                <a:solidFill>
+                  <a:schemeClr val="bg1"/>
+                </a:solidFill>
+              </a:rPr>
+              <a:t>、</a:t>
+            </a:r>
+            <a:r>
+              <a:rPr lang="en-US" altLang="zh-CN" dirty="0" smtClean="0">
+                <a:solidFill>
+                  <a:schemeClr val="bg1"/>
+                </a:solidFill>
+              </a:rPr>
+              <a:t>“</a:t>
+            </a:r>
+            <a:r>
+              <a:rPr lang="zh-CN" altLang="en-US" dirty="0" smtClean="0">
+                <a:solidFill>
+                  <a:schemeClr val="bg1"/>
+                </a:solidFill>
+              </a:rPr>
+              <a:t>亚历山大</a:t>
+            </a:r>
+            <a:r>
+              <a:rPr lang="en-US" altLang="zh-CN" dirty="0" smtClean="0">
+                <a:solidFill>
+                  <a:schemeClr val="bg1"/>
+                </a:solidFill>
+              </a:rPr>
+              <a:t>”</a:t>
+            </a:r>
+            <a:r>
+              <a:rPr lang="zh-CN" altLang="en-US" dirty="0" smtClean="0">
+                <a:solidFill>
+                  <a:schemeClr val="bg1"/>
+                </a:solidFill>
+              </a:rPr>
+              <a:t>等老虎机，同时获得了</a:t>
+            </a:r>
+            <a:r>
+              <a:rPr lang="en-US" altLang="zh-CN" dirty="0" smtClean="0">
+                <a:solidFill>
+                  <a:schemeClr val="bg1"/>
+                </a:solidFill>
+              </a:rPr>
+              <a:t>“</a:t>
+            </a:r>
+            <a:r>
+              <a:rPr lang="zh-CN" altLang="en-US" dirty="0" smtClean="0">
+                <a:solidFill>
+                  <a:schemeClr val="bg1"/>
+                </a:solidFill>
+              </a:rPr>
+              <a:t>建筑师</a:t>
+            </a:r>
+            <a:r>
+              <a:rPr lang="en-US" altLang="zh-CN" dirty="0" smtClean="0">
+                <a:solidFill>
+                  <a:schemeClr val="bg1"/>
+                </a:solidFill>
+              </a:rPr>
+              <a:t>”</a:t>
+            </a:r>
+            <a:r>
+              <a:rPr lang="zh-CN" altLang="en-US" dirty="0" smtClean="0">
+                <a:solidFill>
+                  <a:schemeClr val="bg1"/>
+                </a:solidFill>
+              </a:rPr>
+              <a:t>、</a:t>
+            </a:r>
+            <a:r>
+              <a:rPr lang="en-US" altLang="zh-CN" dirty="0" smtClean="0">
+                <a:solidFill>
+                  <a:schemeClr val="bg1"/>
+                </a:solidFill>
+              </a:rPr>
+              <a:t>“</a:t>
+            </a:r>
+            <a:r>
+              <a:rPr lang="zh-CN" altLang="en-US" dirty="0" smtClean="0">
+                <a:solidFill>
+                  <a:schemeClr val="bg1"/>
+                </a:solidFill>
+              </a:rPr>
+              <a:t>木材</a:t>
+            </a:r>
+            <a:r>
+              <a:rPr lang="en-US" altLang="zh-CN" dirty="0" smtClean="0">
+                <a:solidFill>
+                  <a:schemeClr val="bg1"/>
+                </a:solidFill>
+              </a:rPr>
+              <a:t>”</a:t>
+            </a:r>
+            <a:r>
+              <a:rPr lang="zh-CN" altLang="en-US" dirty="0" smtClean="0">
+                <a:solidFill>
+                  <a:schemeClr val="bg1"/>
+                </a:solidFill>
+              </a:rPr>
+              <a:t>、</a:t>
+            </a:r>
+            <a:r>
+              <a:rPr lang="en-US" altLang="zh-CN" dirty="0" smtClean="0">
+                <a:solidFill>
+                  <a:schemeClr val="bg1"/>
+                </a:solidFill>
+              </a:rPr>
+              <a:t>“</a:t>
+            </a:r>
+            <a:r>
+              <a:rPr lang="zh-CN" altLang="en-US" dirty="0" smtClean="0">
+                <a:solidFill>
+                  <a:schemeClr val="bg1"/>
+                </a:solidFill>
+              </a:rPr>
+              <a:t>巨石块</a:t>
+            </a:r>
+            <a:r>
+              <a:rPr lang="en-US" altLang="zh-CN" dirty="0" smtClean="0">
+                <a:solidFill>
+                  <a:schemeClr val="bg1"/>
+                </a:solidFill>
+              </a:rPr>
+              <a:t>”</a:t>
+            </a:r>
+            <a:r>
+              <a:rPr lang="zh-CN" altLang="en-US" dirty="0" smtClean="0">
+                <a:solidFill>
+                  <a:schemeClr val="bg1"/>
+                </a:solidFill>
+              </a:rPr>
+              <a:t>等道具，积累一定数量</a:t>
+            </a:r>
+            <a:r>
+              <a:rPr lang="zh-CN" altLang="en-US" dirty="0" smtClean="0">
+                <a:solidFill>
+                  <a:schemeClr val="bg1"/>
+                </a:solidFill>
+              </a:rPr>
+              <a:t>可以建造</a:t>
+            </a:r>
+            <a:r>
+              <a:rPr lang="en-US" altLang="zh-CN" dirty="0" smtClean="0">
+                <a:solidFill>
+                  <a:schemeClr val="bg1"/>
+                </a:solidFill>
+              </a:rPr>
+              <a:t>“</a:t>
+            </a:r>
+            <a:r>
+              <a:rPr lang="zh-CN" altLang="en-US" dirty="0" smtClean="0">
+                <a:solidFill>
+                  <a:schemeClr val="bg1"/>
+                </a:solidFill>
+              </a:rPr>
+              <a:t>大金字塔</a:t>
+            </a:r>
+            <a:r>
+              <a:rPr lang="en-US" altLang="zh-CN" dirty="0" smtClean="0">
+                <a:solidFill>
+                  <a:schemeClr val="bg1"/>
+                </a:solidFill>
+              </a:rPr>
+              <a:t>”</a:t>
+            </a:r>
+            <a:r>
+              <a:rPr lang="zh-CN" altLang="en-US" dirty="0" smtClean="0">
+                <a:solidFill>
+                  <a:schemeClr val="bg1"/>
+                </a:solidFill>
+              </a:rPr>
+              <a:t>、</a:t>
+            </a:r>
+            <a:r>
+              <a:rPr lang="en-US" altLang="zh-CN" dirty="0" smtClean="0">
+                <a:solidFill>
+                  <a:schemeClr val="bg1"/>
+                </a:solidFill>
+              </a:rPr>
+              <a:t>“</a:t>
+            </a:r>
+            <a:r>
+              <a:rPr lang="zh-CN" altLang="en-US" dirty="0" smtClean="0">
+                <a:solidFill>
+                  <a:schemeClr val="bg1"/>
+                </a:solidFill>
+              </a:rPr>
+              <a:t>斯芬克斯像</a:t>
+            </a:r>
+            <a:r>
+              <a:rPr lang="en-US" altLang="zh-CN" dirty="0" smtClean="0">
+                <a:solidFill>
+                  <a:schemeClr val="bg1"/>
+                </a:solidFill>
+              </a:rPr>
+              <a:t>”</a:t>
+            </a:r>
+            <a:r>
+              <a:rPr lang="zh-CN" altLang="en-US" dirty="0" smtClean="0">
+                <a:solidFill>
+                  <a:schemeClr val="bg1"/>
+                </a:solidFill>
+              </a:rPr>
+              <a:t>等建筑</a:t>
+            </a:r>
+            <a:endParaRPr lang="zh-CN" altLang="en-US" dirty="0" smtClean="0">
+              <a:solidFill>
+                <a:schemeClr val="bg1"/>
+              </a:solidFill>
+            </a:endParaRPr>
+          </a:p>
+          <a:p>
+            <a:pPr algn="l">
+              <a:lnSpc>
+                <a:spcPct val="110000"/>
+              </a:lnSpc>
+            </a:pPr>
+            <a:r>
+              <a:rPr lang="en-US" altLang="zh-CN" dirty="0" smtClean="0">
+                <a:solidFill>
+                  <a:schemeClr val="bg1"/>
+                </a:solidFill>
+              </a:rPr>
+              <a:t>· </a:t>
+            </a:r>
+            <a:r>
+              <a:rPr lang="zh-CN" altLang="en-US" dirty="0" smtClean="0">
+                <a:solidFill>
+                  <a:schemeClr val="bg1"/>
+                </a:solidFill>
+              </a:rPr>
+              <a:t>随着玩家的建设，屏幕上展示出大金字塔和斯芬克斯像的形象。其中大金字塔每天给玩家奖励文明点数、斯芬克斯像每天给玩家奖励金币。接着，</a:t>
+            </a:r>
+            <a:r>
+              <a:rPr lang="zh-CN" altLang="en-US" dirty="0" smtClean="0">
+                <a:solidFill>
+                  <a:schemeClr val="bg1"/>
+                </a:solidFill>
+              </a:rPr>
+              <a:t>玩家建造出特殊建筑</a:t>
+            </a:r>
+            <a:r>
+              <a:rPr lang="en-US" altLang="zh-CN" dirty="0" smtClean="0">
+                <a:solidFill>
+                  <a:schemeClr val="bg1"/>
+                </a:solidFill>
+              </a:rPr>
+              <a:t>“</a:t>
+            </a:r>
+            <a:r>
+              <a:rPr lang="zh-CN" altLang="en-US" dirty="0" smtClean="0">
+                <a:solidFill>
+                  <a:schemeClr val="bg1"/>
+                </a:solidFill>
+              </a:rPr>
+              <a:t>竞技场</a:t>
+            </a:r>
+            <a:r>
+              <a:rPr lang="en-US" altLang="zh-CN" dirty="0" smtClean="0">
+                <a:solidFill>
+                  <a:schemeClr val="bg1"/>
+                </a:solidFill>
+              </a:rPr>
+              <a:t>”</a:t>
+            </a:r>
+            <a:r>
+              <a:rPr lang="zh-CN" altLang="en-US" dirty="0" smtClean="0">
+                <a:solidFill>
+                  <a:schemeClr val="bg1"/>
+                </a:solidFill>
+              </a:rPr>
+              <a:t>，开启了跟其他玩家进行</a:t>
+            </a:r>
+            <a:r>
+              <a:rPr lang="en-US" altLang="zh-CN" dirty="0" smtClean="0">
+                <a:solidFill>
+                  <a:schemeClr val="bg1"/>
+                </a:solidFill>
+              </a:rPr>
+              <a:t>“</a:t>
+            </a:r>
+            <a:r>
+              <a:rPr lang="zh-CN" altLang="en-US" dirty="0" smtClean="0">
+                <a:solidFill>
+                  <a:schemeClr val="bg1"/>
+                </a:solidFill>
+              </a:rPr>
+              <a:t>古代文明对抗</a:t>
+            </a:r>
+            <a:r>
+              <a:rPr lang="en-US" altLang="zh-CN" dirty="0" smtClean="0">
+                <a:solidFill>
+                  <a:schemeClr val="bg1"/>
+                </a:solidFill>
+              </a:rPr>
+              <a:t>”</a:t>
+            </a:r>
+            <a:r>
+              <a:rPr lang="zh-CN" altLang="en-US" dirty="0" smtClean="0">
+                <a:solidFill>
+                  <a:schemeClr val="bg1"/>
+                </a:solidFill>
+              </a:rPr>
+              <a:t>的功能，并获得埃及特有的竞技场卡牌</a:t>
+            </a:r>
+            <a:endParaRPr lang="zh-CN" altLang="en-US" dirty="0" smtClean="0">
+              <a:solidFill>
+                <a:schemeClr val="bg1"/>
+              </a:solidFill>
+            </a:endParaRPr>
+          </a:p>
+          <a:p>
+            <a:pPr algn="l">
+              <a:lnSpc>
+                <a:spcPct val="110000"/>
+              </a:lnSpc>
+            </a:pPr>
+            <a:r>
+              <a:rPr lang="en-US" altLang="zh-CN" dirty="0" smtClean="0">
+                <a:solidFill>
+                  <a:schemeClr val="bg1"/>
+                </a:solidFill>
+              </a:rPr>
+              <a:t>· </a:t>
+            </a:r>
+            <a:r>
+              <a:rPr lang="zh-CN" altLang="en-US" dirty="0" smtClean="0">
+                <a:solidFill>
+                  <a:schemeClr val="bg1"/>
+                </a:solidFill>
+              </a:rPr>
+              <a:t>最后玩家建造出</a:t>
+            </a:r>
+            <a:r>
+              <a:rPr lang="en-US" altLang="zh-CN" dirty="0" smtClean="0">
+                <a:solidFill>
+                  <a:schemeClr val="bg1"/>
+                </a:solidFill>
+              </a:rPr>
+              <a:t>“</a:t>
+            </a:r>
+            <a:r>
+              <a:rPr lang="zh-CN" altLang="en-US" dirty="0" smtClean="0">
+                <a:solidFill>
+                  <a:schemeClr val="bg1"/>
+                </a:solidFill>
+              </a:rPr>
+              <a:t>大图书馆</a:t>
+            </a:r>
+            <a:r>
+              <a:rPr lang="en-US" altLang="zh-CN" dirty="0" smtClean="0">
+                <a:solidFill>
+                  <a:schemeClr val="bg1"/>
+                </a:solidFill>
+              </a:rPr>
+              <a:t>”</a:t>
+            </a:r>
+            <a:r>
+              <a:rPr lang="zh-CN" altLang="en-US" dirty="0" smtClean="0">
+                <a:solidFill>
+                  <a:schemeClr val="bg1"/>
+                </a:solidFill>
+              </a:rPr>
+              <a:t>奇迹，并积累了</a:t>
+            </a:r>
+            <a:r>
+              <a:rPr lang="en-US" altLang="zh-CN" dirty="0" smtClean="0">
+                <a:solidFill>
+                  <a:schemeClr val="bg1"/>
+                </a:solidFill>
+              </a:rPr>
+              <a:t>50000</a:t>
+            </a:r>
+            <a:r>
+              <a:rPr lang="zh-CN" altLang="en-US" dirty="0" smtClean="0">
+                <a:solidFill>
+                  <a:schemeClr val="bg1"/>
+                </a:solidFill>
+              </a:rPr>
+              <a:t>文明点数，进入古典时代</a:t>
+            </a:r>
+            <a:endParaRPr lang="zh-CN" altLang="en-US" dirty="0" smtClean="0">
+              <a:solidFill>
+                <a:schemeClr val="bg1"/>
+              </a:solidFill>
+            </a:endParaRPr>
+          </a:p>
+          <a:p>
+            <a:pPr algn="l">
+              <a:lnSpc>
+                <a:spcPct val="110000"/>
+              </a:lnSpc>
+            </a:pPr>
+            <a:r>
+              <a:rPr lang="en-US" altLang="zh-CN" dirty="0" smtClean="0">
+                <a:solidFill>
+                  <a:schemeClr val="bg1"/>
+                </a:solidFill>
+              </a:rPr>
+              <a:t>· </a:t>
+            </a:r>
+            <a:r>
+              <a:rPr lang="zh-CN" altLang="en-US" dirty="0" smtClean="0">
+                <a:solidFill>
+                  <a:schemeClr val="bg1"/>
+                </a:solidFill>
+              </a:rPr>
+              <a:t>到了古典时代不一定继续讲述埃及的故事，可以换作希腊或者克里特岛文明。重复这一个过程，直到现代</a:t>
+            </a:r>
+            <a:endParaRPr lang="zh-CN" altLang="en-US" dirty="0" smtClean="0">
+              <a:solidFill>
+                <a:schemeClr val="bg1"/>
+              </a:solidFill>
+            </a:endParaRPr>
+          </a:p>
+        </p:txBody>
+      </p:sp>
+    </p:spTree>
+    <p:custDataLst>
+      <p:tags r:id="rId3"/>
+    </p:custDataLst>
+  </p:cSld>
+  <p:clrMapOvr>
+    <a:masterClrMapping/>
+  </p:clrMapOvr>
+</p:sld>
+</file>
+
+<file path=ppt/slides/slide15.xml><?xml version="1.0" encoding="utf-8"?>
+<p:sld xmlns:a="http://schemas.openxmlformats.org/drawingml/2006/main" xmlns:r="http://schemas.openxmlformats.org/officeDocument/2006/relationships" xmlns:p="http://schemas.openxmlformats.org/presentationml/2006/main">
+  <p:cSld>
+    <p:bg>
+      <p:bgPr>
+        <a:solidFill>
+          <a:schemeClr val="accent1">
+            <a:lumMod val="75000"/>
+          </a:schemeClr>
+        </a:solidFill>
+        <a:effectLst/>
+      </p:bgPr>
+    </p:bg>
+    <p:spTree>
+      <p:nvGrpSpPr>
+        <p:cNvPr id="1" name=""/>
+        <p:cNvGrpSpPr/>
+        <p:nvPr/>
+      </p:nvGrpSpPr>
+      <p:grpSpPr>
+        <a:xfrm>
+          <a:off x="0" y="0"/>
+          <a:ext cx="0" cy="0"/>
+          <a:chOff x="0" y="0"/>
+          <a:chExt cx="0" cy="0"/>
+        </a:xfrm>
+      </p:grpSpPr>
+      <p:sp>
+        <p:nvSpPr>
+          <p:cNvPr id="11" name="标题 1"/>
+          <p:cNvSpPr txBox="1"/>
+          <p:nvPr>
+            <p:custDataLst>
+              <p:tags r:id="rId1"/>
+            </p:custDataLst>
+          </p:nvPr>
+        </p:nvSpPr>
+        <p:spPr>
+          <a:xfrm>
+            <a:off x="838200" y="365125"/>
+            <a:ext cx="10515600" cy="1325563"/>
+          </a:xfrm>
+          <a:prstGeom prst="rect">
+            <a:avLst/>
+          </a:prstGeom>
+          <a:noFill/>
+        </p:spPr>
+        <p:txBody>
+          <a:bodyPr anchor="ctr" anchorCtr="0">
+            <a:normAutofit/>
+          </a:bodyPr>
+          <a:lstStyle>
+            <a:defPPr>
+              <a:defRPr lang="zh-CN"/>
+            </a:defPPr>
+            <a:lvl1pPr algn="ctr">
+              <a:lnSpc>
+                <a:spcPct val="90000"/>
+              </a:lnSpc>
+              <a:spcBef>
+                <a:spcPct val="0"/>
+              </a:spcBef>
+              <a:buNone/>
+              <a:defRPr sz="4400">
+                <a:latin typeface="+mj-lt"/>
+                <a:ea typeface="+mj-ea"/>
+                <a:cs typeface="+mj-cs"/>
+              </a:defRPr>
+            </a:lvl1pPr>
+          </a:lstStyle>
+          <a:p>
+            <a:r>
+              <a:rPr lang="zh-CN" altLang="en-US" dirty="0" smtClean="0">
+                <a:solidFill>
+                  <a:schemeClr val="bg1"/>
+                </a:solidFill>
+                <a:sym typeface="+mn-ea"/>
+              </a:rPr>
+              <a:t>游戏设计：扩展性</a:t>
+            </a:r>
+            <a:endParaRPr lang="zh-CN" altLang="en-US" dirty="0" smtClean="0">
+              <a:solidFill>
+                <a:schemeClr val="bg1"/>
+              </a:solidFill>
+              <a:sym typeface="+mn-ea"/>
+            </a:endParaRPr>
+          </a:p>
+        </p:txBody>
+      </p:sp>
+      <p:sp>
+        <p:nvSpPr>
+          <p:cNvPr id="3" name="文本占位符 14"/>
+          <p:cNvSpPr txBox="1"/>
+          <p:nvPr>
+            <p:custDataLst>
+              <p:tags r:id="rId2"/>
+            </p:custDataLst>
+          </p:nvPr>
+        </p:nvSpPr>
+        <p:spPr>
+          <a:xfrm>
+            <a:off x="838200" y="1691005"/>
+            <a:ext cx="9914255" cy="4745990"/>
+          </a:xfrm>
+          <a:prstGeom prst="rect">
+            <a:avLst/>
+          </a:prstGeom>
+          <a:ln>
+            <a:solidFill>
+              <a:schemeClr val="bg1">
+                <a:lumMod val="85000"/>
+              </a:schemeClr>
+            </a:solidFill>
+            <a:prstDash val="sysDash"/>
+          </a:ln>
+        </p:spPr>
+        <p:txBody>
+          <a:bodyPr vert="horz" lIns="91440" tIns="45720" rIns="91440" bIns="45720" rtlCol="0" anchor="ctr" anchorCtr="0">
+            <a:normAutofit lnSpcReduction="10000"/>
+          </a:bodyPr>
+          <a:lstStyle>
+            <a:defPPr>
+              <a:defRPr lang="zh-CN"/>
+            </a:defPPr>
+            <a:lvl1pPr indent="0" algn="ctr">
+              <a:lnSpc>
+                <a:spcPct val="90000"/>
+              </a:lnSpc>
+              <a:spcBef>
+                <a:spcPts val="1000"/>
+              </a:spcBef>
+              <a:buFont typeface="Arial" panose="020B0604020202020204" pitchFamily="34" charset="0"/>
+              <a:buNone/>
+              <a:defRPr sz="2800"/>
+            </a:lvl1pPr>
+            <a:lvl2pPr marL="685800" indent="-228600">
+              <a:lnSpc>
+                <a:spcPct val="90000"/>
+              </a:lnSpc>
+              <a:spcBef>
+                <a:spcPts val="500"/>
+              </a:spcBef>
+              <a:buFont typeface="Arial" panose="020B0604020202020204" pitchFamily="34" charset="0"/>
+              <a:buChar char="•"/>
+              <a:defRPr sz="2400"/>
+            </a:lvl2pPr>
+            <a:lvl3pPr marL="1143000" indent="-228600">
+              <a:lnSpc>
+                <a:spcPct val="90000"/>
+              </a:lnSpc>
+              <a:spcBef>
+                <a:spcPts val="500"/>
+              </a:spcBef>
+              <a:buFont typeface="Arial" panose="020B0604020202020204" pitchFamily="34" charset="0"/>
+              <a:buChar char="•"/>
+              <a:defRPr sz="2000"/>
+            </a:lvl3pPr>
+            <a:lvl4pPr marL="1600200" indent="-228600">
+              <a:lnSpc>
+                <a:spcPct val="90000"/>
+              </a:lnSpc>
+              <a:spcBef>
+                <a:spcPts val="500"/>
+              </a:spcBef>
+              <a:buFont typeface="Arial" panose="020B0604020202020204" pitchFamily="34" charset="0"/>
+              <a:buChar char="•"/>
+            </a:lvl4pPr>
+            <a:lvl5pPr marL="2057400" indent="-228600">
+              <a:lnSpc>
+                <a:spcPct val="90000"/>
+              </a:lnSpc>
+              <a:spcBef>
+                <a:spcPts val="500"/>
+              </a:spcBef>
+              <a:buFont typeface="Arial" panose="020B0604020202020204" pitchFamily="34" charset="0"/>
+              <a:buChar char="•"/>
+            </a:lvl5pPr>
+            <a:lvl6pPr marL="2514600" indent="-228600">
+              <a:lnSpc>
+                <a:spcPct val="90000"/>
+              </a:lnSpc>
+              <a:spcBef>
+                <a:spcPts val="500"/>
+              </a:spcBef>
+              <a:buFont typeface="Arial" panose="020B0604020202020204" pitchFamily="34" charset="0"/>
+              <a:buChar char="•"/>
+            </a:lvl6pPr>
+            <a:lvl7pPr marL="2971800" indent="-228600">
+              <a:lnSpc>
+                <a:spcPct val="90000"/>
+              </a:lnSpc>
+              <a:spcBef>
+                <a:spcPts val="500"/>
+              </a:spcBef>
+              <a:buFont typeface="Arial" panose="020B0604020202020204" pitchFamily="34" charset="0"/>
+              <a:buChar char="•"/>
+            </a:lvl7pPr>
+            <a:lvl8pPr marL="3429000" indent="-228600">
+              <a:lnSpc>
+                <a:spcPct val="90000"/>
+              </a:lnSpc>
+              <a:spcBef>
+                <a:spcPts val="500"/>
+              </a:spcBef>
+              <a:buFont typeface="Arial" panose="020B0604020202020204" pitchFamily="34" charset="0"/>
+              <a:buChar char="•"/>
+            </a:lvl8pPr>
+            <a:lvl9pPr marL="3886200" indent="-228600">
+              <a:lnSpc>
+                <a:spcPct val="90000"/>
+              </a:lnSpc>
+              <a:spcBef>
+                <a:spcPts val="500"/>
+              </a:spcBef>
+              <a:buFont typeface="Arial" panose="020B0604020202020204" pitchFamily="34" charset="0"/>
+              <a:buChar char="•"/>
+            </a:lvl9pPr>
+          </a:lstStyle>
+          <a:p>
+            <a:pPr algn="l">
+              <a:lnSpc>
+                <a:spcPct val="110000"/>
+              </a:lnSpc>
+            </a:pPr>
+            <a:r>
+              <a:rPr lang="zh-CN" altLang="en-US" dirty="0" smtClean="0">
+                <a:solidFill>
+                  <a:schemeClr val="bg1"/>
+                </a:solidFill>
+              </a:rPr>
+              <a:t>玩家进过一段时间的游戏，很可能开启了所有的时代，在纵向维度上，我们顶多开发到未来时代也没法继续做了，那么还可以在横向维度上继续扩展，如：</a:t>
+            </a:r>
+            <a:endParaRPr lang="zh-CN" altLang="en-US" dirty="0" smtClean="0">
+              <a:solidFill>
+                <a:schemeClr val="bg1"/>
+              </a:solidFill>
+            </a:endParaRPr>
+          </a:p>
+          <a:p>
+            <a:pPr algn="l">
+              <a:lnSpc>
+                <a:spcPct val="110000"/>
+              </a:lnSpc>
+            </a:pPr>
+            <a:r>
+              <a:rPr lang="en-US" altLang="zh-CN" dirty="0" smtClean="0">
+                <a:solidFill>
+                  <a:schemeClr val="bg1"/>
+                </a:solidFill>
+              </a:rPr>
+              <a:t>· </a:t>
+            </a:r>
+            <a:r>
+              <a:rPr lang="zh-CN" altLang="en-US" dirty="0" smtClean="0">
+                <a:solidFill>
+                  <a:schemeClr val="bg1"/>
+                </a:solidFill>
+              </a:rPr>
+              <a:t>除了古代埃及文明，也可以做古代中国文明，古典印度文明，近代日本文明</a:t>
+            </a:r>
+            <a:r>
+              <a:rPr lang="zh-CN" altLang="en-US" dirty="0" smtClean="0">
+                <a:solidFill>
+                  <a:schemeClr val="bg1"/>
+                </a:solidFill>
+              </a:rPr>
+              <a:t>，这些消耗</a:t>
+            </a:r>
+            <a:r>
+              <a:rPr lang="en-US" altLang="zh-CN" dirty="0" smtClean="0">
+                <a:solidFill>
+                  <a:schemeClr val="bg1"/>
+                </a:solidFill>
+              </a:rPr>
+              <a:t>“</a:t>
+            </a:r>
+            <a:r>
+              <a:rPr lang="zh-CN" altLang="en-US" dirty="0" smtClean="0">
+                <a:solidFill>
+                  <a:schemeClr val="bg1"/>
+                </a:solidFill>
+              </a:rPr>
+              <a:t>文明点数</a:t>
+            </a:r>
+            <a:r>
+              <a:rPr lang="en-US" altLang="zh-CN" dirty="0" smtClean="0">
+                <a:solidFill>
+                  <a:schemeClr val="bg1"/>
+                </a:solidFill>
+              </a:rPr>
+              <a:t>”</a:t>
+            </a:r>
+            <a:r>
+              <a:rPr lang="zh-CN" altLang="en-US" dirty="0" smtClean="0">
+                <a:solidFill>
+                  <a:schemeClr val="bg1"/>
+                </a:solidFill>
+              </a:rPr>
+              <a:t>来进行开启</a:t>
+            </a:r>
+            <a:endParaRPr lang="zh-CN" altLang="en-US" dirty="0" smtClean="0">
+              <a:solidFill>
+                <a:schemeClr val="bg1"/>
+              </a:solidFill>
+            </a:endParaRPr>
+          </a:p>
+          <a:p>
+            <a:pPr algn="l">
+              <a:lnSpc>
+                <a:spcPct val="110000"/>
+              </a:lnSpc>
+            </a:pPr>
+            <a:r>
+              <a:rPr lang="en-US" altLang="zh-CN" dirty="0" smtClean="0">
+                <a:solidFill>
+                  <a:schemeClr val="bg1"/>
+                </a:solidFill>
+              </a:rPr>
+              <a:t>· </a:t>
+            </a:r>
+            <a:r>
+              <a:rPr lang="zh-CN" altLang="en-US" dirty="0" smtClean="0">
+                <a:solidFill>
+                  <a:schemeClr val="bg1"/>
+                </a:solidFill>
+              </a:rPr>
+              <a:t>每一个文明同样包含了多个老虎机，以及有文明特色的建筑物，</a:t>
+            </a:r>
+            <a:r>
+              <a:rPr lang="zh-CN" altLang="en-US" dirty="0" smtClean="0">
+                <a:solidFill>
+                  <a:schemeClr val="bg1"/>
+                </a:solidFill>
+                <a:sym typeface="+mn-ea"/>
+              </a:rPr>
+              <a:t>玩它们的目的就是为了建设特殊建筑，如竞技场提供的卡牌。（对于</a:t>
+            </a:r>
+            <a:r>
+              <a:rPr lang="zh-CN" altLang="en-US" dirty="0" smtClean="0">
+                <a:solidFill>
+                  <a:schemeClr val="bg1"/>
+                </a:solidFill>
+                <a:sym typeface="+mn-ea"/>
+              </a:rPr>
+              <a:t>文明点数和金币的奖励</a:t>
+            </a:r>
+            <a:r>
+              <a:rPr lang="zh-CN" altLang="en-US" dirty="0" smtClean="0">
+                <a:solidFill>
+                  <a:schemeClr val="bg1"/>
+                </a:solidFill>
+                <a:sym typeface="+mn-ea"/>
+              </a:rPr>
+              <a:t>值得商榷，可能会难以被消耗）</a:t>
+            </a:r>
+            <a:endParaRPr lang="zh-CN" altLang="en-US" dirty="0" smtClean="0">
+              <a:solidFill>
+                <a:schemeClr val="bg1"/>
+              </a:solidFill>
+              <a:sym typeface="+mn-ea"/>
+            </a:endParaRPr>
+          </a:p>
+        </p:txBody>
+      </p:sp>
+    </p:spTree>
+    <p:custDataLst>
+      <p:tags r:id="rId3"/>
+    </p:custDataLst>
+  </p:cSld>
+  <p:clrMapOvr>
+    <a:masterClrMapping/>
+  </p:clrMapOvr>
+</p:sld>
+</file>
+
+<file path=ppt/slides/slide16.xml><?xml version="1.0" encoding="utf-8"?>
+<p:sld xmlns:a="http://schemas.openxmlformats.org/drawingml/2006/main" xmlns:r="http://schemas.openxmlformats.org/officeDocument/2006/relationships" xmlns:p="http://schemas.openxmlformats.org/presentationml/2006/main">
+  <p:cSld>
+    <p:bg>
+      <p:bgPr>
+        <a:solidFill>
+          <a:schemeClr val="accent1">
+            <a:lumMod val="75000"/>
+          </a:schemeClr>
+        </a:solidFill>
+        <a:effectLst/>
+      </p:bgPr>
+    </p:bg>
+    <p:spTree>
+      <p:nvGrpSpPr>
+        <p:cNvPr id="1" name=""/>
+        <p:cNvGrpSpPr/>
+        <p:nvPr/>
+      </p:nvGrpSpPr>
+      <p:grpSpPr>
+        <a:xfrm>
+          <a:off x="0" y="0"/>
+          <a:ext cx="0" cy="0"/>
+          <a:chOff x="0" y="0"/>
+          <a:chExt cx="0" cy="0"/>
+        </a:xfrm>
+      </p:grpSpPr>
+      <p:sp>
+        <p:nvSpPr>
+          <p:cNvPr id="11" name="标题 1"/>
+          <p:cNvSpPr txBox="1"/>
+          <p:nvPr>
+            <p:custDataLst>
+              <p:tags r:id="rId1"/>
+            </p:custDataLst>
+          </p:nvPr>
+        </p:nvSpPr>
+        <p:spPr>
+          <a:xfrm>
+            <a:off x="838200" y="365125"/>
+            <a:ext cx="10515600" cy="1325563"/>
+          </a:xfrm>
+          <a:prstGeom prst="rect">
+            <a:avLst/>
+          </a:prstGeom>
+          <a:noFill/>
+        </p:spPr>
+        <p:txBody>
+          <a:bodyPr anchor="ctr" anchorCtr="0">
+            <a:normAutofit/>
+          </a:bodyPr>
+          <a:lstStyle>
+            <a:defPPr>
+              <a:defRPr lang="zh-CN"/>
+            </a:defPPr>
+            <a:lvl1pPr algn="ctr">
+              <a:lnSpc>
+                <a:spcPct val="90000"/>
+              </a:lnSpc>
+              <a:spcBef>
+                <a:spcPct val="0"/>
+              </a:spcBef>
+              <a:buNone/>
+              <a:defRPr sz="4400">
+                <a:latin typeface="+mj-lt"/>
+                <a:ea typeface="+mj-ea"/>
+                <a:cs typeface="+mj-cs"/>
+              </a:defRPr>
+            </a:lvl1pPr>
+          </a:lstStyle>
+          <a:p>
+            <a:r>
+              <a:rPr lang="zh-CN" altLang="en-US" dirty="0" smtClean="0">
+                <a:solidFill>
+                  <a:schemeClr val="bg1"/>
+                </a:solidFill>
+                <a:sym typeface="+mn-ea"/>
+              </a:rPr>
+              <a:t>游戏设计：经济系统</a:t>
+            </a:r>
+            <a:endParaRPr lang="zh-CN" altLang="en-US" dirty="0" smtClean="0">
+              <a:solidFill>
+                <a:schemeClr val="bg1"/>
+              </a:solidFill>
+              <a:sym typeface="+mn-ea"/>
+            </a:endParaRPr>
+          </a:p>
+        </p:txBody>
+      </p:sp>
+      <p:sp>
+        <p:nvSpPr>
+          <p:cNvPr id="3" name="文本占位符 14"/>
+          <p:cNvSpPr txBox="1"/>
+          <p:nvPr>
+            <p:custDataLst>
+              <p:tags r:id="rId2"/>
+            </p:custDataLst>
+          </p:nvPr>
+        </p:nvSpPr>
+        <p:spPr>
+          <a:xfrm>
+            <a:off x="838200" y="1691005"/>
+            <a:ext cx="9914255" cy="4745990"/>
+          </a:xfrm>
+          <a:prstGeom prst="rect">
+            <a:avLst/>
+          </a:prstGeom>
+          <a:ln>
+            <a:solidFill>
+              <a:schemeClr val="bg1">
+                <a:lumMod val="85000"/>
+              </a:schemeClr>
+            </a:solidFill>
+            <a:prstDash val="sysDash"/>
+          </a:ln>
+        </p:spPr>
+        <p:txBody>
+          <a:bodyPr vert="horz" lIns="91440" tIns="45720" rIns="91440" bIns="45720" rtlCol="0" anchor="ctr" anchorCtr="0">
+            <a:normAutofit lnSpcReduction="10000"/>
+          </a:bodyPr>
+          <a:lstStyle>
+            <a:defPPr>
+              <a:defRPr lang="zh-CN"/>
+            </a:defPPr>
+            <a:lvl1pPr indent="0" algn="ctr">
+              <a:lnSpc>
+                <a:spcPct val="90000"/>
+              </a:lnSpc>
+              <a:spcBef>
+                <a:spcPts val="1000"/>
+              </a:spcBef>
+              <a:buFont typeface="Arial" panose="020B0604020202020204" pitchFamily="34" charset="0"/>
+              <a:buNone/>
+              <a:defRPr sz="2800"/>
+            </a:lvl1pPr>
+            <a:lvl2pPr marL="685800" indent="-228600">
+              <a:lnSpc>
+                <a:spcPct val="90000"/>
+              </a:lnSpc>
+              <a:spcBef>
+                <a:spcPts val="500"/>
+              </a:spcBef>
+              <a:buFont typeface="Arial" panose="020B0604020202020204" pitchFamily="34" charset="0"/>
+              <a:buChar char="•"/>
+              <a:defRPr sz="2400"/>
+            </a:lvl2pPr>
+            <a:lvl3pPr marL="1143000" indent="-228600">
+              <a:lnSpc>
+                <a:spcPct val="90000"/>
+              </a:lnSpc>
+              <a:spcBef>
+                <a:spcPts val="500"/>
+              </a:spcBef>
+              <a:buFont typeface="Arial" panose="020B0604020202020204" pitchFamily="34" charset="0"/>
+              <a:buChar char="•"/>
+              <a:defRPr sz="2000"/>
+            </a:lvl3pPr>
+            <a:lvl4pPr marL="1600200" indent="-228600">
+              <a:lnSpc>
+                <a:spcPct val="90000"/>
+              </a:lnSpc>
+              <a:spcBef>
+                <a:spcPts val="500"/>
+              </a:spcBef>
+              <a:buFont typeface="Arial" panose="020B0604020202020204" pitchFamily="34" charset="0"/>
+              <a:buChar char="•"/>
+            </a:lvl4pPr>
+            <a:lvl5pPr marL="2057400" indent="-228600">
+              <a:lnSpc>
+                <a:spcPct val="90000"/>
+              </a:lnSpc>
+              <a:spcBef>
+                <a:spcPts val="500"/>
+              </a:spcBef>
+              <a:buFont typeface="Arial" panose="020B0604020202020204" pitchFamily="34" charset="0"/>
+              <a:buChar char="•"/>
+            </a:lvl5pPr>
+            <a:lvl6pPr marL="2514600" indent="-228600">
+              <a:lnSpc>
+                <a:spcPct val="90000"/>
+              </a:lnSpc>
+              <a:spcBef>
+                <a:spcPts val="500"/>
+              </a:spcBef>
+              <a:buFont typeface="Arial" panose="020B0604020202020204" pitchFamily="34" charset="0"/>
+              <a:buChar char="•"/>
+            </a:lvl6pPr>
+            <a:lvl7pPr marL="2971800" indent="-228600">
+              <a:lnSpc>
+                <a:spcPct val="90000"/>
+              </a:lnSpc>
+              <a:spcBef>
+                <a:spcPts val="500"/>
+              </a:spcBef>
+              <a:buFont typeface="Arial" panose="020B0604020202020204" pitchFamily="34" charset="0"/>
+              <a:buChar char="•"/>
+            </a:lvl7pPr>
+            <a:lvl8pPr marL="3429000" indent="-228600">
+              <a:lnSpc>
+                <a:spcPct val="90000"/>
+              </a:lnSpc>
+              <a:spcBef>
+                <a:spcPts val="500"/>
+              </a:spcBef>
+              <a:buFont typeface="Arial" panose="020B0604020202020204" pitchFamily="34" charset="0"/>
+              <a:buChar char="•"/>
+            </a:lvl8pPr>
+            <a:lvl9pPr marL="3886200" indent="-228600">
+              <a:lnSpc>
+                <a:spcPct val="90000"/>
+              </a:lnSpc>
+              <a:spcBef>
+                <a:spcPts val="500"/>
+              </a:spcBef>
+              <a:buFont typeface="Arial" panose="020B0604020202020204" pitchFamily="34" charset="0"/>
+              <a:buChar char="•"/>
+            </a:lvl9pPr>
+          </a:lstStyle>
+          <a:p>
+            <a:pPr algn="l">
+              <a:lnSpc>
+                <a:spcPct val="110000"/>
+              </a:lnSpc>
+            </a:pPr>
+            <a:r>
+              <a:rPr lang="en-US" altLang="zh-CN" dirty="0" smtClean="0">
+                <a:solidFill>
+                  <a:schemeClr val="bg1"/>
+                </a:solidFill>
+              </a:rPr>
+              <a:t>· </a:t>
+            </a:r>
+            <a:r>
+              <a:rPr lang="zh-CN" altLang="en-US" dirty="0" smtClean="0">
+                <a:solidFill>
+                  <a:schemeClr val="bg1"/>
+                </a:solidFill>
+              </a:rPr>
+              <a:t>经济系统的核心是金币，由于在老虎机游戏中金币会被消耗，而玩家又能免费获得金币，所以我们需要想</a:t>
+            </a:r>
+            <a:r>
+              <a:rPr lang="zh-CN" altLang="en-US" dirty="0" smtClean="0">
+                <a:solidFill>
+                  <a:schemeClr val="bg1"/>
+                </a:solidFill>
+              </a:rPr>
+              <a:t>办法鼓励玩家尽量花掉金币，将金币转换为文明点数和道具，最终变为建筑物提供特殊功能</a:t>
+            </a:r>
+            <a:endParaRPr lang="zh-CN" altLang="en-US" dirty="0" smtClean="0">
+              <a:solidFill>
+                <a:schemeClr val="bg1"/>
+              </a:solidFill>
+            </a:endParaRPr>
+          </a:p>
+          <a:p>
+            <a:pPr algn="l">
+              <a:lnSpc>
+                <a:spcPct val="110000"/>
+              </a:lnSpc>
+            </a:pPr>
+            <a:r>
+              <a:rPr lang="en-US" altLang="zh-CN" dirty="0" smtClean="0">
+                <a:solidFill>
+                  <a:schemeClr val="bg1"/>
+                </a:solidFill>
+              </a:rPr>
+              <a:t>· </a:t>
+            </a:r>
+            <a:r>
+              <a:rPr lang="zh-CN" altLang="en-US" dirty="0" smtClean="0">
+                <a:solidFill>
+                  <a:schemeClr val="bg1"/>
+                </a:solidFill>
+              </a:rPr>
+              <a:t>金币的来源有每日赠送和玩家充值，其中某些特殊建筑能提供每日赠送的金币</a:t>
+            </a:r>
+            <a:endParaRPr lang="zh-CN" altLang="en-US" dirty="0" smtClean="0">
+              <a:solidFill>
+                <a:schemeClr val="bg1"/>
+              </a:solidFill>
+            </a:endParaRPr>
+          </a:p>
+          <a:p>
+            <a:pPr algn="l">
+              <a:lnSpc>
+                <a:spcPct val="110000"/>
+              </a:lnSpc>
+            </a:pPr>
+            <a:r>
+              <a:rPr lang="en-US" altLang="zh-CN" dirty="0" smtClean="0">
+                <a:solidFill>
+                  <a:schemeClr val="bg1"/>
+                </a:solidFill>
+              </a:rPr>
+              <a:t>· </a:t>
+            </a:r>
+            <a:r>
+              <a:rPr lang="zh-CN" altLang="en-US" dirty="0" smtClean="0">
+                <a:solidFill>
+                  <a:schemeClr val="bg1"/>
+                </a:solidFill>
+              </a:rPr>
+              <a:t>金币和道具之间可以相互转换，从中回收一部分金币</a:t>
+            </a:r>
+            <a:endParaRPr lang="zh-CN" altLang="en-US" dirty="0" smtClean="0">
+              <a:solidFill>
+                <a:schemeClr val="bg1"/>
+              </a:solidFill>
+            </a:endParaRPr>
+          </a:p>
+          <a:p>
+            <a:pPr algn="l">
+              <a:lnSpc>
+                <a:spcPct val="110000"/>
+              </a:lnSpc>
+            </a:pPr>
+            <a:r>
+              <a:rPr lang="en-US" altLang="zh-CN" dirty="0" smtClean="0">
+                <a:solidFill>
+                  <a:schemeClr val="bg1"/>
+                </a:solidFill>
+              </a:rPr>
+              <a:t>· </a:t>
+            </a:r>
+            <a:r>
+              <a:rPr lang="zh-CN" altLang="en-US" dirty="0" smtClean="0">
+                <a:solidFill>
+                  <a:schemeClr val="bg1"/>
+                </a:solidFill>
+              </a:rPr>
+              <a:t>通过活动、竞技场，回收金币</a:t>
+            </a:r>
+            <a:endParaRPr lang="zh-CN" altLang="en-US" dirty="0" smtClean="0">
+              <a:solidFill>
+                <a:schemeClr val="bg1"/>
+              </a:solidFill>
+            </a:endParaRPr>
+          </a:p>
+        </p:txBody>
+      </p:sp>
+    </p:spTree>
+    <p:custDataLst>
+      <p:tags r:id="rId3"/>
+    </p:custDataLst>
+  </p:cSld>
+  <p:clrMapOvr>
+    <a:masterClrMapping/>
+  </p:clrMapOvr>
+</p:sld>
+</file>
+
+<file path=ppt/slides/slide17.xml><?xml version="1.0" encoding="utf-8"?>
+<p:sld xmlns:a="http://schemas.openxmlformats.org/drawingml/2006/main" xmlns:r="http://schemas.openxmlformats.org/officeDocument/2006/relationships" xmlns:p="http://schemas.openxmlformats.org/presentationml/2006/main">
+  <p:cSld>
+    <p:bg>
+      <p:bgPr>
+        <a:solidFill>
+          <a:schemeClr val="accent1">
+            <a:lumMod val="75000"/>
+          </a:schemeClr>
+        </a:solidFill>
+        <a:effectLst/>
+      </p:bgPr>
+    </p:bg>
+    <p:spTree>
+      <p:nvGrpSpPr>
+        <p:cNvPr id="1" name=""/>
+        <p:cNvGrpSpPr/>
+        <p:nvPr/>
+      </p:nvGrpSpPr>
+      <p:grpSpPr>
+        <a:xfrm>
+          <a:off x="0" y="0"/>
+          <a:ext cx="0" cy="0"/>
+          <a:chOff x="0" y="0"/>
+          <a:chExt cx="0" cy="0"/>
+        </a:xfrm>
+      </p:grpSpPr>
+      <p:sp>
+        <p:nvSpPr>
+          <p:cNvPr id="11" name="标题 1"/>
+          <p:cNvSpPr txBox="1"/>
+          <p:nvPr>
+            <p:custDataLst>
+              <p:tags r:id="rId1"/>
+            </p:custDataLst>
+          </p:nvPr>
+        </p:nvSpPr>
+        <p:spPr>
+          <a:xfrm>
+            <a:off x="838200" y="365125"/>
+            <a:ext cx="10515600" cy="1325563"/>
+          </a:xfrm>
+          <a:prstGeom prst="rect">
+            <a:avLst/>
+          </a:prstGeom>
+          <a:noFill/>
+        </p:spPr>
+        <p:txBody>
+          <a:bodyPr anchor="ctr" anchorCtr="0">
+            <a:normAutofit/>
+          </a:bodyPr>
+          <a:lstStyle>
+            <a:defPPr>
+              <a:defRPr lang="zh-CN"/>
+            </a:defPPr>
+            <a:lvl1pPr algn="ctr">
+              <a:lnSpc>
+                <a:spcPct val="90000"/>
+              </a:lnSpc>
+              <a:spcBef>
+                <a:spcPct val="0"/>
+              </a:spcBef>
+              <a:buNone/>
+              <a:defRPr sz="4400">
+                <a:latin typeface="+mj-lt"/>
+                <a:ea typeface="+mj-ea"/>
+                <a:cs typeface="+mj-cs"/>
+              </a:defRPr>
+            </a:lvl1pPr>
+          </a:lstStyle>
+          <a:p>
+            <a:r>
+              <a:rPr lang="zh-CN" altLang="en-US" dirty="0" smtClean="0">
+                <a:solidFill>
+                  <a:schemeClr val="bg1"/>
+                </a:solidFill>
+                <a:sym typeface="+mn-ea"/>
+              </a:rPr>
+              <a:t>游戏设计：小结</a:t>
+            </a:r>
+            <a:endParaRPr lang="zh-CN" altLang="en-US" dirty="0" smtClean="0">
+              <a:solidFill>
+                <a:schemeClr val="bg1"/>
+              </a:solidFill>
+              <a:sym typeface="+mn-ea"/>
+            </a:endParaRPr>
+          </a:p>
+        </p:txBody>
+      </p:sp>
+      <p:sp>
+        <p:nvSpPr>
+          <p:cNvPr id="3" name="文本占位符 14"/>
+          <p:cNvSpPr txBox="1"/>
+          <p:nvPr>
+            <p:custDataLst>
+              <p:tags r:id="rId2"/>
+            </p:custDataLst>
+          </p:nvPr>
+        </p:nvSpPr>
+        <p:spPr>
+          <a:xfrm>
+            <a:off x="838200" y="1691005"/>
+            <a:ext cx="9914255" cy="4745990"/>
           </a:xfrm>
           <a:prstGeom prst="rect">
             <a:avLst/>
@@ -4153,38 +6851,34 @@
             </a:lvl9pPr>
           </a:lstStyle>
           <a:p>
-            <a:pPr algn="l"/>
-            <a:r>
-              <a:rPr lang="en-US" altLang="zh-CN" dirty="0" smtClean="0">
-                <a:solidFill>
-                  <a:schemeClr val="bg1"/>
-                </a:solidFill>
-              </a:rPr>
-              <a:t>1</a:t>
-            </a:r>
-            <a:r>
-              <a:rPr lang="zh-CN" altLang="en-US" dirty="0" smtClean="0">
-                <a:solidFill>
-                  <a:schemeClr val="bg1"/>
-                </a:solidFill>
-              </a:rPr>
-              <a:t>、确保以老虎机</a:t>
-            </a:r>
-            <a:r>
-              <a:rPr lang="en-US" altLang="zh-CN" dirty="0" smtClean="0">
-                <a:solidFill>
-                  <a:schemeClr val="bg1"/>
-                </a:solidFill>
-              </a:rPr>
-              <a:t>+</a:t>
-            </a:r>
-            <a:r>
-              <a:rPr lang="zh-CN" altLang="en-US" dirty="0" smtClean="0">
-                <a:solidFill>
-                  <a:schemeClr val="bg1"/>
-                </a:solidFill>
-              </a:rPr>
-              <a:t>奖励玩法为核心</a:t>
+            <a:pPr algn="l">
+              <a:lnSpc>
+                <a:spcPct val="110000"/>
+              </a:lnSpc>
+            </a:pPr>
+            <a:r>
+              <a:rPr lang="en-US" dirty="0" smtClean="0">
+                <a:solidFill>
+                  <a:schemeClr val="bg1"/>
+                </a:solidFill>
+              </a:rPr>
+              <a:t>· </a:t>
+            </a:r>
+            <a:r>
+              <a:rPr lang="zh-CN" altLang="en-US" dirty="0" smtClean="0">
+                <a:solidFill>
+                  <a:schemeClr val="bg1"/>
+                </a:solidFill>
+              </a:rPr>
+              <a:t>本游戏设计方案从理论上能够做到：融合背景主题、玩家</a:t>
+            </a:r>
+            <a:r>
+              <a:rPr lang="zh-CN" altLang="en-US" dirty="0" smtClean="0">
+                <a:solidFill>
+                  <a:schemeClr val="bg1"/>
+                </a:solidFill>
+              </a:rPr>
+              <a:t>能长期玩下去、能持续扩展</a:t>
             </a:r>
             <a:endParaRPr lang="zh-CN" altLang="en-US" dirty="0" smtClean="0">
               <a:solidFill>
@@ -4192,22 +6886,166 @@
               </a:solidFill>
             </a:endParaRPr>
           </a:p>
+          <a:p>
+            <a:pPr algn="l">
+              <a:lnSpc>
+                <a:spcPct val="110000"/>
+              </a:lnSpc>
+            </a:pPr>
+            <a:r>
+              <a:rPr lang="en-US" altLang="zh-CN" dirty="0" smtClean="0">
+                <a:solidFill>
+                  <a:schemeClr val="bg1"/>
+                </a:solidFill>
+              </a:rPr>
+              <a:t>· </a:t>
+            </a:r>
+            <a:r>
+              <a:rPr lang="zh-CN" altLang="en-US" dirty="0" smtClean="0">
+                <a:solidFill>
+                  <a:schemeClr val="bg1"/>
+                </a:solidFill>
+              </a:rPr>
+              <a:t>这个设计的问题在于，规则是否过于复杂？如果适当的</a:t>
+            </a:r>
+            <a:r>
+              <a:rPr lang="en-US" altLang="zh-CN" dirty="0" smtClean="0">
+                <a:solidFill>
+                  <a:schemeClr val="bg1"/>
+                </a:solidFill>
+              </a:rPr>
+              <a:t>UI</a:t>
+            </a:r>
+            <a:r>
+              <a:rPr lang="zh-CN" altLang="en-US" dirty="0" smtClean="0">
+                <a:solidFill>
+                  <a:schemeClr val="bg1"/>
+                </a:solidFill>
+              </a:rPr>
+              <a:t>和引导能够帮助玩家理解规则，那问题就不大了</a:t>
+            </a:r>
+            <a:endParaRPr lang="zh-CN" altLang="en-US" dirty="0" smtClean="0">
+              <a:solidFill>
+                <a:schemeClr val="bg1"/>
+              </a:solidFill>
+            </a:endParaRPr>
+          </a:p>
         </p:txBody>
       </p:sp>
+    </p:spTree>
+    <p:custDataLst>
+      <p:tags r:id="rId3"/>
+    </p:custDataLst>
+  </p:cSld>
+  <p:clrMapOvr>
+    <a:masterClrMapping/>
+  </p:clrMapOvr>
+</p:sld>
+</file>
+
+<file path=ppt/slides/slide18.xml><?xml version="1.0" encoding="utf-8"?>
+<p:sld xmlns:a="http://schemas.openxmlformats.org/drawingml/2006/main" xmlns:r="http://schemas.openxmlformats.org/officeDocument/2006/relationships" xmlns:p="http://schemas.openxmlformats.org/presentationml/2006/main">
+  <p:cSld>
+    <p:bg>
+      <p:bgPr>
+        <a:solidFill>
+          <a:schemeClr val="accent1">
+            <a:lumMod val="75000"/>
+          </a:schemeClr>
+        </a:solidFill>
+        <a:effectLst/>
+      </p:bgPr>
+    </p:bg>
+    <p:spTree>
+      <p:nvGrpSpPr>
+        <p:cNvPr id="1" name=""/>
+        <p:cNvGrpSpPr/>
+        <p:nvPr/>
+      </p:nvGrpSpPr>
+      <p:grpSpPr>
+        <a:xfrm>
+          <a:off x="0" y="0"/>
+          <a:ext cx="0" cy="0"/>
+          <a:chOff x="0" y="0"/>
+          <a:chExt cx="0" cy="0"/>
+        </a:xfrm>
+      </p:grpSpPr>
       <p:sp>
         <p:nvSpPr>
-          <p:cNvPr id="13" name="文本占位符 14"/>
+          <p:cNvPr id="11" name="标题 1"/>
           <p:cNvSpPr txBox="1"/>
           <p:nvPr>
             <p:custDataLst>
-              <p:tags r:id="rId3"/>
+              <p:tags r:id="rId1"/>
             </p:custDataLst>
           </p:nvPr>
         </p:nvSpPr>
         <p:spPr>
           <a:xfrm>
-            <a:off x="2562225" y="3365500"/>
-            <a:ext cx="7420610" cy="1378585"/>
+            <a:off x="838200" y="365125"/>
+            <a:ext cx="10515600" cy="1325563"/>
+          </a:xfrm>
+          <a:prstGeom prst="rect">
+            <a:avLst/>
+          </a:prstGeom>
+          <a:noFill/>
+        </p:spPr>
+        <p:txBody>
+          <a:bodyPr anchor="ctr" anchorCtr="0">
+            <a:normAutofit/>
+          </a:bodyPr>
+          <a:lstStyle>
+            <a:defPPr>
+              <a:defRPr lang="zh-CN"/>
+            </a:defPPr>
+            <a:lvl1pPr algn="ctr">
+              <a:lnSpc>
+                <a:spcPct val="90000"/>
+              </a:lnSpc>
+              <a:spcBef>
+                <a:spcPct val="0"/>
+              </a:spcBef>
+              <a:buNone/>
+              <a:defRPr sz="4400">
+                <a:latin typeface="+mj-lt"/>
+                <a:ea typeface="+mj-ea"/>
+                <a:cs typeface="+mj-cs"/>
+              </a:defRPr>
+            </a:lvl1pPr>
+          </a:lstStyle>
+          <a:p>
+            <a:r>
+              <a:rPr lang="zh-CN" altLang="en-US" dirty="0" smtClean="0">
+                <a:solidFill>
+                  <a:schemeClr val="bg1"/>
+                </a:solidFill>
+                <a:sym typeface="+mn-ea"/>
+              </a:rPr>
+              <a:t>主要问题</a:t>
+            </a:r>
+            <a:endParaRPr lang="zh-CN" altLang="en-US" dirty="0" smtClean="0">
+              <a:solidFill>
+                <a:schemeClr val="bg1"/>
+              </a:solidFill>
+              <a:sym typeface="+mn-ea"/>
+            </a:endParaRPr>
+          </a:p>
+        </p:txBody>
+      </p:sp>
+      <p:sp>
+        <p:nvSpPr>
+          <p:cNvPr id="3" name="文本占位符 14"/>
+          <p:cNvSpPr txBox="1"/>
+          <p:nvPr>
+            <p:custDataLst>
+              <p:tags r:id="rId2"/>
+            </p:custDataLst>
+          </p:nvPr>
+        </p:nvSpPr>
+        <p:spPr>
+          <a:xfrm>
+            <a:off x="838200" y="1691005"/>
+            <a:ext cx="9914255" cy="4745990"/>
           </a:xfrm>
           <a:prstGeom prst="rect">
             <a:avLst/>
@@ -4324,22 +7162,26 @@
             </a:lvl9pPr>
           </a:lstStyle>
           <a:p>
-            <a:pPr algn="l"/>
+            <a:pPr algn="l">
+              <a:lnSpc>
+                <a:spcPct val="110000"/>
+              </a:lnSpc>
+            </a:pPr>
             <a:r>
               <a:rPr lang="en-US" altLang="zh-CN" dirty="0" smtClean="0">
                 <a:solidFill>
                   <a:schemeClr val="bg1"/>
                 </a:solidFill>
               </a:rPr>
-              <a:t>2</a:t>
-            </a:r>
-            <a:r>
-              <a:rPr lang="zh-CN" altLang="en-US" dirty="0" smtClean="0">
-                <a:solidFill>
-                  <a:schemeClr val="bg1"/>
-                </a:solidFill>
-              </a:rPr>
-              <a:t>、提供长远目标和新鲜感，促使玩家长期玩下去</a:t>
+              <a:t>· </a:t>
+            </a:r>
+            <a:r>
+              <a:rPr lang="zh-CN" altLang="en-US" dirty="0" smtClean="0">
+                <a:solidFill>
+                  <a:schemeClr val="bg1"/>
+                </a:solidFill>
+              </a:rPr>
+              <a:t>付费系统的设计，没想好怎么做。购买金币是一个途径，但买时间可能会更好</a:t>
             </a:r>
             <a:endParaRPr lang="zh-CN" altLang="en-US" dirty="0" smtClean="0">
               <a:solidFill>
@@ -4349,20 +7191,117 @@
           </a:p>
         </p:txBody>
       </p:sp>
+    </p:spTree>
+    <p:custDataLst>
+      <p:tags r:id="rId3"/>
+    </p:custDataLst>
+  </p:cSld>
+  <p:clrMapOvr>
+    <a:masterClrMapping/>
+  </p:clrMapOvr>
+</p:sld>
+</file>
+
+<file path=ppt/slides/slide2.xml><?xml version="1.0" encoding="utf-8"?>
+<p:sld xmlns:a="http://schemas.openxmlformats.org/drawingml/2006/main" xmlns:r="http://schemas.openxmlformats.org/officeDocument/2006/relationships" xmlns:p="http://schemas.openxmlformats.org/presentationml/2006/main">
+  <p:cSld>
+    <p:bg>
+      <p:bgPr>
+        <a:solidFill>
+          <a:schemeClr val="accent1">
+            <a:lumMod val="75000"/>
+          </a:schemeClr>
+        </a:solidFill>
+        <a:effectLst/>
+      </p:bgPr>
+    </p:bg>
+    <p:spTree>
+      <p:nvGrpSpPr>
+        <p:cNvPr id="1" name=""/>
+        <p:cNvGrpSpPr/>
+        <p:nvPr/>
+      </p:nvGrpSpPr>
+      <p:grpSpPr>
+        <a:xfrm>
+          <a:off x="0" y="0"/>
+          <a:ext cx="0" cy="0"/>
+          <a:chOff x="0" y="0"/>
+          <a:chExt cx="0" cy="0"/>
+        </a:xfrm>
+      </p:grpSpPr>
       <p:sp>
         <p:nvSpPr>
-          <p:cNvPr id="2" name="文本占位符 14"/>
+          <p:cNvPr id="11" name="标题 1"/>
           <p:cNvSpPr txBox="1"/>
           <p:nvPr>
             <p:custDataLst>
-              <p:tags r:id="rId4"/>
+              <p:tags r:id="rId1"/>
             </p:custDataLst>
           </p:nvPr>
         </p:nvSpPr>
         <p:spPr>
           <a:xfrm>
-            <a:off x="2562225" y="4867910"/>
-            <a:ext cx="7420610" cy="1378585"/>
+            <a:off x="838200" y="365125"/>
+            <a:ext cx="10515600" cy="1325563"/>
+          </a:xfrm>
+          <a:prstGeom prst="rect">
+            <a:avLst/>
+          </a:prstGeom>
+        </p:spPr>
+        <p:txBody>
+          <a:bodyPr anchor="ctr" anchorCtr="0">
+            <a:normAutofit/>
+          </a:bodyPr>
+          <a:lstStyle>
+            <a:defPPr>
+              <a:defRPr lang="zh-CN"/>
+            </a:defPPr>
+            <a:lvl1pPr algn="ctr">
+              <a:lnSpc>
+                <a:spcPct val="90000"/>
+              </a:lnSpc>
+              <a:spcBef>
+                <a:spcPct val="0"/>
+              </a:spcBef>
+              <a:buNone/>
+              <a:defRPr sz="4400">
+                <a:latin typeface="+mj-lt"/>
+                <a:ea typeface="+mj-ea"/>
+                <a:cs typeface="+mj-cs"/>
+              </a:defRPr>
+            </a:lvl1pPr>
+          </a:lstStyle>
+          <a:p>
+            <a:r>
+              <a:rPr lang="zh-CN" altLang="en-US" dirty="0" smtClean="0">
+                <a:solidFill>
+                  <a:schemeClr val="bg1"/>
+                </a:solidFill>
+              </a:rPr>
+              <a:t>目标用户分析</a:t>
+            </a:r>
+            <a:endParaRPr lang="zh-CN" altLang="en-US" dirty="0" smtClean="0">
+              <a:solidFill>
+                <a:schemeClr val="bg1"/>
+              </a:solidFill>
+            </a:endParaRPr>
+          </a:p>
+        </p:txBody>
+      </p:sp>
+      <p:sp>
+        <p:nvSpPr>
+          <p:cNvPr id="13" name="文本占位符 14"/>
+          <p:cNvSpPr txBox="1"/>
+          <p:nvPr>
+            <p:custDataLst>
+              <p:tags r:id="rId2"/>
+            </p:custDataLst>
+          </p:nvPr>
+        </p:nvSpPr>
+        <p:spPr>
+          <a:xfrm>
+            <a:off x="2595245" y="3387725"/>
+            <a:ext cx="7420610" cy="1445895"/>
           </a:xfrm>
           <a:prstGeom prst="rect">
             <a:avLst/>
@@ -4479,22 +7418,26 @@
             </a:lvl9pPr>
           </a:lstStyle>
           <a:p>
-            <a:pPr algn="l"/>
+            <a:pPr algn="l">
+              <a:lnSpc>
+                <a:spcPct val="100000"/>
+              </a:lnSpc>
+            </a:pPr>
             <a:r>
               <a:rPr lang="en-US" altLang="zh-CN" dirty="0" smtClean="0">
                 <a:solidFill>
                   <a:schemeClr val="bg1"/>
                 </a:solidFill>
               </a:rPr>
-              <a:t>3</a:t>
-            </a:r>
-            <a:r>
-              <a:rPr lang="zh-CN" altLang="en-US" dirty="0" smtClean="0">
-                <a:solidFill>
-                  <a:schemeClr val="bg1"/>
-                </a:solidFill>
-              </a:rPr>
-              <a:t>、规则少，容易理解</a:t>
+              <a:t>2</a:t>
+            </a:r>
+            <a:r>
+              <a:rPr lang="zh-CN" altLang="en-US" dirty="0" smtClean="0">
+                <a:solidFill>
+                  <a:schemeClr val="bg1"/>
+                </a:solidFill>
+              </a:rPr>
+              <a:t>、对游戏背景感兴趣的玩家，对于游戏背景融入玩法的要求高</a:t>
             </a:r>
             <a:endParaRPr lang="zh-CN" altLang="en-US" dirty="0" smtClean="0">
               <a:solidFill>
@@ -4504,9 +7447,708 @@
           </a:p>
         </p:txBody>
       </p:sp>
+      <p:sp>
+        <p:nvSpPr>
+          <p:cNvPr id="2" name="文本占位符 14"/>
+          <p:cNvSpPr txBox="1"/>
+          <p:nvPr>
+            <p:custDataLst>
+              <p:tags r:id="rId3"/>
+            </p:custDataLst>
+          </p:nvPr>
+        </p:nvSpPr>
+        <p:spPr>
+          <a:xfrm>
+            <a:off x="2595245" y="4833620"/>
+            <a:ext cx="7420610" cy="1378585"/>
+          </a:xfrm>
+          <a:prstGeom prst="rect">
+            <a:avLst/>
+          </a:prstGeom>
+          <a:ln>
+            <a:solidFill>
+              <a:schemeClr val="bg1">
+                <a:lumMod val="85000"/>
+              </a:schemeClr>
+            </a:solidFill>
+            <a:prstDash val="sysDash"/>
+          </a:ln>
+        </p:spPr>
+        <p:txBody>
+          <a:bodyPr vert="horz" lIns="91440" tIns="45720" rIns="91440" bIns="45720" rtlCol="0" anchor="ctr" anchorCtr="0">
+            <a:normAutofit lnSpcReduction="10000"/>
+          </a:bodyPr>
+          <a:lstStyle>
+            <a:defPPr>
+              <a:defRPr lang="zh-CN"/>
+            </a:defPPr>
+            <a:lvl1pPr indent="0" algn="ctr">
+              <a:lnSpc>
+                <a:spcPct val="90000"/>
+              </a:lnSpc>
+              <a:spcBef>
+                <a:spcPts val="1000"/>
+              </a:spcBef>
+              <a:buFont typeface="Arial" panose="020B0604020202020204" pitchFamily="34" charset="0"/>
+              <a:buNone/>
+              <a:defRPr sz="2800"/>
+            </a:lvl1pPr>
+            <a:lvl2pPr marL="685800" indent="-228600">
+              <a:lnSpc>
+                <a:spcPct val="90000"/>
+              </a:lnSpc>
+              <a:spcBef>
+                <a:spcPts val="500"/>
+              </a:spcBef>
+              <a:buFont typeface="Arial" panose="020B0604020202020204" pitchFamily="34" charset="0"/>
+              <a:buChar char="•"/>
+              <a:defRPr sz="2400"/>
+            </a:lvl2pPr>
+            <a:lvl3pPr marL="1143000" indent="-228600">
+              <a:lnSpc>
+                <a:spcPct val="90000"/>
+              </a:lnSpc>
+              <a:spcBef>
+                <a:spcPts val="500"/>
+              </a:spcBef>
+              <a:buFont typeface="Arial" panose="020B0604020202020204" pitchFamily="34" charset="0"/>
+              <a:buChar char="•"/>
+              <a:defRPr sz="2000"/>
+            </a:lvl3pPr>
+            <a:lvl4pPr marL="1600200" indent="-228600">
+              <a:lnSpc>
+                <a:spcPct val="90000"/>
+              </a:lnSpc>
+              <a:spcBef>
+                <a:spcPts val="500"/>
+              </a:spcBef>
+              <a:buFont typeface="Arial" panose="020B0604020202020204" pitchFamily="34" charset="0"/>
+              <a:buChar char="•"/>
+            </a:lvl4pPr>
+            <a:lvl5pPr marL="2057400" indent="-228600">
+              <a:lnSpc>
+                <a:spcPct val="90000"/>
+              </a:lnSpc>
+              <a:spcBef>
+                <a:spcPts val="500"/>
+              </a:spcBef>
+              <a:buFont typeface="Arial" panose="020B0604020202020204" pitchFamily="34" charset="0"/>
+              <a:buChar char="•"/>
+            </a:lvl5pPr>
+            <a:lvl6pPr marL="2514600" indent="-228600">
+              <a:lnSpc>
+                <a:spcPct val="90000"/>
+              </a:lnSpc>
+              <a:spcBef>
+                <a:spcPts val="500"/>
+              </a:spcBef>
+              <a:buFont typeface="Arial" panose="020B0604020202020204" pitchFamily="34" charset="0"/>
+              <a:buChar char="•"/>
+            </a:lvl6pPr>
+            <a:lvl7pPr marL="2971800" indent="-228600">
+              <a:lnSpc>
+                <a:spcPct val="90000"/>
+              </a:lnSpc>
+              <a:spcBef>
+                <a:spcPts val="500"/>
+              </a:spcBef>
+              <a:buFont typeface="Arial" panose="020B0604020202020204" pitchFamily="34" charset="0"/>
+              <a:buChar char="•"/>
+            </a:lvl7pPr>
+            <a:lvl8pPr marL="3429000" indent="-228600">
+              <a:lnSpc>
+                <a:spcPct val="90000"/>
+              </a:lnSpc>
+              <a:spcBef>
+                <a:spcPts val="500"/>
+              </a:spcBef>
+              <a:buFont typeface="Arial" panose="020B0604020202020204" pitchFamily="34" charset="0"/>
+              <a:buChar char="•"/>
+            </a:lvl8pPr>
+            <a:lvl9pPr marL="3886200" indent="-228600">
+              <a:lnSpc>
+                <a:spcPct val="90000"/>
+              </a:lnSpc>
+              <a:spcBef>
+                <a:spcPts val="500"/>
+              </a:spcBef>
+              <a:buFont typeface="Arial" panose="020B0604020202020204" pitchFamily="34" charset="0"/>
+              <a:buChar char="•"/>
+            </a:lvl9pPr>
+          </a:lstStyle>
+          <a:p>
+            <a:pPr algn="l">
+              <a:lnSpc>
+                <a:spcPct val="100000"/>
+              </a:lnSpc>
+            </a:pPr>
+            <a:r>
+              <a:rPr lang="en-US" altLang="zh-CN" dirty="0" smtClean="0">
+                <a:solidFill>
+                  <a:schemeClr val="bg1"/>
+                </a:solidFill>
+              </a:rPr>
+              <a:t>3</a:t>
+            </a:r>
+            <a:r>
+              <a:rPr lang="zh-CN" altLang="en-US" dirty="0" smtClean="0">
+                <a:solidFill>
+                  <a:schemeClr val="bg1"/>
+                </a:solidFill>
+              </a:rPr>
+              <a:t>、普通休闲游戏玩家的获取非常依赖于运营的，对于研发来说是很难控制的因素，因此对</a:t>
+            </a:r>
+            <a:r>
+              <a:rPr lang="en-US" altLang="zh-CN" dirty="0" smtClean="0">
+                <a:solidFill>
+                  <a:schemeClr val="bg1"/>
+                </a:solidFill>
+              </a:rPr>
+              <a:t>1</a:t>
+            </a:r>
+            <a:r>
+              <a:rPr lang="zh-CN" altLang="en-US" dirty="0" smtClean="0">
+                <a:solidFill>
+                  <a:schemeClr val="bg1"/>
+                </a:solidFill>
+              </a:rPr>
+              <a:t>、</a:t>
+            </a:r>
+            <a:r>
+              <a:rPr lang="en-US" altLang="zh-CN" dirty="0" smtClean="0">
+                <a:solidFill>
+                  <a:schemeClr val="bg1"/>
+                </a:solidFill>
+              </a:rPr>
+              <a:t>2</a:t>
+            </a:r>
+            <a:r>
+              <a:rPr lang="zh-CN" altLang="en-US" dirty="0" smtClean="0">
+                <a:solidFill>
+                  <a:schemeClr val="bg1"/>
+                </a:solidFill>
+              </a:rPr>
+              <a:t>类玩家的把握应该是设计的重点</a:t>
+            </a:r>
+            <a:endParaRPr lang="zh-CN" altLang="en-US" dirty="0" smtClean="0">
+              <a:solidFill>
+                <a:schemeClr val="bg1"/>
+              </a:solidFill>
+            </a:endParaRPr>
+          </a:p>
+        </p:txBody>
+      </p:sp>
+      <p:sp>
+        <p:nvSpPr>
+          <p:cNvPr id="4" name="文本占位符 14"/>
+          <p:cNvSpPr txBox="1"/>
+          <p:nvPr>
+            <p:custDataLst>
+              <p:tags r:id="rId4"/>
+            </p:custDataLst>
+          </p:nvPr>
+        </p:nvSpPr>
+        <p:spPr>
+          <a:xfrm>
+            <a:off x="2595245" y="2009140"/>
+            <a:ext cx="7420610" cy="1378585"/>
+          </a:xfrm>
+          <a:prstGeom prst="rect">
+            <a:avLst/>
+          </a:prstGeom>
+          <a:ln>
+            <a:solidFill>
+              <a:schemeClr val="bg1">
+                <a:lumMod val="85000"/>
+              </a:schemeClr>
+            </a:solidFill>
+            <a:prstDash val="sysDash"/>
+          </a:ln>
+        </p:spPr>
+        <p:txBody>
+          <a:bodyPr vert="horz" lIns="91440" tIns="45720" rIns="91440" bIns="45720" rtlCol="0" anchor="ctr" anchorCtr="0">
+            <a:normAutofit lnSpcReduction="10000"/>
+          </a:bodyPr>
+          <a:lstStyle>
+            <a:defPPr>
+              <a:defRPr lang="zh-CN"/>
+            </a:defPPr>
+            <a:lvl1pPr indent="0" algn="ctr">
+              <a:lnSpc>
+                <a:spcPct val="90000"/>
+              </a:lnSpc>
+              <a:spcBef>
+                <a:spcPts val="1000"/>
+              </a:spcBef>
+              <a:buFont typeface="Arial" panose="020B0604020202020204" pitchFamily="34" charset="0"/>
+              <a:buNone/>
+              <a:defRPr sz="2800"/>
+            </a:lvl1pPr>
+            <a:lvl2pPr marL="685800" indent="-228600">
+              <a:lnSpc>
+                <a:spcPct val="90000"/>
+              </a:lnSpc>
+              <a:spcBef>
+                <a:spcPts val="500"/>
+              </a:spcBef>
+              <a:buFont typeface="Arial" panose="020B0604020202020204" pitchFamily="34" charset="0"/>
+              <a:buChar char="•"/>
+              <a:defRPr sz="2400"/>
+            </a:lvl2pPr>
+            <a:lvl3pPr marL="1143000" indent="-228600">
+              <a:lnSpc>
+                <a:spcPct val="90000"/>
+              </a:lnSpc>
+              <a:spcBef>
+                <a:spcPts val="500"/>
+              </a:spcBef>
+              <a:buFont typeface="Arial" panose="020B0604020202020204" pitchFamily="34" charset="0"/>
+              <a:buChar char="•"/>
+              <a:defRPr sz="2000"/>
+            </a:lvl3pPr>
+            <a:lvl4pPr marL="1600200" indent="-228600">
+              <a:lnSpc>
+                <a:spcPct val="90000"/>
+              </a:lnSpc>
+              <a:spcBef>
+                <a:spcPts val="500"/>
+              </a:spcBef>
+              <a:buFont typeface="Arial" panose="020B0604020202020204" pitchFamily="34" charset="0"/>
+              <a:buChar char="•"/>
+            </a:lvl4pPr>
+            <a:lvl5pPr marL="2057400" indent="-228600">
+              <a:lnSpc>
+                <a:spcPct val="90000"/>
+              </a:lnSpc>
+              <a:spcBef>
+                <a:spcPts val="500"/>
+              </a:spcBef>
+              <a:buFont typeface="Arial" panose="020B0604020202020204" pitchFamily="34" charset="0"/>
+              <a:buChar char="•"/>
+            </a:lvl5pPr>
+            <a:lvl6pPr marL="2514600" indent="-228600">
+              <a:lnSpc>
+                <a:spcPct val="90000"/>
+              </a:lnSpc>
+              <a:spcBef>
+                <a:spcPts val="500"/>
+              </a:spcBef>
+              <a:buFont typeface="Arial" panose="020B0604020202020204" pitchFamily="34" charset="0"/>
+              <a:buChar char="•"/>
+            </a:lvl6pPr>
+            <a:lvl7pPr marL="2971800" indent="-228600">
+              <a:lnSpc>
+                <a:spcPct val="90000"/>
+              </a:lnSpc>
+              <a:spcBef>
+                <a:spcPts val="500"/>
+              </a:spcBef>
+              <a:buFont typeface="Arial" panose="020B0604020202020204" pitchFamily="34" charset="0"/>
+              <a:buChar char="•"/>
+            </a:lvl7pPr>
+            <a:lvl8pPr marL="3429000" indent="-228600">
+              <a:lnSpc>
+                <a:spcPct val="90000"/>
+              </a:lnSpc>
+              <a:spcBef>
+                <a:spcPts val="500"/>
+              </a:spcBef>
+              <a:buFont typeface="Arial" panose="020B0604020202020204" pitchFamily="34" charset="0"/>
+              <a:buChar char="•"/>
+            </a:lvl8pPr>
+            <a:lvl9pPr marL="3886200" indent="-228600">
+              <a:lnSpc>
+                <a:spcPct val="90000"/>
+              </a:lnSpc>
+              <a:spcBef>
+                <a:spcPts val="500"/>
+              </a:spcBef>
+              <a:buFont typeface="Arial" panose="020B0604020202020204" pitchFamily="34" charset="0"/>
+              <a:buChar char="•"/>
+            </a:lvl9pPr>
+          </a:lstStyle>
+          <a:p>
+            <a:pPr algn="l">
+              <a:lnSpc>
+                <a:spcPct val="100000"/>
+              </a:lnSpc>
+            </a:pPr>
+            <a:r>
+              <a:rPr lang="en-US" altLang="zh-CN" dirty="0" smtClean="0">
+                <a:solidFill>
+                  <a:schemeClr val="bg1"/>
+                </a:solidFill>
+              </a:rPr>
+              <a:t>1</a:t>
+            </a:r>
+            <a:r>
+              <a:rPr lang="zh-CN" altLang="en-US" dirty="0" smtClean="0">
+                <a:solidFill>
+                  <a:schemeClr val="bg1"/>
+                </a:solidFill>
+              </a:rPr>
+              <a:t>、对老虎机玩法感兴趣的玩家群体比较稳定，付费意愿也强，但他们在意有差异化的产品</a:t>
+            </a:r>
+            <a:endParaRPr lang="zh-CN" altLang="en-US" dirty="0" smtClean="0">
+              <a:solidFill>
+                <a:schemeClr val="bg1"/>
+              </a:solidFill>
+            </a:endParaRPr>
+          </a:p>
+        </p:txBody>
+      </p:sp>
     </p:spTree>
     <p:custDataLst>
       <p:tags r:id="rId5"/>
+    </p:custDataLst>
+  </p:cSld>
+  <p:clrMapOvr>
+    <a:masterClrMapping/>
+  </p:clrMapOvr>
+</p:sld>
+</file>
+
+<file path=ppt/slides/slide3.xml><?xml version="1.0" encoding="utf-8"?>
+<p:sld xmlns:a="http://schemas.openxmlformats.org/drawingml/2006/main" xmlns:r="http://schemas.openxmlformats.org/officeDocument/2006/relationships" xmlns:p="http://schemas.openxmlformats.org/presentationml/2006/main">
+  <p:cSld>
+    <p:bg>
+      <p:bgPr>
+        <a:solidFill>
+          <a:schemeClr val="accent1">
+            <a:lumMod val="75000"/>
+          </a:schemeClr>
+        </a:solidFill>
+        <a:effectLst/>
+      </p:bgPr>
+    </p:bg>
+    <p:spTree>
+      <p:nvGrpSpPr>
+        <p:cNvPr id="1" name=""/>
+        <p:cNvGrpSpPr/>
+        <p:nvPr/>
+      </p:nvGrpSpPr>
+      <p:grpSpPr>
+        <a:xfrm>
+          <a:off x="0" y="0"/>
+          <a:ext cx="0" cy="0"/>
+          <a:chOff x="0" y="0"/>
+          <a:chExt cx="0" cy="0"/>
+        </a:xfrm>
+      </p:grpSpPr>
+      <p:sp>
+        <p:nvSpPr>
+          <p:cNvPr id="11" name="标题 1"/>
+          <p:cNvSpPr txBox="1"/>
+          <p:nvPr>
+            <p:custDataLst>
+              <p:tags r:id="rId1"/>
+            </p:custDataLst>
+          </p:nvPr>
+        </p:nvSpPr>
+        <p:spPr>
+          <a:xfrm>
+            <a:off x="838200" y="376555"/>
+            <a:ext cx="10515600" cy="1325563"/>
+          </a:xfrm>
+          <a:prstGeom prst="rect">
+            <a:avLst/>
+          </a:prstGeom>
+          <a:noFill/>
+        </p:spPr>
+        <p:txBody>
+          <a:bodyPr anchor="ctr" anchorCtr="0">
+            <a:normAutofit/>
+          </a:bodyPr>
+          <a:lstStyle>
+            <a:defPPr>
+              <a:defRPr lang="zh-CN"/>
+            </a:defPPr>
+            <a:lvl1pPr algn="ctr">
+              <a:lnSpc>
+                <a:spcPct val="90000"/>
+              </a:lnSpc>
+              <a:spcBef>
+                <a:spcPct val="0"/>
+              </a:spcBef>
+              <a:buNone/>
+              <a:defRPr sz="4400">
+                <a:latin typeface="+mj-lt"/>
+                <a:ea typeface="+mj-ea"/>
+                <a:cs typeface="+mj-cs"/>
+              </a:defRPr>
+            </a:lvl1pPr>
+          </a:lstStyle>
+          <a:p>
+            <a:r>
+              <a:rPr lang="zh-CN" altLang="en-US" dirty="0" smtClean="0">
+                <a:solidFill>
+                  <a:schemeClr val="bg1"/>
+                </a:solidFill>
+              </a:rPr>
+              <a:t>总的设计原则</a:t>
+            </a:r>
+            <a:endParaRPr lang="zh-CN" altLang="en-US" dirty="0" smtClean="0">
+              <a:solidFill>
+                <a:schemeClr val="bg1"/>
+              </a:solidFill>
+            </a:endParaRPr>
+          </a:p>
+        </p:txBody>
+      </p:sp>
+      <p:sp>
+        <p:nvSpPr>
+          <p:cNvPr id="3" name="文本占位符 14"/>
+          <p:cNvSpPr txBox="1"/>
+          <p:nvPr>
+            <p:custDataLst>
+              <p:tags r:id="rId2"/>
+            </p:custDataLst>
+          </p:nvPr>
+        </p:nvSpPr>
+        <p:spPr>
+          <a:xfrm>
+            <a:off x="1965960" y="1603375"/>
+            <a:ext cx="8512175" cy="2786380"/>
+          </a:xfrm>
+          <a:prstGeom prst="rect">
+            <a:avLst/>
+          </a:prstGeom>
+          <a:ln>
+            <a:solidFill>
+              <a:schemeClr val="bg1">
+                <a:lumMod val="85000"/>
+              </a:schemeClr>
+            </a:solidFill>
+            <a:prstDash val="sysDash"/>
+          </a:ln>
+        </p:spPr>
+        <p:txBody>
+          <a:bodyPr vert="horz" lIns="91440" tIns="45720" rIns="91440" bIns="45720" rtlCol="0" anchor="ctr" anchorCtr="0">
+            <a:normAutofit/>
+          </a:bodyPr>
+          <a:lstStyle>
+            <a:defPPr>
+              <a:defRPr lang="zh-CN"/>
+            </a:defPPr>
+            <a:lvl1pPr indent="0" algn="ctr">
+              <a:lnSpc>
+                <a:spcPct val="90000"/>
+              </a:lnSpc>
+              <a:spcBef>
+                <a:spcPts val="1000"/>
+              </a:spcBef>
+              <a:buFont typeface="Arial" panose="020B0604020202020204" pitchFamily="34" charset="0"/>
+              <a:buNone/>
+              <a:defRPr sz="2800"/>
+            </a:lvl1pPr>
+            <a:lvl2pPr marL="685800" indent="-228600">
+              <a:lnSpc>
+                <a:spcPct val="90000"/>
+              </a:lnSpc>
+              <a:spcBef>
+                <a:spcPts val="500"/>
+              </a:spcBef>
+              <a:buFont typeface="Arial" panose="020B0604020202020204" pitchFamily="34" charset="0"/>
+              <a:buChar char="•"/>
+              <a:defRPr sz="2400"/>
+            </a:lvl2pPr>
+            <a:lvl3pPr marL="1143000" indent="-228600">
+              <a:lnSpc>
+                <a:spcPct val="90000"/>
+              </a:lnSpc>
+              <a:spcBef>
+                <a:spcPts val="500"/>
+              </a:spcBef>
+              <a:buFont typeface="Arial" panose="020B0604020202020204" pitchFamily="34" charset="0"/>
+              <a:buChar char="•"/>
+              <a:defRPr sz="2000"/>
+            </a:lvl3pPr>
+            <a:lvl4pPr marL="1600200" indent="-228600">
+              <a:lnSpc>
+                <a:spcPct val="90000"/>
+              </a:lnSpc>
+              <a:spcBef>
+                <a:spcPts val="500"/>
+              </a:spcBef>
+              <a:buFont typeface="Arial" panose="020B0604020202020204" pitchFamily="34" charset="0"/>
+              <a:buChar char="•"/>
+            </a:lvl4pPr>
+            <a:lvl5pPr marL="2057400" indent="-228600">
+              <a:lnSpc>
+                <a:spcPct val="90000"/>
+              </a:lnSpc>
+              <a:spcBef>
+                <a:spcPts val="500"/>
+              </a:spcBef>
+              <a:buFont typeface="Arial" panose="020B0604020202020204" pitchFamily="34" charset="0"/>
+              <a:buChar char="•"/>
+            </a:lvl5pPr>
+            <a:lvl6pPr marL="2514600" indent="-228600">
+              <a:lnSpc>
+                <a:spcPct val="90000"/>
+              </a:lnSpc>
+              <a:spcBef>
+                <a:spcPts val="500"/>
+              </a:spcBef>
+              <a:buFont typeface="Arial" panose="020B0604020202020204" pitchFamily="34" charset="0"/>
+              <a:buChar char="•"/>
+            </a:lvl6pPr>
+            <a:lvl7pPr marL="2971800" indent="-228600">
+              <a:lnSpc>
+                <a:spcPct val="90000"/>
+              </a:lnSpc>
+              <a:spcBef>
+                <a:spcPts val="500"/>
+              </a:spcBef>
+              <a:buFont typeface="Arial" panose="020B0604020202020204" pitchFamily="34" charset="0"/>
+              <a:buChar char="•"/>
+            </a:lvl7pPr>
+            <a:lvl8pPr marL="3429000" indent="-228600">
+              <a:lnSpc>
+                <a:spcPct val="90000"/>
+              </a:lnSpc>
+              <a:spcBef>
+                <a:spcPts val="500"/>
+              </a:spcBef>
+              <a:buFont typeface="Arial" panose="020B0604020202020204" pitchFamily="34" charset="0"/>
+              <a:buChar char="•"/>
+            </a:lvl8pPr>
+            <a:lvl9pPr marL="3886200" indent="-228600">
+              <a:lnSpc>
+                <a:spcPct val="90000"/>
+              </a:lnSpc>
+              <a:spcBef>
+                <a:spcPts val="500"/>
+              </a:spcBef>
+              <a:buFont typeface="Arial" panose="020B0604020202020204" pitchFamily="34" charset="0"/>
+              <a:buChar char="•"/>
+            </a:lvl9pPr>
+          </a:lstStyle>
+          <a:p>
+            <a:pPr algn="l"/>
+            <a:r>
+              <a:rPr lang="en-US" altLang="zh-CN" dirty="0" smtClean="0">
+                <a:solidFill>
+                  <a:schemeClr val="bg1"/>
+                </a:solidFill>
+              </a:rPr>
+              <a:t>1</a:t>
+            </a:r>
+            <a:r>
+              <a:rPr lang="zh-CN" altLang="en-US" dirty="0" smtClean="0">
+                <a:solidFill>
+                  <a:schemeClr val="bg1"/>
+                </a:solidFill>
+              </a:rPr>
+              <a:t>、视觉声音效果好，规则精简、简单易懂</a:t>
+            </a:r>
+            <a:endParaRPr lang="zh-CN" altLang="en-US" dirty="0" smtClean="0">
+              <a:solidFill>
+                <a:schemeClr val="bg1"/>
+              </a:solidFill>
+            </a:endParaRPr>
+          </a:p>
+          <a:p>
+            <a:pPr algn="l"/>
+            <a:r>
+              <a:rPr lang="en-US" altLang="zh-CN" dirty="0" smtClean="0">
+                <a:solidFill>
+                  <a:schemeClr val="bg1"/>
+                </a:solidFill>
+              </a:rPr>
+              <a:t>2</a:t>
+            </a:r>
+            <a:r>
+              <a:rPr lang="zh-CN" altLang="en-US" dirty="0" smtClean="0">
+                <a:solidFill>
+                  <a:schemeClr val="bg1"/>
+                </a:solidFill>
+              </a:rPr>
+              <a:t>、确保以老虎机</a:t>
+            </a:r>
+            <a:r>
+              <a:rPr lang="en-US" altLang="zh-CN" dirty="0" smtClean="0">
+                <a:solidFill>
+                  <a:schemeClr val="bg1"/>
+                </a:solidFill>
+              </a:rPr>
+              <a:t>+</a:t>
+            </a:r>
+            <a:r>
+              <a:rPr lang="zh-CN" altLang="en-US" dirty="0" smtClean="0">
+                <a:solidFill>
+                  <a:schemeClr val="bg1"/>
+                </a:solidFill>
+              </a:rPr>
+              <a:t>奖励玩法为核心</a:t>
+            </a:r>
+            <a:endParaRPr lang="en-US" altLang="zh-CN" dirty="0" smtClean="0">
+              <a:solidFill>
+                <a:schemeClr val="bg1"/>
+              </a:solidFill>
+            </a:endParaRPr>
+          </a:p>
+          <a:p>
+            <a:pPr algn="l"/>
+            <a:r>
+              <a:rPr lang="en-US" altLang="zh-CN" dirty="0" smtClean="0">
+                <a:solidFill>
+                  <a:schemeClr val="bg1"/>
+                </a:solidFill>
+              </a:rPr>
+              <a:t>3</a:t>
+            </a:r>
+            <a:r>
+              <a:rPr lang="zh-CN" altLang="en-US" dirty="0" smtClean="0">
+                <a:solidFill>
+                  <a:schemeClr val="bg1"/>
+                </a:solidFill>
+              </a:rPr>
+              <a:t>、强化背景跟游戏性</a:t>
+            </a:r>
+            <a:r>
+              <a:rPr lang="zh-CN" altLang="en-US" dirty="0" smtClean="0">
+                <a:solidFill>
+                  <a:schemeClr val="bg1"/>
+                </a:solidFill>
+              </a:rPr>
+              <a:t>的关联</a:t>
+            </a:r>
+            <a:endParaRPr lang="zh-CN" altLang="en-US" dirty="0" smtClean="0">
+              <a:solidFill>
+                <a:schemeClr val="bg1"/>
+              </a:solidFill>
+            </a:endParaRPr>
+          </a:p>
+          <a:p>
+            <a:pPr algn="l"/>
+            <a:r>
+              <a:rPr lang="en-US" altLang="zh-CN" dirty="0" smtClean="0">
+                <a:solidFill>
+                  <a:schemeClr val="bg1"/>
+                </a:solidFill>
+              </a:rPr>
+              <a:t>4</a:t>
+            </a:r>
+            <a:r>
+              <a:rPr lang="zh-CN" altLang="en-US" dirty="0" smtClean="0">
+                <a:solidFill>
+                  <a:schemeClr val="bg1"/>
+                </a:solidFill>
+              </a:rPr>
+              <a:t>、让玩家有长远目标，可以长期玩下去</a:t>
+            </a:r>
+            <a:endParaRPr lang="zh-CN" altLang="en-US" dirty="0" smtClean="0">
+              <a:solidFill>
+                <a:schemeClr val="bg1"/>
+              </a:solidFill>
+            </a:endParaRPr>
+          </a:p>
+        </p:txBody>
+      </p:sp>
+    </p:spTree>
+    <p:custDataLst>
+      <p:tags r:id="rId3"/>
     </p:custDataLst>
   </p:cSld>
   <p:clrMapOvr>
@@ -4592,7 +8234,15 @@
                   <a:schemeClr val="bg1"/>
                 </a:solidFill>
               </a:rPr>
-              <a:t>目前确定的内容</a:t>
+              <a:t>原则</a:t>
+            </a:r>
+            <a:r>
+              <a:rPr lang="zh-CN" altLang="en-US" dirty="0" smtClean="0">
+                <a:solidFill>
+                  <a:schemeClr val="bg1"/>
+                </a:solidFill>
+              </a:rPr>
+              <a:t>分析</a:t>
             </a:r>
             <a:endParaRPr lang="zh-CN" altLang="en-US" dirty="0" smtClean="0">
               <a:solidFill>
@@ -4602,30 +8252,221 @@
           </a:p>
         </p:txBody>
       </p:sp>
-      <p:pic>
-        <p:nvPicPr>
-          <p:cNvPr id="6" name="图片 5"/>
-          <p:cNvPicPr>
-            <a:picLocks noChangeAspect="1"/>
-          </p:cNvPicPr>
-          <p:nvPr/>
-        </p:nvPicPr>
-        <p:blipFill>
-          <a:blip r:embed="rId2"/>
-          <a:stretch>
-            <a:fillRect/>
-          </a:stretch>
-        </p:blipFill>
+      <p:sp>
+        <p:nvSpPr>
+          <p:cNvPr id="3" name="文本占位符 14"/>
+          <p:cNvSpPr txBox="1"/>
+          <p:nvPr>
+            <p:custDataLst>
+              <p:tags r:id="rId2"/>
+            </p:custDataLst>
+          </p:nvPr>
+        </p:nvSpPr>
         <p:spPr>
           <a:xfrm>
-            <a:off x="2293620" y="2394585"/>
-            <a:ext cx="7362190" cy="3637915"/>
+            <a:off x="1965960" y="1691005"/>
+            <a:ext cx="8512175" cy="2786380"/>
           </a:xfrm>
           <a:prstGeom prst="rect">
             <a:avLst/>
           </a:prstGeom>
+          <a:ln>
+            <a:solidFill>
+              <a:schemeClr val="bg1">
+                <a:lumMod val="85000"/>
+              </a:schemeClr>
+            </a:solidFill>
+            <a:prstDash val="sysDash"/>
+          </a:ln>
         </p:spPr>
-      </p:pic>
+        <p:txBody>
+          <a:bodyPr vert="horz" lIns="91440" tIns="45720" rIns="91440" bIns="45720" rtlCol="0" anchor="ctr" anchorCtr="0">
+            <a:normAutofit/>
+          </a:bodyPr>
+          <a:lstStyle>
+            <a:defPPr>
+              <a:defRPr lang="zh-CN"/>
+            </a:defPPr>
+            <a:lvl1pPr indent="0" algn="ctr">
+              <a:lnSpc>
+                <a:spcPct val="90000"/>
+              </a:lnSpc>
+              <a:spcBef>
+                <a:spcPts val="1000"/>
+              </a:spcBef>
+              <a:buFont typeface="Arial" panose="020B0604020202020204" pitchFamily="34" charset="0"/>
+              <a:buNone/>
+              <a:defRPr sz="2800"/>
+            </a:lvl1pPr>
+            <a:lvl2pPr marL="685800" indent="-228600">
+              <a:lnSpc>
+                <a:spcPct val="90000"/>
+              </a:lnSpc>
+              <a:spcBef>
+                <a:spcPts val="500"/>
+              </a:spcBef>
+              <a:buFont typeface="Arial" panose="020B0604020202020204" pitchFamily="34" charset="0"/>
+              <a:buChar char="•"/>
+              <a:defRPr sz="2400"/>
+            </a:lvl2pPr>
+            <a:lvl3pPr marL="1143000" indent="-228600">
+              <a:lnSpc>
+                <a:spcPct val="90000"/>
+              </a:lnSpc>
+              <a:spcBef>
+                <a:spcPts val="500"/>
+              </a:spcBef>
+              <a:buFont typeface="Arial" panose="020B0604020202020204" pitchFamily="34" charset="0"/>
+              <a:buChar char="•"/>
+              <a:defRPr sz="2000"/>
+            </a:lvl3pPr>
+            <a:lvl4pPr marL="1600200" indent="-228600">
+              <a:lnSpc>
+                <a:spcPct val="90000"/>
+              </a:lnSpc>
+              <a:spcBef>
+                <a:spcPts val="500"/>
+              </a:spcBef>
+              <a:buFont typeface="Arial" panose="020B0604020202020204" pitchFamily="34" charset="0"/>
+              <a:buChar char="•"/>
+            </a:lvl4pPr>
+            <a:lvl5pPr marL="2057400" indent="-228600">
+              <a:lnSpc>
+                <a:spcPct val="90000"/>
+              </a:lnSpc>
+              <a:spcBef>
+                <a:spcPts val="500"/>
+              </a:spcBef>
+              <a:buFont typeface="Arial" panose="020B0604020202020204" pitchFamily="34" charset="0"/>
+              <a:buChar char="•"/>
+            </a:lvl5pPr>
+            <a:lvl6pPr marL="2514600" indent="-228600">
+              <a:lnSpc>
+                <a:spcPct val="90000"/>
+              </a:lnSpc>
+              <a:spcBef>
+                <a:spcPts val="500"/>
+              </a:spcBef>
+              <a:buFont typeface="Arial" panose="020B0604020202020204" pitchFamily="34" charset="0"/>
+              <a:buChar char="•"/>
+            </a:lvl6pPr>
+            <a:lvl7pPr marL="2971800" indent="-228600">
+              <a:lnSpc>
+                <a:spcPct val="90000"/>
+              </a:lnSpc>
+              <a:spcBef>
+                <a:spcPts val="500"/>
+              </a:spcBef>
+              <a:buFont typeface="Arial" panose="020B0604020202020204" pitchFamily="34" charset="0"/>
+              <a:buChar char="•"/>
+            </a:lvl7pPr>
+            <a:lvl8pPr marL="3429000" indent="-228600">
+              <a:lnSpc>
+                <a:spcPct val="90000"/>
+              </a:lnSpc>
+              <a:spcBef>
+                <a:spcPts val="500"/>
+              </a:spcBef>
+              <a:buFont typeface="Arial" panose="020B0604020202020204" pitchFamily="34" charset="0"/>
+              <a:buChar char="•"/>
+            </a:lvl8pPr>
+            <a:lvl9pPr marL="3886200" indent="-228600">
+              <a:lnSpc>
+                <a:spcPct val="90000"/>
+              </a:lnSpc>
+              <a:spcBef>
+                <a:spcPts val="500"/>
+              </a:spcBef>
+              <a:buFont typeface="Arial" panose="020B0604020202020204" pitchFamily="34" charset="0"/>
+              <a:buChar char="•"/>
+            </a:lvl9pPr>
+          </a:lstStyle>
+          <a:p>
+            <a:pPr algn="l">
+              <a:lnSpc>
+                <a:spcPct val="100000"/>
+              </a:lnSpc>
+            </a:pPr>
+            <a:r>
+              <a:rPr lang="en-US" altLang="zh-CN" dirty="0" smtClean="0">
+                <a:solidFill>
+                  <a:schemeClr val="bg1"/>
+                </a:solidFill>
+              </a:rPr>
+              <a:t>1</a:t>
+            </a:r>
+            <a:r>
+              <a:rPr lang="zh-CN" altLang="en-US" dirty="0" smtClean="0">
+                <a:solidFill>
+                  <a:schemeClr val="bg1"/>
+                </a:solidFill>
+              </a:rPr>
+              <a:t>取决于表现设计，后面再研究；</a:t>
+            </a:r>
+            <a:r>
+              <a:rPr lang="en-US" altLang="zh-CN" dirty="0" smtClean="0">
+                <a:solidFill>
+                  <a:schemeClr val="bg1"/>
+                </a:solidFill>
+              </a:rPr>
+              <a:t>2</a:t>
+            </a:r>
+            <a:r>
+              <a:rPr lang="zh-CN" altLang="en-US" dirty="0" smtClean="0">
+                <a:solidFill>
+                  <a:schemeClr val="bg1"/>
+                </a:solidFill>
+              </a:rPr>
+              <a:t>从目前来看已经有了成熟的设计方案，发挥的余地不太大，这里的</a:t>
+            </a:r>
+            <a:r>
+              <a:rPr lang="zh-CN" altLang="en-US" dirty="0" smtClean="0">
+                <a:solidFill>
+                  <a:schemeClr val="bg1"/>
+                </a:solidFill>
+              </a:rPr>
+              <a:t>重点是对</a:t>
+            </a:r>
+            <a:r>
+              <a:rPr lang="en-US" altLang="zh-CN" dirty="0" smtClean="0">
+                <a:solidFill>
+                  <a:schemeClr val="bg1"/>
+                </a:solidFill>
+              </a:rPr>
+              <a:t>3</a:t>
+            </a:r>
+            <a:r>
+              <a:rPr lang="zh-CN" altLang="en-US" dirty="0" smtClean="0">
+                <a:solidFill>
+                  <a:schemeClr val="bg1"/>
+                </a:solidFill>
+              </a:rPr>
+              <a:t>、</a:t>
+            </a:r>
+            <a:r>
+              <a:rPr lang="en-US" altLang="zh-CN" dirty="0" smtClean="0">
+                <a:solidFill>
+                  <a:schemeClr val="bg1"/>
+                </a:solidFill>
+              </a:rPr>
+              <a:t>4</a:t>
+            </a:r>
+            <a:r>
+              <a:rPr lang="zh-CN" altLang="en-US" dirty="0" smtClean="0">
+                <a:solidFill>
+                  <a:schemeClr val="bg1"/>
+                </a:solidFill>
+              </a:rPr>
+              <a:t>的设计</a:t>
+            </a:r>
+            <a:endParaRPr lang="en-US" altLang="zh-CN" dirty="0" smtClean="0">
+              <a:solidFill>
+                <a:schemeClr val="bg1"/>
+              </a:solidFill>
+            </a:endParaRPr>
+          </a:p>
+        </p:txBody>
+      </p:sp>
     </p:spTree>
     <p:custDataLst>
       <p:tags r:id="rId3"/>
@@ -4714,7 +8555,7 @@
                   <a:schemeClr val="bg1"/>
                 </a:solidFill>
               </a:rPr>
-              <a:t>奖励分析</a:t>
+              <a:t>背景设计</a:t>
             </a:r>
             <a:endParaRPr lang="zh-CN" altLang="en-US" dirty="0" smtClean="0">
               <a:solidFill>
@@ -4726,7 +8567,7 @@
       </p:sp>
       <p:sp>
         <p:nvSpPr>
-          <p:cNvPr id="12" name="文本占位符 12"/>
+          <p:cNvPr id="3" name="文本占位符 14"/>
           <p:cNvSpPr txBox="1"/>
           <p:nvPr>
             <p:custDataLst>
@@ -4736,8 +8577,8 @@
         </p:nvSpPr>
         <p:spPr>
           <a:xfrm>
-            <a:off x="769620" y="1525905"/>
-            <a:ext cx="10862945" cy="628015"/>
+            <a:off x="1965960" y="1603375"/>
+            <a:ext cx="8512175" cy="3980180"/>
           </a:xfrm>
           <a:prstGeom prst="rect">
             <a:avLst/>
@@ -4753,7 +8594,7 @@
         </p:spPr>
         <p:txBody>
           <a:bodyPr vert="horz" lIns="91440" tIns="45720" rIns="91440" bIns="45720" rtlCol="0" anchor="ctr" anchorCtr="0">
-            <a:normAutofit/>
+            <a:normAutofit lnSpcReduction="10000"/>
           </a:bodyPr>
           <a:lstStyle>
             <a:defPPr>
@@ -4854,22 +8695,42 @@
             </a:lvl9pPr>
           </a:lstStyle>
           <a:p>
-            <a:pPr algn="l"/>
+            <a:pPr algn="l">
+              <a:lnSpc>
+                <a:spcPct val="100000"/>
+              </a:lnSpc>
+            </a:pPr>
             <a:r>
               <a:rPr lang="en-US" altLang="zh-CN" dirty="0" smtClean="0">
                 <a:solidFill>
                   <a:schemeClr val="bg1"/>
                 </a:solidFill>
               </a:rPr>
-              <a:t>1</a:t>
-            </a:r>
-            <a:r>
-              <a:rPr lang="zh-CN" altLang="en-US" dirty="0" smtClean="0">
-                <a:solidFill>
-                  <a:schemeClr val="bg1"/>
-                </a:solidFill>
-              </a:rPr>
-              <a:t>、老虎机和奖励玩法带来的跟赌和收集（金币增长）相关的爽快感</a:t>
+              <a:t>· </a:t>
+            </a:r>
+            <a:r>
+              <a:rPr lang="zh-CN" altLang="en-US" dirty="0" smtClean="0">
+                <a:solidFill>
+                  <a:schemeClr val="bg1"/>
+                </a:solidFill>
+              </a:rPr>
+              <a:t>以文明的进化为背景，是一个很有发挥空间的题材，可以参考同类背景的游戏如《文明》《帝国时代》的设计思路。最大的优势在于受众广（玩家或多或少都对历史有一定的了解和兴趣），</a:t>
+            </a:r>
+            <a:r>
+              <a:rPr lang="zh-CN" altLang="en-US" dirty="0" smtClean="0">
+                <a:solidFill>
+                  <a:schemeClr val="bg1"/>
+                </a:solidFill>
+              </a:rPr>
+              <a:t>以及以下</a:t>
+            </a:r>
+            <a:r>
+              <a:rPr lang="zh-CN" altLang="en-US" dirty="0" smtClean="0">
+                <a:solidFill>
+                  <a:schemeClr val="bg1"/>
+                </a:solidFill>
+              </a:rPr>
+              <a:t>可玩的地方：</a:t>
             </a:r>
             <a:endParaRPr lang="zh-CN" altLang="en-US" dirty="0" smtClean="0">
               <a:solidFill>
@@ -4877,162 +8738,35 @@
               </a:solidFill>
             </a:endParaRPr>
           </a:p>
-        </p:txBody>
-      </p:sp>
-      <p:sp>
-        <p:nvSpPr>
-          <p:cNvPr id="13" name="文本占位符 14"/>
-          <p:cNvSpPr txBox="1"/>
-          <p:nvPr>
-            <p:custDataLst>
-              <p:tags r:id="rId3"/>
-            </p:custDataLst>
-          </p:nvPr>
-        </p:nvSpPr>
-        <p:spPr>
-          <a:xfrm>
-            <a:off x="769620" y="2153920"/>
-            <a:ext cx="10863580" cy="660400"/>
-          </a:xfrm>
-          <a:prstGeom prst="rect">
-            <a:avLst/>
-          </a:prstGeom>
-          <a:ln>
-            <a:solidFill>
-              <a:schemeClr val="bg1">
-                <a:lumMod val="85000"/>
-              </a:schemeClr>
-            </a:solidFill>
-            <a:prstDash val="sysDash"/>
-          </a:ln>
-        </p:spPr>
-        <p:txBody>
-          <a:bodyPr vert="horz" lIns="91440" tIns="45720" rIns="91440" bIns="45720" rtlCol="0" anchor="ctr" anchorCtr="0">
-            <a:normAutofit/>
-          </a:bodyPr>
-          <a:lstStyle>
-            <a:defPPr>
-              <a:defRPr lang="zh-CN"/>
-            </a:defPPr>
-            <a:lvl1pPr indent="0" algn="ctr">
-              <a:lnSpc>
-                <a:spcPct val="90000"/>
-              </a:lnSpc>
-              <a:spcBef>
-                <a:spcPts val="1000"/>
-              </a:spcBef>
-              <a:buFont typeface="Arial" panose="020B0604020202020204" pitchFamily="34" charset="0"/>
-              <a:buNone/>
-              <a:defRPr sz="2800"/>
-            </a:lvl1pPr>
-            <a:lvl2pPr marL="685800" indent="-228600">
-              <a:lnSpc>
-                <a:spcPct val="90000"/>
-              </a:lnSpc>
-              <a:spcBef>
-                <a:spcPts val="500"/>
-              </a:spcBef>
-              <a:buFont typeface="Arial" panose="020B0604020202020204" pitchFamily="34" charset="0"/>
-              <a:buChar char="•"/>
-              <a:defRPr sz="2400"/>
-            </a:lvl2pPr>
-            <a:lvl3pPr marL="1143000" indent="-228600">
-              <a:lnSpc>
-                <a:spcPct val="90000"/>
-              </a:lnSpc>
-              <a:spcBef>
-                <a:spcPts val="500"/>
-              </a:spcBef>
-              <a:buFont typeface="Arial" panose="020B0604020202020204" pitchFamily="34" charset="0"/>
-              <a:buChar char="•"/>
-              <a:defRPr sz="2000"/>
-            </a:lvl3pPr>
-            <a:lvl4pPr marL="1600200" indent="-228600">
-              <a:lnSpc>
-                <a:spcPct val="90000"/>
-              </a:lnSpc>
-              <a:spcBef>
-                <a:spcPts val="500"/>
-              </a:spcBef>
-              <a:buFont typeface="Arial" panose="020B0604020202020204" pitchFamily="34" charset="0"/>
-              <a:buChar char="•"/>
-            </a:lvl4pPr>
-            <a:lvl5pPr marL="2057400" indent="-228600">
-              <a:lnSpc>
-                <a:spcPct val="90000"/>
-              </a:lnSpc>
-              <a:spcBef>
-                <a:spcPts val="500"/>
-              </a:spcBef>
-              <a:buFont typeface="Arial" panose="020B0604020202020204" pitchFamily="34" charset="0"/>
-              <a:buChar char="•"/>
-            </a:lvl5pPr>
-            <a:lvl6pPr marL="2514600" indent="-228600">
-              <a:lnSpc>
-                <a:spcPct val="90000"/>
-              </a:lnSpc>
-              <a:spcBef>
-                <a:spcPts val="500"/>
-              </a:spcBef>
-              <a:buFont typeface="Arial" panose="020B0604020202020204" pitchFamily="34" charset="0"/>
-              <a:buChar char="•"/>
-            </a:lvl6pPr>
-            <a:lvl7pPr marL="2971800" indent="-228600">
-              <a:lnSpc>
-                <a:spcPct val="90000"/>
-              </a:lnSpc>
-              <a:spcBef>
-                <a:spcPts val="500"/>
-              </a:spcBef>
-              <a:buFont typeface="Arial" panose="020B0604020202020204" pitchFamily="34" charset="0"/>
-              <a:buChar char="•"/>
-            </a:lvl7pPr>
-            <a:lvl8pPr marL="3429000" indent="-228600">
-              <a:lnSpc>
-                <a:spcPct val="90000"/>
-              </a:lnSpc>
-              <a:spcBef>
-                <a:spcPts val="500"/>
-              </a:spcBef>
-              <a:buFont typeface="Arial" panose="020B0604020202020204" pitchFamily="34" charset="0"/>
-              <a:buChar char="•"/>
-            </a:lvl8pPr>
-            <a:lvl9pPr marL="3886200" indent="-228600">
-              <a:lnSpc>
-                <a:spcPct val="90000"/>
-              </a:lnSpc>
-              <a:spcBef>
-                <a:spcPts val="500"/>
-              </a:spcBef>
-              <a:buFont typeface="Arial" panose="020B0604020202020204" pitchFamily="34" charset="0"/>
-              <a:buChar char="•"/>
-            </a:lvl9pPr>
-          </a:lstStyle>
-          <a:p>
-            <a:pPr algn="l"/>
+          <a:p>
+            <a:pPr algn="l">
+              <a:lnSpc>
+                <a:spcPct val="100000"/>
+              </a:lnSpc>
+            </a:pPr>
             <a:r>
               <a:rPr lang="en-US" altLang="zh-CN" dirty="0" smtClean="0">
                 <a:solidFill>
                   <a:schemeClr val="bg1"/>
                 </a:solidFill>
               </a:rPr>
-              <a:t>2</a:t>
-            </a:r>
-            <a:r>
-              <a:rPr lang="zh-CN" altLang="en-US" dirty="0" smtClean="0">
-                <a:solidFill>
-                  <a:schemeClr val="bg1"/>
-                </a:solidFill>
-              </a:rPr>
-              <a:t>、等级提升，带来的成长感（如果只是数值提升，</a:t>
-            </a:r>
-            <a:r>
-              <a:rPr lang="zh-CN" altLang="en-US" dirty="0" smtClean="0">
-                <a:solidFill>
-                  <a:schemeClr val="bg1"/>
-                </a:solidFill>
-              </a:rPr>
-              <a:t>比较弱）</a:t>
+              <a:t>· </a:t>
+            </a:r>
+            <a:r>
+              <a:rPr lang="zh-CN" altLang="en-US" dirty="0" smtClean="0">
+                <a:solidFill>
+                  <a:schemeClr val="bg1"/>
+                </a:solidFill>
+              </a:rPr>
+              <a:t>对历史一定程度的</a:t>
+            </a:r>
+            <a:r>
+              <a:rPr lang="zh-CN" altLang="en-US" dirty="0" smtClean="0">
+                <a:solidFill>
+                  <a:schemeClr val="bg1"/>
+                </a:solidFill>
+              </a:rPr>
+              <a:t>还原，给玩家获得现实知识的满足感</a:t>
             </a:r>
             <a:endParaRPr lang="zh-CN" altLang="en-US" dirty="0" smtClean="0">
               <a:solidFill>
@@ -5040,162 +8774,27 @@
               </a:solidFill>
             </a:endParaRPr>
           </a:p>
-        </p:txBody>
-      </p:sp>
-      <p:sp>
-        <p:nvSpPr>
-          <p:cNvPr id="2" name="文本占位符 14"/>
-          <p:cNvSpPr txBox="1"/>
-          <p:nvPr>
-            <p:custDataLst>
-              <p:tags r:id="rId4"/>
-            </p:custDataLst>
-          </p:nvPr>
-        </p:nvSpPr>
-        <p:spPr>
-          <a:xfrm>
-            <a:off x="769620" y="2814320"/>
-            <a:ext cx="10863580" cy="1003935"/>
-          </a:xfrm>
-          <a:prstGeom prst="rect">
-            <a:avLst/>
-          </a:prstGeom>
-          <a:ln>
-            <a:solidFill>
-              <a:schemeClr val="bg1">
-                <a:lumMod val="85000"/>
-              </a:schemeClr>
-            </a:solidFill>
-            <a:prstDash val="sysDash"/>
-          </a:ln>
-        </p:spPr>
-        <p:txBody>
-          <a:bodyPr vert="horz" lIns="91440" tIns="45720" rIns="91440" bIns="45720" rtlCol="0" anchor="ctr" anchorCtr="0">
-            <a:normAutofit/>
-          </a:bodyPr>
-          <a:lstStyle>
-            <a:defPPr>
-              <a:defRPr lang="zh-CN"/>
-            </a:defPPr>
-            <a:lvl1pPr indent="0" algn="ctr">
-              <a:lnSpc>
-                <a:spcPct val="90000"/>
-              </a:lnSpc>
-              <a:spcBef>
-                <a:spcPts val="1000"/>
-              </a:spcBef>
-              <a:buFont typeface="Arial" panose="020B0604020202020204" pitchFamily="34" charset="0"/>
-              <a:buNone/>
-              <a:defRPr sz="2800"/>
-            </a:lvl1pPr>
-            <a:lvl2pPr marL="685800" indent="-228600">
-              <a:lnSpc>
-                <a:spcPct val="90000"/>
-              </a:lnSpc>
-              <a:spcBef>
-                <a:spcPts val="500"/>
-              </a:spcBef>
-              <a:buFont typeface="Arial" panose="020B0604020202020204" pitchFamily="34" charset="0"/>
-              <a:buChar char="•"/>
-              <a:defRPr sz="2400"/>
-            </a:lvl2pPr>
-            <a:lvl3pPr marL="1143000" indent="-228600">
-              <a:lnSpc>
-                <a:spcPct val="90000"/>
-              </a:lnSpc>
-              <a:spcBef>
-                <a:spcPts val="500"/>
-              </a:spcBef>
-              <a:buFont typeface="Arial" panose="020B0604020202020204" pitchFamily="34" charset="0"/>
-              <a:buChar char="•"/>
-              <a:defRPr sz="2000"/>
-            </a:lvl3pPr>
-            <a:lvl4pPr marL="1600200" indent="-228600">
-              <a:lnSpc>
-                <a:spcPct val="90000"/>
-              </a:lnSpc>
-              <a:spcBef>
-                <a:spcPts val="500"/>
-              </a:spcBef>
-              <a:buFont typeface="Arial" panose="020B0604020202020204" pitchFamily="34" charset="0"/>
-              <a:buChar char="•"/>
-            </a:lvl4pPr>
-            <a:lvl5pPr marL="2057400" indent="-228600">
-              <a:lnSpc>
-                <a:spcPct val="90000"/>
-              </a:lnSpc>
-              <a:spcBef>
-                <a:spcPts val="500"/>
-              </a:spcBef>
-              <a:buFont typeface="Arial" panose="020B0604020202020204" pitchFamily="34" charset="0"/>
-              <a:buChar char="•"/>
-            </a:lvl5pPr>
-            <a:lvl6pPr marL="2514600" indent="-228600">
-              <a:lnSpc>
-                <a:spcPct val="90000"/>
-              </a:lnSpc>
-              <a:spcBef>
-                <a:spcPts val="500"/>
-              </a:spcBef>
-              <a:buFont typeface="Arial" panose="020B0604020202020204" pitchFamily="34" charset="0"/>
-              <a:buChar char="•"/>
-            </a:lvl6pPr>
-            <a:lvl7pPr marL="2971800" indent="-228600">
-              <a:lnSpc>
-                <a:spcPct val="90000"/>
-              </a:lnSpc>
-              <a:spcBef>
-                <a:spcPts val="500"/>
-              </a:spcBef>
-              <a:buFont typeface="Arial" panose="020B0604020202020204" pitchFamily="34" charset="0"/>
-              <a:buChar char="•"/>
-            </a:lvl7pPr>
-            <a:lvl8pPr marL="3429000" indent="-228600">
-              <a:lnSpc>
-                <a:spcPct val="90000"/>
-              </a:lnSpc>
-              <a:spcBef>
-                <a:spcPts val="500"/>
-              </a:spcBef>
-              <a:buFont typeface="Arial" panose="020B0604020202020204" pitchFamily="34" charset="0"/>
-              <a:buChar char="•"/>
-            </a:lvl8pPr>
-            <a:lvl9pPr marL="3886200" indent="-228600">
-              <a:lnSpc>
-                <a:spcPct val="90000"/>
-              </a:lnSpc>
-              <a:spcBef>
-                <a:spcPts val="500"/>
-              </a:spcBef>
-              <a:buFont typeface="Arial" panose="020B0604020202020204" pitchFamily="34" charset="0"/>
-              <a:buChar char="•"/>
-            </a:lvl9pPr>
-          </a:lstStyle>
-          <a:p>
-            <a:pPr algn="l"/>
+          <a:p>
+            <a:pPr algn="l">
+              <a:lnSpc>
+                <a:spcPct val="100000"/>
+              </a:lnSpc>
+            </a:pPr>
             <a:r>
               <a:rPr lang="en-US" altLang="zh-CN" dirty="0" smtClean="0">
                 <a:solidFill>
                   <a:schemeClr val="bg1"/>
                 </a:solidFill>
               </a:rPr>
-              <a:t>3</a:t>
-            </a:r>
-            <a:r>
-              <a:rPr lang="zh-CN" altLang="en-US" dirty="0" smtClean="0">
-                <a:solidFill>
-                  <a:schemeClr val="bg1"/>
-                </a:solidFill>
-              </a:rPr>
-              <a:t>、解锁新的楼层，带来的成长感和新鲜感（偏弱，因为核心玩法并没什么变动，改变的只是表现。可能奖励游戏能提供一些动力</a:t>
-            </a:r>
-            <a:r>
-              <a:rPr lang="zh-CN" altLang="en-US" dirty="0" smtClean="0">
-                <a:solidFill>
-                  <a:schemeClr val="bg1"/>
-                </a:solidFill>
-              </a:rPr>
-              <a:t>）</a:t>
+              <a:t>· </a:t>
+            </a:r>
+            <a:r>
+              <a:rPr lang="zh-CN" altLang="en-US" dirty="0" smtClean="0">
+                <a:solidFill>
+                  <a:schemeClr val="bg1"/>
+                </a:solidFill>
+              </a:rPr>
+              <a:t>进化的过程带来成就感、成长感等</a:t>
             </a:r>
             <a:endParaRPr lang="zh-CN" altLang="en-US" dirty="0" smtClean="0">
               <a:solidFill>
@@ -5203,154 +8802,27 @@
               </a:solidFill>
             </a:endParaRPr>
           </a:p>
-        </p:txBody>
-      </p:sp>
-      <p:sp>
-        <p:nvSpPr>
-          <p:cNvPr id="3" name="文本占位符 14"/>
-          <p:cNvSpPr txBox="1"/>
-          <p:nvPr>
-            <p:custDataLst>
-              <p:tags r:id="rId5"/>
-            </p:custDataLst>
-          </p:nvPr>
-        </p:nvSpPr>
-        <p:spPr>
-          <a:xfrm>
-            <a:off x="769620" y="3818255"/>
-            <a:ext cx="10863580" cy="726440"/>
-          </a:xfrm>
-          <a:prstGeom prst="rect">
-            <a:avLst/>
-          </a:prstGeom>
-          <a:ln>
-            <a:solidFill>
-              <a:schemeClr val="bg1">
-                <a:lumMod val="85000"/>
-              </a:schemeClr>
-            </a:solidFill>
-            <a:prstDash val="sysDash"/>
-          </a:ln>
-        </p:spPr>
-        <p:txBody>
-          <a:bodyPr vert="horz" lIns="91440" tIns="45720" rIns="91440" bIns="45720" rtlCol="0" anchor="ctr" anchorCtr="0">
-            <a:normAutofit/>
-          </a:bodyPr>
-          <a:lstStyle>
-            <a:defPPr>
-              <a:defRPr lang="zh-CN"/>
-            </a:defPPr>
-            <a:lvl1pPr indent="0" algn="ctr">
-              <a:lnSpc>
-                <a:spcPct val="90000"/>
-              </a:lnSpc>
-              <a:spcBef>
-                <a:spcPts val="1000"/>
-              </a:spcBef>
-              <a:buFont typeface="Arial" panose="020B0604020202020204" pitchFamily="34" charset="0"/>
-              <a:buNone/>
-              <a:defRPr sz="2800"/>
-            </a:lvl1pPr>
-            <a:lvl2pPr marL="685800" indent="-228600">
-              <a:lnSpc>
-                <a:spcPct val="90000"/>
-              </a:lnSpc>
-              <a:spcBef>
-                <a:spcPts val="500"/>
-              </a:spcBef>
-              <a:buFont typeface="Arial" panose="020B0604020202020204" pitchFamily="34" charset="0"/>
-              <a:buChar char="•"/>
-              <a:defRPr sz="2400"/>
-            </a:lvl2pPr>
-            <a:lvl3pPr marL="1143000" indent="-228600">
-              <a:lnSpc>
-                <a:spcPct val="90000"/>
-              </a:lnSpc>
-              <a:spcBef>
-                <a:spcPts val="500"/>
-              </a:spcBef>
-              <a:buFont typeface="Arial" panose="020B0604020202020204" pitchFamily="34" charset="0"/>
-              <a:buChar char="•"/>
-              <a:defRPr sz="2000"/>
-            </a:lvl3pPr>
-            <a:lvl4pPr marL="1600200" indent="-228600">
-              <a:lnSpc>
-                <a:spcPct val="90000"/>
-              </a:lnSpc>
-              <a:spcBef>
-                <a:spcPts val="500"/>
-              </a:spcBef>
-              <a:buFont typeface="Arial" panose="020B0604020202020204" pitchFamily="34" charset="0"/>
-              <a:buChar char="•"/>
-            </a:lvl4pPr>
-            <a:lvl5pPr marL="2057400" indent="-228600">
-              <a:lnSpc>
-                <a:spcPct val="90000"/>
-              </a:lnSpc>
-              <a:spcBef>
-                <a:spcPts val="500"/>
-              </a:spcBef>
-              <a:buFont typeface="Arial" panose="020B0604020202020204" pitchFamily="34" charset="0"/>
-              <a:buChar char="•"/>
-            </a:lvl5pPr>
-            <a:lvl6pPr marL="2514600" indent="-228600">
-              <a:lnSpc>
-                <a:spcPct val="90000"/>
-              </a:lnSpc>
-              <a:spcBef>
-                <a:spcPts val="500"/>
-              </a:spcBef>
-              <a:buFont typeface="Arial" panose="020B0604020202020204" pitchFamily="34" charset="0"/>
-              <a:buChar char="•"/>
-            </a:lvl6pPr>
-            <a:lvl7pPr marL="2971800" indent="-228600">
-              <a:lnSpc>
-                <a:spcPct val="90000"/>
-              </a:lnSpc>
-              <a:spcBef>
-                <a:spcPts val="500"/>
-              </a:spcBef>
-              <a:buFont typeface="Arial" panose="020B0604020202020204" pitchFamily="34" charset="0"/>
-              <a:buChar char="•"/>
-            </a:lvl7pPr>
-            <a:lvl8pPr marL="3429000" indent="-228600">
-              <a:lnSpc>
-                <a:spcPct val="90000"/>
-              </a:lnSpc>
-              <a:spcBef>
-                <a:spcPts val="500"/>
-              </a:spcBef>
-              <a:buFont typeface="Arial" panose="020B0604020202020204" pitchFamily="34" charset="0"/>
-              <a:buChar char="•"/>
-            </a:lvl8pPr>
-            <a:lvl9pPr marL="3886200" indent="-228600">
-              <a:lnSpc>
-                <a:spcPct val="90000"/>
-              </a:lnSpc>
-              <a:spcBef>
-                <a:spcPts val="500"/>
-              </a:spcBef>
-              <a:buFont typeface="Arial" panose="020B0604020202020204" pitchFamily="34" charset="0"/>
-              <a:buChar char="•"/>
-            </a:lvl9pPr>
-          </a:lstStyle>
-          <a:p>
-            <a:pPr algn="l"/>
+          <a:p>
+            <a:pPr algn="l">
+              <a:lnSpc>
+                <a:spcPct val="100000"/>
+              </a:lnSpc>
+            </a:pPr>
             <a:r>
               <a:rPr lang="en-US" altLang="zh-CN" dirty="0" smtClean="0">
                 <a:solidFill>
                   <a:schemeClr val="bg1"/>
                 </a:solidFill>
               </a:rPr>
-              <a:t>4</a:t>
-            </a:r>
-            <a:r>
-              <a:rPr lang="zh-CN" altLang="en-US" dirty="0" smtClean="0">
-                <a:solidFill>
-                  <a:schemeClr val="bg1"/>
-                </a:solidFill>
-              </a:rPr>
-              <a:t>、主题带来的代入感（弱，因为玩法难以支撑主题）</a:t>
+              <a:t>· </a:t>
+            </a:r>
+            <a:r>
+              <a:rPr lang="zh-CN" altLang="en-US" dirty="0" smtClean="0">
+                <a:solidFill>
+                  <a:schemeClr val="bg1"/>
+                </a:solidFill>
+              </a:rPr>
+              <a:t>不同文明之间的差异带来策略的多样性</a:t>
             </a:r>
             <a:endParaRPr lang="zh-CN" altLang="en-US" dirty="0" smtClean="0">
               <a:solidFill>
@@ -5360,319 +8832,9 @@
           </a:p>
         </p:txBody>
       </p:sp>
-      <p:sp>
-        <p:nvSpPr>
-          <p:cNvPr id="4" name="文本占位符 14"/>
-          <p:cNvSpPr txBox="1"/>
-          <p:nvPr>
-            <p:custDataLst>
-              <p:tags r:id="rId6"/>
-            </p:custDataLst>
-          </p:nvPr>
-        </p:nvSpPr>
-        <p:spPr>
-          <a:xfrm>
-            <a:off x="769620" y="4544695"/>
-            <a:ext cx="10863580" cy="969645"/>
-          </a:xfrm>
-          <a:prstGeom prst="rect">
-            <a:avLst/>
-          </a:prstGeom>
-          <a:ln>
-            <a:solidFill>
-              <a:schemeClr val="bg1">
-                <a:lumMod val="85000"/>
-              </a:schemeClr>
-            </a:solidFill>
-            <a:prstDash val="sysDash"/>
-          </a:ln>
-        </p:spPr>
-        <p:txBody>
-          <a:bodyPr vert="horz" lIns="91440" tIns="45720" rIns="91440" bIns="45720" rtlCol="0" anchor="ctr" anchorCtr="0">
-            <a:normAutofit/>
-          </a:bodyPr>
-          <a:lstStyle>
-            <a:defPPr>
-              <a:defRPr lang="zh-CN"/>
-            </a:defPPr>
-            <a:lvl1pPr indent="0" algn="ctr">
-              <a:lnSpc>
-                <a:spcPct val="90000"/>
-              </a:lnSpc>
-              <a:spcBef>
-                <a:spcPts val="1000"/>
-              </a:spcBef>
-              <a:buFont typeface="Arial" panose="020B0604020202020204" pitchFamily="34" charset="0"/>
-              <a:buNone/>
-              <a:defRPr sz="2800"/>
-            </a:lvl1pPr>
-            <a:lvl2pPr marL="685800" indent="-228600">
-              <a:lnSpc>
-                <a:spcPct val="90000"/>
-              </a:lnSpc>
-              <a:spcBef>
-                <a:spcPts val="500"/>
-              </a:spcBef>
-              <a:buFont typeface="Arial" panose="020B0604020202020204" pitchFamily="34" charset="0"/>
-              <a:buChar char="•"/>
-              <a:defRPr sz="2400"/>
-            </a:lvl2pPr>
-            <a:lvl3pPr marL="1143000" indent="-228600">
-              <a:lnSpc>
-                <a:spcPct val="90000"/>
-              </a:lnSpc>
-              <a:spcBef>
-                <a:spcPts val="500"/>
-              </a:spcBef>
-              <a:buFont typeface="Arial" panose="020B0604020202020204" pitchFamily="34" charset="0"/>
-              <a:buChar char="•"/>
-              <a:defRPr sz="2000"/>
-            </a:lvl3pPr>
-            <a:lvl4pPr marL="1600200" indent="-228600">
-              <a:lnSpc>
-                <a:spcPct val="90000"/>
-              </a:lnSpc>
-              <a:spcBef>
-                <a:spcPts val="500"/>
-              </a:spcBef>
-              <a:buFont typeface="Arial" panose="020B0604020202020204" pitchFamily="34" charset="0"/>
-              <a:buChar char="•"/>
-            </a:lvl4pPr>
-            <a:lvl5pPr marL="2057400" indent="-228600">
-              <a:lnSpc>
-                <a:spcPct val="90000"/>
-              </a:lnSpc>
-              <a:spcBef>
-                <a:spcPts val="500"/>
-              </a:spcBef>
-              <a:buFont typeface="Arial" panose="020B0604020202020204" pitchFamily="34" charset="0"/>
-              <a:buChar char="•"/>
-            </a:lvl5pPr>
-            <a:lvl6pPr marL="2514600" indent="-228600">
-              <a:lnSpc>
-                <a:spcPct val="90000"/>
-              </a:lnSpc>
-              <a:spcBef>
-                <a:spcPts val="500"/>
-              </a:spcBef>
-              <a:buFont typeface="Arial" panose="020B0604020202020204" pitchFamily="34" charset="0"/>
-              <a:buChar char="•"/>
-            </a:lvl6pPr>
-            <a:lvl7pPr marL="2971800" indent="-228600">
-              <a:lnSpc>
-                <a:spcPct val="90000"/>
-              </a:lnSpc>
-              <a:spcBef>
-                <a:spcPts val="500"/>
-              </a:spcBef>
-              <a:buFont typeface="Arial" panose="020B0604020202020204" pitchFamily="34" charset="0"/>
-              <a:buChar char="•"/>
-            </a:lvl7pPr>
-            <a:lvl8pPr marL="3429000" indent="-228600">
-              <a:lnSpc>
-                <a:spcPct val="90000"/>
-              </a:lnSpc>
-              <a:spcBef>
-                <a:spcPts val="500"/>
-              </a:spcBef>
-              <a:buFont typeface="Arial" panose="020B0604020202020204" pitchFamily="34" charset="0"/>
-              <a:buChar char="•"/>
-            </a:lvl8pPr>
-            <a:lvl9pPr marL="3886200" indent="-228600">
-              <a:lnSpc>
-                <a:spcPct val="90000"/>
-              </a:lnSpc>
-              <a:spcBef>
-                <a:spcPts val="500"/>
-              </a:spcBef>
-              <a:buFont typeface="Arial" panose="020B0604020202020204" pitchFamily="34" charset="0"/>
-              <a:buChar char="•"/>
-            </a:lvl9pPr>
-          </a:lstStyle>
-          <a:p>
-            <a:pPr algn="l"/>
-            <a:r>
-              <a:rPr lang="en-US" altLang="zh-CN" dirty="0" smtClean="0">
-                <a:solidFill>
-                  <a:schemeClr val="bg1"/>
-                </a:solidFill>
-              </a:rPr>
-              <a:t>5</a:t>
-            </a:r>
-            <a:r>
-              <a:rPr lang="zh-CN" altLang="en-US" dirty="0" smtClean="0">
-                <a:solidFill>
-                  <a:schemeClr val="bg1"/>
-                </a:solidFill>
-              </a:rPr>
-              <a:t>、多人游戏机制带来的竞争和攀比心理（暂无好的想法，但感觉发挥的空间不会太大）</a:t>
-            </a:r>
-            <a:endParaRPr lang="zh-CN" altLang="en-US" dirty="0" smtClean="0">
-              <a:solidFill>
-                <a:schemeClr val="bg1"/>
-              </a:solidFill>
-            </a:endParaRPr>
-          </a:p>
-        </p:txBody>
-      </p:sp>
-      <p:sp>
-        <p:nvSpPr>
-          <p:cNvPr id="5" name="文本占位符 14"/>
-          <p:cNvSpPr txBox="1"/>
-          <p:nvPr>
-            <p:custDataLst>
-              <p:tags r:id="rId7"/>
-            </p:custDataLst>
-          </p:nvPr>
-        </p:nvSpPr>
-        <p:spPr>
-          <a:xfrm>
-            <a:off x="769620" y="5514340"/>
-            <a:ext cx="10863580" cy="715010"/>
-          </a:xfrm>
-          <a:prstGeom prst="rect">
-            <a:avLst/>
-          </a:prstGeom>
-          <a:ln>
-            <a:solidFill>
-              <a:schemeClr val="bg1">
-                <a:lumMod val="85000"/>
-              </a:schemeClr>
-            </a:solidFill>
-            <a:prstDash val="sysDash"/>
-          </a:ln>
-        </p:spPr>
-        <p:txBody>
-          <a:bodyPr vert="horz" lIns="91440" tIns="45720" rIns="91440" bIns="45720" rtlCol="0" anchor="ctr" anchorCtr="0">
-            <a:normAutofit/>
-          </a:bodyPr>
-          <a:lstStyle>
-            <a:defPPr>
-              <a:defRPr lang="zh-CN"/>
-            </a:defPPr>
-            <a:lvl1pPr indent="0" algn="ctr">
-              <a:lnSpc>
-                <a:spcPct val="90000"/>
-              </a:lnSpc>
-              <a:spcBef>
-                <a:spcPts val="1000"/>
-              </a:spcBef>
-              <a:buFont typeface="Arial" panose="020B0604020202020204" pitchFamily="34" charset="0"/>
-              <a:buNone/>
-              <a:defRPr sz="2800"/>
-            </a:lvl1pPr>
-            <a:lvl2pPr marL="685800" indent="-228600">
-              <a:lnSpc>
-                <a:spcPct val="90000"/>
-              </a:lnSpc>
-              <a:spcBef>
-                <a:spcPts val="500"/>
-              </a:spcBef>
-              <a:buFont typeface="Arial" panose="020B0604020202020204" pitchFamily="34" charset="0"/>
-              <a:buChar char="•"/>
-              <a:defRPr sz="2400"/>
-            </a:lvl2pPr>
-            <a:lvl3pPr marL="1143000" indent="-228600">
-              <a:lnSpc>
-                <a:spcPct val="90000"/>
-              </a:lnSpc>
-              <a:spcBef>
-                <a:spcPts val="500"/>
-              </a:spcBef>
-              <a:buFont typeface="Arial" panose="020B0604020202020204" pitchFamily="34" charset="0"/>
-              <a:buChar char="•"/>
-              <a:defRPr sz="2000"/>
-            </a:lvl3pPr>
-            <a:lvl4pPr marL="1600200" indent="-228600">
-              <a:lnSpc>
-                <a:spcPct val="90000"/>
-              </a:lnSpc>
-              <a:spcBef>
-                <a:spcPts val="500"/>
-              </a:spcBef>
-              <a:buFont typeface="Arial" panose="020B0604020202020204" pitchFamily="34" charset="0"/>
-              <a:buChar char="•"/>
-            </a:lvl4pPr>
-            <a:lvl5pPr marL="2057400" indent="-228600">
-              <a:lnSpc>
-                <a:spcPct val="90000"/>
-              </a:lnSpc>
-              <a:spcBef>
-                <a:spcPts val="500"/>
-              </a:spcBef>
-              <a:buFont typeface="Arial" panose="020B0604020202020204" pitchFamily="34" charset="0"/>
-              <a:buChar char="•"/>
-            </a:lvl5pPr>
-            <a:lvl6pPr marL="2514600" indent="-228600">
-              <a:lnSpc>
-                <a:spcPct val="90000"/>
-              </a:lnSpc>
-              <a:spcBef>
-                <a:spcPts val="500"/>
-              </a:spcBef>
-              <a:buFont typeface="Arial" panose="020B0604020202020204" pitchFamily="34" charset="0"/>
-              <a:buChar char="•"/>
-            </a:lvl6pPr>
-            <a:lvl7pPr marL="2971800" indent="-228600">
-              <a:lnSpc>
-                <a:spcPct val="90000"/>
-              </a:lnSpc>
-              <a:spcBef>
-                <a:spcPts val="500"/>
-              </a:spcBef>
-              <a:buFont typeface="Arial" panose="020B0604020202020204" pitchFamily="34" charset="0"/>
-              <a:buChar char="•"/>
-            </a:lvl7pPr>
-            <a:lvl8pPr marL="3429000" indent="-228600">
-              <a:lnSpc>
-                <a:spcPct val="90000"/>
-              </a:lnSpc>
-              <a:spcBef>
-                <a:spcPts val="500"/>
-              </a:spcBef>
-              <a:buFont typeface="Arial" panose="020B0604020202020204" pitchFamily="34" charset="0"/>
-              <a:buChar char="•"/>
-            </a:lvl8pPr>
-            <a:lvl9pPr marL="3886200" indent="-228600">
-              <a:lnSpc>
-                <a:spcPct val="90000"/>
-              </a:lnSpc>
-              <a:spcBef>
-                <a:spcPts val="500"/>
-              </a:spcBef>
-              <a:buFont typeface="Arial" panose="020B0604020202020204" pitchFamily="34" charset="0"/>
-              <a:buChar char="•"/>
-            </a:lvl9pPr>
-          </a:lstStyle>
-          <a:p>
-            <a:pPr algn="l"/>
-            <a:r>
-              <a:rPr lang="en-US" altLang="zh-CN" dirty="0" smtClean="0">
-                <a:solidFill>
-                  <a:schemeClr val="bg1"/>
-                </a:solidFill>
-              </a:rPr>
-              <a:t>6</a:t>
-            </a:r>
-            <a:r>
-              <a:rPr lang="zh-CN" altLang="en-US" dirty="0" smtClean="0">
-                <a:solidFill>
-                  <a:schemeClr val="bg1"/>
-                </a:solidFill>
-              </a:rPr>
-              <a:t>、收集道具解锁楼层带来的收集感</a:t>
-            </a:r>
-            <a:endParaRPr lang="zh-CN" altLang="en-US" dirty="0" smtClean="0">
-              <a:solidFill>
-                <a:schemeClr val="bg1"/>
-              </a:solidFill>
-            </a:endParaRPr>
-          </a:p>
-        </p:txBody>
-      </p:sp>
     </p:spTree>
     <p:custDataLst>
-      <p:tags r:id="rId8"/>
+      <p:tags r:id="rId3"/>
     </p:custDataLst>
   </p:cSld>
   <p:clrMapOvr>
@@ -5758,7 +8920,7 @@
                   <a:schemeClr val="bg1"/>
                 </a:solidFill>
               </a:rPr>
-              <a:t>分析</a:t>
+              <a:t>背景设计</a:t>
             </a:r>
             <a:endParaRPr lang="zh-CN" altLang="en-US" dirty="0" smtClean="0">
               <a:solidFill>
@@ -5770,7 +8932,7 @@
       </p:sp>
       <p:sp>
         <p:nvSpPr>
-          <p:cNvPr id="12" name="文本占位符 12"/>
+          <p:cNvPr id="3" name="文本占位符 14"/>
           <p:cNvSpPr txBox="1"/>
           <p:nvPr>
             <p:custDataLst>
@@ -5780,8 +8942,8 @@
         </p:nvSpPr>
         <p:spPr>
           <a:xfrm>
-            <a:off x="2562225" y="1951355"/>
-            <a:ext cx="7420610" cy="3465195"/>
+            <a:off x="1954530" y="1603375"/>
+            <a:ext cx="8512175" cy="3788410"/>
           </a:xfrm>
           <a:prstGeom prst="rect">
             <a:avLst/>
@@ -5797,7 +8959,7 @@
         </p:spPr>
         <p:txBody>
           <a:bodyPr vert="horz" lIns="91440" tIns="45720" rIns="91440" bIns="45720" rtlCol="0" anchor="ctr" anchorCtr="0">
-            <a:normAutofit/>
+            <a:normAutofit lnSpcReduction="10000"/>
           </a:bodyPr>
           <a:lstStyle>
             <a:defPPr>
@@ -5898,22 +9060,91 @@
             </a:lvl9pPr>
           </a:lstStyle>
           <a:p>
-            <a:pPr algn="l"/>
-            <a:r>
-              <a:rPr lang="zh-CN" altLang="en-US" dirty="0" smtClean="0">
-                <a:solidFill>
-                  <a:schemeClr val="bg1"/>
-                </a:solidFill>
-              </a:rPr>
-              <a:t>以上的游戏奖励来自于各个子系统：等级系统、道具系统、关卡系统，这些子系统用于促使</a:t>
-            </a:r>
-            <a:r>
-              <a:rPr lang="zh-CN" altLang="en-US" dirty="0" smtClean="0">
-                <a:solidFill>
-                  <a:schemeClr val="bg1"/>
-                </a:solidFill>
-              </a:rPr>
-              <a:t>玩家长期玩游戏，需要增加其玩法的吸引力</a:t>
+            <a:pPr algn="l">
+              <a:lnSpc>
+                <a:spcPct val="110000"/>
+              </a:lnSpc>
+            </a:pPr>
+            <a:r>
+              <a:rPr lang="en-US" altLang="zh-CN" dirty="0" smtClean="0">
+                <a:solidFill>
+                  <a:schemeClr val="bg1"/>
+                </a:solidFill>
+              </a:rPr>
+              <a:t>· </a:t>
+            </a:r>
+            <a:r>
+              <a:rPr lang="zh-CN" altLang="en-US" dirty="0" smtClean="0">
+                <a:solidFill>
+                  <a:schemeClr val="bg1"/>
+                </a:solidFill>
+              </a:rPr>
+              <a:t>首先，老虎机玩法对于文明进程的表现是很不充分的</a:t>
+            </a:r>
+            <a:r>
+              <a:rPr lang="zh-CN" altLang="en-US" dirty="0" smtClean="0">
+                <a:solidFill>
+                  <a:schemeClr val="bg1"/>
+                </a:solidFill>
+              </a:rPr>
+              <a:t>。为了</a:t>
+            </a:r>
+            <a:r>
+              <a:rPr lang="zh-CN" altLang="en-US" dirty="0" smtClean="0">
+                <a:solidFill>
+                  <a:schemeClr val="bg1"/>
+                </a:solidFill>
+                <a:sym typeface="+mn-ea"/>
+              </a:rPr>
+              <a:t>紧密</a:t>
+            </a:r>
+            <a:r>
+              <a:rPr lang="zh-CN" altLang="en-US" dirty="0" smtClean="0">
+                <a:solidFill>
+                  <a:schemeClr val="bg1"/>
+                </a:solidFill>
+              </a:rPr>
+              <a:t>游戏的背景与玩法，吸引对</a:t>
+            </a:r>
+            <a:r>
+              <a:rPr lang="en-US" altLang="zh-CN" dirty="0" smtClean="0">
+                <a:solidFill>
+                  <a:schemeClr val="bg1"/>
+                </a:solidFill>
+              </a:rPr>
+              <a:t>“</a:t>
+            </a:r>
+            <a:r>
+              <a:rPr lang="zh-CN" altLang="en-US" dirty="0" smtClean="0">
+                <a:solidFill>
+                  <a:schemeClr val="bg1"/>
+                </a:solidFill>
+              </a:rPr>
+              <a:t>文明进化</a:t>
+            </a:r>
+            <a:r>
+              <a:rPr lang="en-US" altLang="zh-CN" dirty="0" smtClean="0">
+                <a:solidFill>
+                  <a:schemeClr val="bg1"/>
+                </a:solidFill>
+              </a:rPr>
+              <a:t>”</a:t>
+            </a:r>
+            <a:r>
+              <a:rPr lang="zh-CN" altLang="en-US" dirty="0" smtClean="0">
+                <a:solidFill>
+                  <a:schemeClr val="bg1"/>
+                </a:solidFill>
+              </a:rPr>
+              <a:t>主题感兴趣的玩家，还需要另外的玩法来辅助</a:t>
+            </a:r>
+            <a:r>
+              <a:rPr lang="zh-CN" altLang="en-US" dirty="0" smtClean="0">
+                <a:solidFill>
+                  <a:schemeClr val="bg1"/>
+                </a:solidFill>
+              </a:rPr>
+              <a:t>，这是后面讨论的一个重点</a:t>
             </a:r>
             <a:endParaRPr lang="zh-CN" altLang="en-US" dirty="0" smtClean="0">
               <a:solidFill>
@@ -5922,30 +9153,58 @@
             </a:endParaRPr>
           </a:p>
           <a:p>
-            <a:pPr algn="l"/>
-            <a:r>
-              <a:rPr lang="zh-CN" altLang="en-US" dirty="0" smtClean="0">
-                <a:solidFill>
-                  <a:schemeClr val="bg1"/>
-                </a:solidFill>
-              </a:rPr>
-              <a:t>（多人系统待定）</a:t>
-            </a:r>
-            <a:endParaRPr lang="zh-CN" altLang="en-US" dirty="0" smtClean="0">
-              <a:solidFill>
-                <a:schemeClr val="bg1"/>
-              </a:solidFill>
-            </a:endParaRPr>
-          </a:p>
-          <a:p>
-            <a:pPr algn="l"/>
-            <a:r>
-              <a:rPr lang="zh-CN" altLang="en-US" dirty="0" smtClean="0">
-                <a:solidFill>
-                  <a:schemeClr val="bg1"/>
-                </a:solidFill>
-              </a:rPr>
-              <a:t>以下是我的一个设计想法</a:t>
+            <a:pPr algn="l">
+              <a:lnSpc>
+                <a:spcPct val="110000"/>
+              </a:lnSpc>
+            </a:pPr>
+            <a:r>
+              <a:rPr lang="en-US" altLang="zh-CN" dirty="0" smtClean="0">
+                <a:solidFill>
+                  <a:schemeClr val="bg1"/>
+                </a:solidFill>
+              </a:rPr>
+              <a:t>· </a:t>
+            </a:r>
+            <a:r>
+              <a:rPr lang="zh-CN" altLang="en-US" dirty="0" smtClean="0">
+                <a:solidFill>
+                  <a:schemeClr val="bg1"/>
+                </a:solidFill>
+              </a:rPr>
+              <a:t>同时，老虎机玩法与</a:t>
+            </a:r>
+            <a:r>
+              <a:rPr lang="en-US" altLang="zh-CN" dirty="0" smtClean="0">
+                <a:solidFill>
+                  <a:schemeClr val="bg1"/>
+                </a:solidFill>
+              </a:rPr>
+              <a:t>“</a:t>
+            </a:r>
+            <a:r>
+              <a:rPr lang="zh-CN" altLang="en-US" dirty="0" smtClean="0">
+                <a:solidFill>
+                  <a:schemeClr val="bg1"/>
+                </a:solidFill>
+              </a:rPr>
+              <a:t>文明进化</a:t>
+            </a:r>
+            <a:r>
+              <a:rPr lang="en-US" altLang="zh-CN" dirty="0" smtClean="0">
+                <a:solidFill>
+                  <a:schemeClr val="bg1"/>
+                </a:solidFill>
+              </a:rPr>
+              <a:t>”</a:t>
+            </a:r>
+            <a:r>
+              <a:rPr lang="zh-CN" altLang="en-US" dirty="0" smtClean="0">
+                <a:solidFill>
+                  <a:schemeClr val="bg1"/>
+                </a:solidFill>
+              </a:rPr>
+              <a:t>主题并不冲突，甚至可以认为它模拟了人类社会发展过程中的随机性，因此并不会产生很大的违和感，是可以发挥的题材</a:t>
             </a:r>
             <a:endParaRPr lang="zh-CN" altLang="en-US" dirty="0" smtClean="0">
               <a:solidFill>
@@ -6042,20 +9301,22 @@
                 <a:solidFill>
                   <a:schemeClr val="bg1"/>
                 </a:solidFill>
-              </a:rPr>
-              <a:t>关卡系统</a:t>
+                <a:sym typeface="+mn-ea"/>
+              </a:rPr>
+              <a:t>长远目标设计</a:t>
             </a:r>
             <a:endParaRPr lang="zh-CN" altLang="en-US" dirty="0" smtClean="0">
               <a:solidFill>
                 <a:schemeClr val="bg1"/>
               </a:solidFill>
+              <a:sym typeface="+mn-ea"/>
             </a:endParaRPr>
           </a:p>
         </p:txBody>
       </p:sp>
       <p:sp>
         <p:nvSpPr>
-          <p:cNvPr id="12" name="文本占位符 12"/>
+          <p:cNvPr id="3" name="文本占位符 14"/>
           <p:cNvSpPr txBox="1"/>
           <p:nvPr>
             <p:custDataLst>
@@ -6065,8 +9326,8 @@
         </p:nvSpPr>
         <p:spPr>
           <a:xfrm>
-            <a:off x="736600" y="1906270"/>
-            <a:ext cx="10316210" cy="4050665"/>
+            <a:off x="861060" y="1614805"/>
+            <a:ext cx="9914255" cy="4577715"/>
           </a:xfrm>
           <a:prstGeom prst="rect">
             <a:avLst/>
@@ -6082,12 +9343,495 @@
         </p:spPr>
         <p:txBody>
           <a:bodyPr vert="horz" lIns="91440" tIns="45720" rIns="91440" bIns="45720" rtlCol="0" anchor="ctr" anchorCtr="0">
+            <a:normAutofit fontScale="90000"/>
+          </a:bodyPr>
+          <a:lstStyle>
+            <a:defPPr>
+              <a:defRPr lang="zh-CN"/>
+            </a:defPPr>
+            <a:lvl1pPr indent="0" algn="ctr">
+              <a:lnSpc>
+                <a:spcPct val="90000"/>
+              </a:lnSpc>
+              <a:spcBef>
+                <a:spcPts val="1000"/>
+              </a:spcBef>
+              <a:buFont typeface="Arial" panose="020B0604020202020204" pitchFamily="34" charset="0"/>
+              <a:buNone/>
+              <a:defRPr sz="2800"/>
+            </a:lvl1pPr>
+            <a:lvl2pPr marL="685800" indent="-228600">
+              <a:lnSpc>
+                <a:spcPct val="90000"/>
+              </a:lnSpc>
+              <a:spcBef>
+                <a:spcPts val="500"/>
+              </a:spcBef>
+              <a:buFont typeface="Arial" panose="020B0604020202020204" pitchFamily="34" charset="0"/>
+              <a:buChar char="•"/>
+              <a:defRPr sz="2400"/>
+            </a:lvl2pPr>
+            <a:lvl3pPr marL="1143000" indent="-228600">
+              <a:lnSpc>
+                <a:spcPct val="90000"/>
+              </a:lnSpc>
+              <a:spcBef>
+                <a:spcPts val="500"/>
+              </a:spcBef>
+              <a:buFont typeface="Arial" panose="020B0604020202020204" pitchFamily="34" charset="0"/>
+              <a:buChar char="•"/>
+              <a:defRPr sz="2000"/>
+            </a:lvl3pPr>
+            <a:lvl4pPr marL="1600200" indent="-228600">
+              <a:lnSpc>
+                <a:spcPct val="90000"/>
+              </a:lnSpc>
+              <a:spcBef>
+                <a:spcPts val="500"/>
+              </a:spcBef>
+              <a:buFont typeface="Arial" panose="020B0604020202020204" pitchFamily="34" charset="0"/>
+              <a:buChar char="•"/>
+            </a:lvl4pPr>
+            <a:lvl5pPr marL="2057400" indent="-228600">
+              <a:lnSpc>
+                <a:spcPct val="90000"/>
+              </a:lnSpc>
+              <a:spcBef>
+                <a:spcPts val="500"/>
+              </a:spcBef>
+              <a:buFont typeface="Arial" panose="020B0604020202020204" pitchFamily="34" charset="0"/>
+              <a:buChar char="•"/>
+            </a:lvl5pPr>
+            <a:lvl6pPr marL="2514600" indent="-228600">
+              <a:lnSpc>
+                <a:spcPct val="90000"/>
+              </a:lnSpc>
+              <a:spcBef>
+                <a:spcPts val="500"/>
+              </a:spcBef>
+              <a:buFont typeface="Arial" panose="020B0604020202020204" pitchFamily="34" charset="0"/>
+              <a:buChar char="•"/>
+            </a:lvl6pPr>
+            <a:lvl7pPr marL="2971800" indent="-228600">
+              <a:lnSpc>
+                <a:spcPct val="90000"/>
+              </a:lnSpc>
+              <a:spcBef>
+                <a:spcPts val="500"/>
+              </a:spcBef>
+              <a:buFont typeface="Arial" panose="020B0604020202020204" pitchFamily="34" charset="0"/>
+              <a:buChar char="•"/>
+            </a:lvl7pPr>
+            <a:lvl8pPr marL="3429000" indent="-228600">
+              <a:lnSpc>
+                <a:spcPct val="90000"/>
+              </a:lnSpc>
+              <a:spcBef>
+                <a:spcPts val="500"/>
+              </a:spcBef>
+              <a:buFont typeface="Arial" panose="020B0604020202020204" pitchFamily="34" charset="0"/>
+              <a:buChar char="•"/>
+            </a:lvl8pPr>
+            <a:lvl9pPr marL="3886200" indent="-228600">
+              <a:lnSpc>
+                <a:spcPct val="90000"/>
+              </a:lnSpc>
+              <a:spcBef>
+                <a:spcPts val="500"/>
+              </a:spcBef>
+              <a:buFont typeface="Arial" panose="020B0604020202020204" pitchFamily="34" charset="0"/>
+              <a:buChar char="•"/>
+            </a:lvl9pPr>
+          </a:lstStyle>
+          <a:p>
+            <a:pPr algn="l">
+              <a:lnSpc>
+                <a:spcPct val="90000"/>
+              </a:lnSpc>
+            </a:pPr>
+            <a:r>
+              <a:rPr lang="zh-CN" altLang="en-US" dirty="0" smtClean="0">
+                <a:solidFill>
+                  <a:schemeClr val="bg1"/>
+                </a:solidFill>
+              </a:rPr>
+              <a:t>吸引玩家长时间玩一个游戏有几种方式：</a:t>
+            </a:r>
+            <a:endParaRPr lang="zh-CN" altLang="en-US" dirty="0" smtClean="0">
+              <a:solidFill>
+                <a:schemeClr val="bg1"/>
+              </a:solidFill>
+            </a:endParaRPr>
+          </a:p>
+          <a:p>
+            <a:pPr algn="l">
+              <a:lnSpc>
+                <a:spcPct val="90000"/>
+              </a:lnSpc>
+            </a:pPr>
+            <a:r>
+              <a:rPr lang="en-US" altLang="zh-CN" dirty="0" smtClean="0">
+                <a:solidFill>
+                  <a:schemeClr val="bg1"/>
+                </a:solidFill>
+              </a:rPr>
+              <a:t>1</a:t>
+            </a:r>
+            <a:r>
+              <a:rPr lang="zh-CN" altLang="en-US" dirty="0" smtClean="0">
+                <a:solidFill>
+                  <a:schemeClr val="bg1"/>
+                </a:solidFill>
+              </a:rPr>
+              <a:t>、玩法本身产生大量内容（如：我的世界、</a:t>
+            </a:r>
+            <a:r>
+              <a:rPr lang="en-US" altLang="zh-CN" dirty="0" smtClean="0">
+                <a:solidFill>
+                  <a:schemeClr val="bg1"/>
+                </a:solidFill>
+              </a:rPr>
+              <a:t>roguelike</a:t>
+            </a:r>
+            <a:r>
+              <a:rPr lang="zh-CN" altLang="en-US" dirty="0" smtClean="0">
+                <a:solidFill>
+                  <a:schemeClr val="bg1"/>
+                </a:solidFill>
+              </a:rPr>
+              <a:t>类</a:t>
+            </a:r>
+            <a:r>
+              <a:rPr lang="zh-CN" altLang="en-US" dirty="0" smtClean="0">
+                <a:solidFill>
+                  <a:schemeClr val="bg1"/>
+                </a:solidFill>
+              </a:rPr>
+              <a:t>）</a:t>
+            </a:r>
+            <a:endParaRPr lang="zh-CN" altLang="en-US" dirty="0" smtClean="0">
+              <a:solidFill>
+                <a:schemeClr val="bg1"/>
+              </a:solidFill>
+            </a:endParaRPr>
+          </a:p>
+          <a:p>
+            <a:pPr algn="l">
+              <a:lnSpc>
+                <a:spcPct val="90000"/>
+              </a:lnSpc>
+            </a:pPr>
+            <a:r>
+              <a:rPr lang="en-US" altLang="zh-CN" dirty="0" smtClean="0">
+                <a:solidFill>
+                  <a:schemeClr val="bg1"/>
+                </a:solidFill>
+              </a:rPr>
+              <a:t>2</a:t>
+            </a:r>
+            <a:r>
+              <a:rPr lang="zh-CN" altLang="en-US" dirty="0" smtClean="0">
+                <a:solidFill>
+                  <a:schemeClr val="bg1"/>
+                </a:solidFill>
+              </a:rPr>
+              <a:t>、开发者不断更新</a:t>
+            </a:r>
+            <a:r>
+              <a:rPr lang="zh-CN" altLang="en-US" dirty="0" smtClean="0">
+                <a:solidFill>
+                  <a:schemeClr val="bg1"/>
+                </a:solidFill>
+              </a:rPr>
+              <a:t>内容</a:t>
+            </a:r>
+            <a:endParaRPr lang="zh-CN" altLang="en-US" dirty="0" smtClean="0">
+              <a:solidFill>
+                <a:schemeClr val="bg1"/>
+              </a:solidFill>
+            </a:endParaRPr>
+          </a:p>
+          <a:p>
+            <a:pPr algn="l">
+              <a:lnSpc>
+                <a:spcPct val="90000"/>
+              </a:lnSpc>
+            </a:pPr>
+            <a:r>
+              <a:rPr lang="en-US" altLang="zh-CN" dirty="0" smtClean="0">
+                <a:solidFill>
+                  <a:schemeClr val="bg1"/>
+                </a:solidFill>
+              </a:rPr>
+              <a:t>3</a:t>
+            </a:r>
+            <a:r>
+              <a:rPr lang="zh-CN" altLang="en-US" dirty="0" smtClean="0">
+                <a:solidFill>
+                  <a:schemeClr val="bg1"/>
+                </a:solidFill>
+              </a:rPr>
+              <a:t>、多人游戏，特别是对抗形式（可以看作是玩法产生内容的一种）</a:t>
+            </a:r>
+            <a:endParaRPr lang="zh-CN" altLang="en-US" dirty="0" smtClean="0">
+              <a:solidFill>
+                <a:schemeClr val="bg1"/>
+              </a:solidFill>
+            </a:endParaRPr>
+          </a:p>
+          <a:p>
+            <a:pPr algn="l">
+              <a:lnSpc>
+                <a:spcPct val="90000"/>
+              </a:lnSpc>
+            </a:pPr>
+            <a:endParaRPr lang="zh-CN" altLang="en-US" dirty="0" smtClean="0">
+              <a:solidFill>
+                <a:schemeClr val="bg1"/>
+              </a:solidFill>
+            </a:endParaRPr>
+          </a:p>
+          <a:p>
+            <a:pPr algn="l">
+              <a:lnSpc>
+                <a:spcPct val="90000"/>
+              </a:lnSpc>
+            </a:pPr>
+            <a:r>
+              <a:rPr lang="zh-CN" altLang="en-US" dirty="0" smtClean="0">
+                <a:solidFill>
+                  <a:schemeClr val="bg1"/>
+                </a:solidFill>
+              </a:rPr>
+              <a:t>按照老虎机的游戏机制，</a:t>
+            </a:r>
+            <a:r>
+              <a:rPr lang="en-US" altLang="zh-CN" dirty="0" smtClean="0">
+                <a:solidFill>
+                  <a:schemeClr val="bg1"/>
+                </a:solidFill>
+              </a:rPr>
+              <a:t>1</a:t>
+            </a:r>
+            <a:r>
+              <a:rPr lang="zh-CN" altLang="en-US" dirty="0" smtClean="0">
+                <a:solidFill>
+                  <a:schemeClr val="bg1"/>
+                </a:solidFill>
+              </a:rPr>
+              <a:t>是比较难做到的，那么应该在</a:t>
+            </a:r>
+            <a:r>
+              <a:rPr lang="en-US" altLang="zh-CN" dirty="0" smtClean="0">
+                <a:solidFill>
+                  <a:schemeClr val="bg1"/>
+                </a:solidFill>
+              </a:rPr>
+              <a:t>2</a:t>
+            </a:r>
+            <a:r>
+              <a:rPr lang="zh-CN" altLang="en-US" dirty="0" smtClean="0">
+                <a:solidFill>
+                  <a:schemeClr val="bg1"/>
+                </a:solidFill>
+              </a:rPr>
+              <a:t>和</a:t>
+            </a:r>
+            <a:r>
+              <a:rPr lang="en-US" altLang="zh-CN" dirty="0" smtClean="0">
+                <a:solidFill>
+                  <a:schemeClr val="bg1"/>
+                </a:solidFill>
+              </a:rPr>
+              <a:t>3</a:t>
+            </a:r>
+            <a:r>
+              <a:rPr lang="zh-CN" altLang="en-US" dirty="0" smtClean="0">
+                <a:solidFill>
+                  <a:schemeClr val="bg1"/>
+                </a:solidFill>
+              </a:rPr>
+              <a:t>上下功夫</a:t>
+            </a:r>
+            <a:endParaRPr lang="zh-CN" altLang="en-US" dirty="0" smtClean="0">
+              <a:solidFill>
+                <a:schemeClr val="bg1"/>
+              </a:solidFill>
+            </a:endParaRPr>
+          </a:p>
+          <a:p>
+            <a:pPr algn="l">
+              <a:lnSpc>
+                <a:spcPct val="90000"/>
+              </a:lnSpc>
+            </a:pPr>
+            <a:r>
+              <a:rPr lang="en-US" altLang="zh-CN" dirty="0" smtClean="0">
+                <a:solidFill>
+                  <a:schemeClr val="bg1"/>
+                </a:solidFill>
+              </a:rPr>
+              <a:t>2</a:t>
+            </a:r>
+            <a:r>
+              <a:rPr lang="zh-CN" altLang="en-US" dirty="0" smtClean="0">
+                <a:solidFill>
+                  <a:schemeClr val="bg1"/>
+                </a:solidFill>
+              </a:rPr>
+              <a:t>是比较容易想到的，因此在设计上要留下扩展空间，随后会有</a:t>
+            </a:r>
+            <a:r>
+              <a:rPr lang="zh-CN" altLang="en-US" dirty="0" smtClean="0">
+                <a:solidFill>
+                  <a:schemeClr val="bg1"/>
+                </a:solidFill>
+              </a:rPr>
+              <a:t>讨论</a:t>
+            </a:r>
+            <a:endParaRPr lang="zh-CN" altLang="en-US" dirty="0" smtClean="0">
+              <a:solidFill>
+                <a:schemeClr val="bg1"/>
+              </a:solidFill>
+            </a:endParaRPr>
+          </a:p>
+        </p:txBody>
+      </p:sp>
+    </p:spTree>
+    <p:custDataLst>
+      <p:tags r:id="rId3"/>
+    </p:custDataLst>
+  </p:cSld>
+  <p:clrMapOvr>
+    <a:masterClrMapping/>
+  </p:clrMapOvr>
+</p:sld>
+</file>
+
+<file path=ppt/slides/slide8.xml><?xml version="1.0" encoding="utf-8"?>
+<p:sld xmlns:a="http://schemas.openxmlformats.org/drawingml/2006/main" xmlns:r="http://schemas.openxmlformats.org/officeDocument/2006/relationships" xmlns:p="http://schemas.openxmlformats.org/presentationml/2006/main">
+  <p:cSld>
+    <p:bg>
+      <p:bgPr>
+        <a:solidFill>
+          <a:schemeClr val="accent1">
+            <a:lumMod val="75000"/>
+          </a:schemeClr>
+        </a:solidFill>
+        <a:effectLst/>
+      </p:bgPr>
+    </p:bg>
+    <p:spTree>
+      <p:nvGrpSpPr>
+        <p:cNvPr id="1" name=""/>
+        <p:cNvGrpSpPr/>
+        <p:nvPr/>
+      </p:nvGrpSpPr>
+      <p:grpSpPr>
+        <a:xfrm>
+          <a:off x="0" y="0"/>
+          <a:ext cx="0" cy="0"/>
+          <a:chOff x="0" y="0"/>
+          <a:chExt cx="0" cy="0"/>
+        </a:xfrm>
+      </p:grpSpPr>
+      <p:sp>
+        <p:nvSpPr>
+          <p:cNvPr id="11" name="标题 1"/>
+          <p:cNvSpPr txBox="1"/>
+          <p:nvPr>
+            <p:custDataLst>
+              <p:tags r:id="rId1"/>
+            </p:custDataLst>
+          </p:nvPr>
+        </p:nvSpPr>
+        <p:spPr>
+          <a:xfrm>
+            <a:off x="838200" y="365125"/>
+            <a:ext cx="10515600" cy="1325563"/>
+          </a:xfrm>
+          <a:prstGeom prst="rect">
+            <a:avLst/>
+          </a:prstGeom>
+          <a:noFill/>
+        </p:spPr>
+        <p:txBody>
+          <a:bodyPr anchor="ctr" anchorCtr="0">
             <a:normAutofit/>
           </a:bodyPr>
           <a:lstStyle>
             <a:defPPr>
               <a:defRPr lang="zh-CN"/>
             </a:defPPr>
+            <a:lvl1pPr algn="ctr">
+              <a:lnSpc>
+                <a:spcPct val="90000"/>
+              </a:lnSpc>
+              <a:spcBef>
+                <a:spcPct val="0"/>
+              </a:spcBef>
+              <a:buNone/>
+              <a:defRPr sz="4400">
+                <a:latin typeface="+mj-lt"/>
+                <a:ea typeface="+mj-ea"/>
+                <a:cs typeface="+mj-cs"/>
+              </a:defRPr>
+            </a:lvl1pPr>
+          </a:lstStyle>
+          <a:p>
+            <a:r>
+              <a:rPr lang="zh-CN" altLang="en-US" dirty="0" smtClean="0">
+                <a:solidFill>
+                  <a:schemeClr val="bg1"/>
+                </a:solidFill>
+                <a:sym typeface="+mn-ea"/>
+              </a:rPr>
+              <a:t>长远目标设计</a:t>
+            </a:r>
+            <a:endParaRPr lang="zh-CN" altLang="en-US" dirty="0" smtClean="0">
+              <a:solidFill>
+                <a:schemeClr val="bg1"/>
+              </a:solidFill>
+              <a:sym typeface="+mn-ea"/>
+            </a:endParaRPr>
+          </a:p>
+        </p:txBody>
+      </p:sp>
+      <p:sp>
+        <p:nvSpPr>
+          <p:cNvPr id="3" name="文本占位符 14"/>
+          <p:cNvSpPr txBox="1"/>
+          <p:nvPr>
+            <p:custDataLst>
+              <p:tags r:id="rId2"/>
+            </p:custDataLst>
+          </p:nvPr>
+        </p:nvSpPr>
+        <p:spPr>
+          <a:xfrm>
+            <a:off x="838200" y="1614805"/>
+            <a:ext cx="9914255" cy="5038725"/>
+          </a:xfrm>
+          <a:prstGeom prst="rect">
+            <a:avLst/>
+          </a:prstGeom>
+          <a:ln>
+            <a:solidFill>
+              <a:schemeClr val="bg1">
+                <a:lumMod val="85000"/>
+              </a:schemeClr>
+            </a:solidFill>
+            <a:prstDash val="sysDash"/>
+          </a:ln>
+        </p:spPr>
+        <p:txBody>
+          <a:bodyPr vert="horz" lIns="91440" tIns="45720" rIns="91440" bIns="45720" rtlCol="0" anchor="ctr" anchorCtr="0">
+            <a:normAutofit fontScale="90000"/>
+          </a:bodyPr>
+          <a:lstStyle>
+            <a:defPPr>
+              <a:defRPr lang="zh-CN"/>
+            </a:defPPr>
             <a:lvl1pPr indent="0" algn="ctr">
               <a:lnSpc>
                 <a:spcPct val="90000"/>
@@ -6183,30 +9927,34 @@
             </a:lvl9pPr>
           </a:lstStyle>
           <a:p>
-            <a:pPr algn="l"/>
-            <a:r>
-              <a:rPr lang="zh-CN" altLang="en-US" dirty="0" smtClean="0">
-                <a:solidFill>
-                  <a:schemeClr val="bg1"/>
-                </a:solidFill>
-              </a:rPr>
-              <a:t>关卡是最重要的子系统，除了提供老虎机的核心玩法，还关联了其它所有的子系统，因此问题的重点在于如何使玩家有欲望去解锁新的关卡（给玩家长远目标）</a:t>
-            </a:r>
-            <a:r>
-              <a:rPr lang="zh-CN" altLang="en-US" dirty="0" smtClean="0">
-                <a:solidFill>
-                  <a:schemeClr val="bg1"/>
-                </a:solidFill>
-              </a:rPr>
-              <a:t>，难点在于做到</a:t>
-            </a:r>
-            <a:r>
-              <a:rPr lang="zh-CN" altLang="en-US" dirty="0" smtClean="0">
-                <a:solidFill>
-                  <a:schemeClr val="bg1"/>
-                </a:solidFill>
-              </a:rPr>
-              <a:t>关卡之间的差异化</a:t>
+            <a:pPr algn="l">
+              <a:lnSpc>
+                <a:spcPct val="110000"/>
+              </a:lnSpc>
+            </a:pPr>
+            <a:r>
+              <a:rPr lang="en-US" altLang="zh-CN" dirty="0" smtClean="0">
+                <a:solidFill>
+                  <a:schemeClr val="bg1"/>
+                </a:solidFill>
+              </a:rPr>
+              <a:t>· </a:t>
+            </a:r>
+            <a:r>
+              <a:rPr lang="zh-CN" altLang="en-US" dirty="0" smtClean="0">
+                <a:solidFill>
+                  <a:schemeClr val="bg1"/>
+                </a:solidFill>
+              </a:rPr>
+              <a:t>多人玩法是一定要有的，除了一些轻度的互动（排行榜等），可以考虑合作玩法或竞争玩法</a:t>
+            </a:r>
+            <a:r>
+              <a:rPr lang="zh-CN" altLang="en-US" dirty="0" smtClean="0">
+                <a:solidFill>
+                  <a:schemeClr val="bg1"/>
+                </a:solidFill>
+              </a:rPr>
+              <a:t>，一般来说竞争更容易设计一点</a:t>
             </a:r>
             <a:endParaRPr lang="zh-CN" altLang="en-US" dirty="0" smtClean="0">
               <a:solidFill>
@@ -6215,14 +9963,34 @@
             </a:endParaRPr>
           </a:p>
           <a:p>
-            <a:pPr algn="l"/>
-            <a:r>
-              <a:rPr lang="zh-CN" altLang="en-US" dirty="0" smtClean="0">
-                <a:solidFill>
-                  <a:schemeClr val="bg1"/>
-                </a:solidFill>
-              </a:rPr>
-              <a:t>关卡承载了不同的背景主题，并产出不同的道具。如果道具的作用是解锁新的关卡，会有一种循环论证的感觉。这里可以考虑设计支线关卡，感觉会产生一些别的问题，待考虑</a:t>
+            <a:pPr algn="l">
+              <a:lnSpc>
+                <a:spcPct val="110000"/>
+              </a:lnSpc>
+            </a:pPr>
+            <a:r>
+              <a:rPr lang="en-US" altLang="zh-CN" dirty="0" smtClean="0">
+                <a:solidFill>
+                  <a:schemeClr val="bg1"/>
+                </a:solidFill>
+              </a:rPr>
+              <a:t>· </a:t>
+            </a:r>
+            <a:r>
+              <a:rPr lang="zh-CN" altLang="en-US" dirty="0" smtClean="0">
+                <a:solidFill>
+                  <a:schemeClr val="bg1"/>
+                </a:solidFill>
+              </a:rPr>
+              <a:t>因为老虎机是纯基于运气的玩法，玩家没有发挥余地，单纯用它</a:t>
+            </a:r>
+            <a:r>
+              <a:rPr lang="zh-CN" altLang="en-US" dirty="0" smtClean="0">
+                <a:solidFill>
+                  <a:schemeClr val="bg1"/>
+                </a:solidFill>
+              </a:rPr>
+              <a:t>作竞争是不合适的。至少要像石头剪刀布那样，让玩家有个最基本的选择空间</a:t>
             </a:r>
             <a:endParaRPr lang="zh-CN" altLang="en-US" dirty="0" smtClean="0">
               <a:solidFill>
@@ -6231,14 +9999,581 @@
             </a:endParaRPr>
           </a:p>
           <a:p>
-            <a:pPr algn="l"/>
-            <a:r>
-              <a:rPr lang="zh-CN" altLang="en-US" dirty="0" smtClean="0">
-                <a:solidFill>
-                  <a:schemeClr val="bg1"/>
-                </a:solidFill>
-              </a:rPr>
-              <a:t>我的想法是</a:t>
+            <a:pPr algn="l">
+              <a:lnSpc>
+                <a:spcPct val="110000"/>
+              </a:lnSpc>
+            </a:pPr>
+            <a:r>
+              <a:rPr lang="en-US" altLang="zh-CN" dirty="0" smtClean="0">
+                <a:solidFill>
+                  <a:schemeClr val="bg1"/>
+                </a:solidFill>
+              </a:rPr>
+              <a:t>· </a:t>
+            </a:r>
+            <a:r>
+              <a:rPr lang="zh-CN" altLang="en-US" dirty="0" smtClean="0">
+                <a:solidFill>
+                  <a:schemeClr val="bg1"/>
+                </a:solidFill>
+              </a:rPr>
+              <a:t>那么可以参考石头剪刀布的思路，以及</a:t>
+            </a:r>
+            <a:r>
+              <a:rPr lang="zh-CN" altLang="en-US" dirty="0" smtClean="0">
+                <a:solidFill>
+                  <a:schemeClr val="bg1"/>
+                </a:solidFill>
+              </a:rPr>
+              <a:t>参考卡牌游戏（指万智牌、炉石等）的思路，因为它足够简单又包含一定的 策略性。这种玩法需要长时间的收集卡牌过程，而在对抗过程中运气又占了很大的比重，与老虎机的玩法比较贴近，只需增加一个</a:t>
+            </a:r>
+            <a:r>
+              <a:rPr lang="en-US" altLang="zh-CN" dirty="0" smtClean="0">
+                <a:solidFill>
+                  <a:schemeClr val="bg1"/>
+                </a:solidFill>
+              </a:rPr>
+              <a:t>“</a:t>
+            </a:r>
+            <a:r>
+              <a:rPr lang="zh-CN" altLang="en-US" dirty="0" smtClean="0">
+                <a:solidFill>
+                  <a:schemeClr val="bg1"/>
+                </a:solidFill>
+              </a:rPr>
+              <a:t>收集卡牌</a:t>
+            </a:r>
+            <a:r>
+              <a:rPr lang="en-US" altLang="zh-CN" dirty="0" smtClean="0">
+                <a:solidFill>
+                  <a:schemeClr val="bg1"/>
+                </a:solidFill>
+              </a:rPr>
+              <a:t>”</a:t>
+            </a:r>
+            <a:r>
+              <a:rPr lang="zh-CN" altLang="en-US" dirty="0" smtClean="0">
+                <a:solidFill>
+                  <a:schemeClr val="bg1"/>
+                </a:solidFill>
+              </a:rPr>
+              <a:t>的过程</a:t>
+            </a:r>
+            <a:endParaRPr lang="zh-CN" altLang="en-US" dirty="0" smtClean="0">
+              <a:solidFill>
+                <a:schemeClr val="bg1"/>
+              </a:solidFill>
+            </a:endParaRPr>
+          </a:p>
+          <a:p>
+            <a:pPr algn="l">
+              <a:lnSpc>
+                <a:spcPct val="110000"/>
+              </a:lnSpc>
+            </a:pPr>
+            <a:r>
+              <a:rPr lang="en-US" altLang="zh-CN" dirty="0" smtClean="0">
+                <a:solidFill>
+                  <a:schemeClr val="bg1"/>
+                </a:solidFill>
+              </a:rPr>
+              <a:t>· </a:t>
+            </a:r>
+            <a:r>
+              <a:rPr lang="zh-CN" altLang="en-US" dirty="0" smtClean="0">
+                <a:solidFill>
+                  <a:schemeClr val="bg1"/>
+                </a:solidFill>
+              </a:rPr>
+              <a:t>下面是一个多人对抗玩法的构想，而</a:t>
+            </a:r>
+            <a:r>
+              <a:rPr lang="en-US" altLang="zh-CN" dirty="0" smtClean="0">
+                <a:solidFill>
+                  <a:schemeClr val="bg1"/>
+                </a:solidFill>
+              </a:rPr>
+              <a:t>“</a:t>
+            </a:r>
+            <a:r>
+              <a:rPr lang="zh-CN" altLang="en-US" dirty="0" smtClean="0">
+                <a:solidFill>
+                  <a:schemeClr val="bg1"/>
+                </a:solidFill>
+              </a:rPr>
+              <a:t>收集卡牌</a:t>
+            </a:r>
+            <a:r>
+              <a:rPr lang="en-US" altLang="zh-CN" dirty="0" smtClean="0">
+                <a:solidFill>
+                  <a:schemeClr val="bg1"/>
+                </a:solidFill>
+              </a:rPr>
+              <a:t>”</a:t>
+            </a:r>
+            <a:r>
+              <a:rPr lang="zh-CN" altLang="en-US" dirty="0" smtClean="0">
+                <a:solidFill>
+                  <a:schemeClr val="bg1"/>
+                </a:solidFill>
+              </a:rPr>
+              <a:t>过程在后面说</a:t>
+            </a:r>
+            <a:endParaRPr lang="zh-CN" altLang="en-US" dirty="0" smtClean="0">
+              <a:solidFill>
+                <a:schemeClr val="bg1"/>
+              </a:solidFill>
+            </a:endParaRPr>
+          </a:p>
+        </p:txBody>
+      </p:sp>
+    </p:spTree>
+    <p:custDataLst>
+      <p:tags r:id="rId3"/>
+    </p:custDataLst>
+  </p:cSld>
+  <p:clrMapOvr>
+    <a:masterClrMapping/>
+  </p:clrMapOvr>
+</p:sld>
+</file>
+
+<file path=ppt/slides/slide9.xml><?xml version="1.0" encoding="utf-8"?>
+<p:sld xmlns:a="http://schemas.openxmlformats.org/drawingml/2006/main" xmlns:r="http://schemas.openxmlformats.org/officeDocument/2006/relationships" xmlns:p="http://schemas.openxmlformats.org/presentationml/2006/main">
+  <p:cSld>
+    <p:bg>
+      <p:bgPr>
+        <a:solidFill>
+          <a:schemeClr val="accent1">
+            <a:lumMod val="75000"/>
+          </a:schemeClr>
+        </a:solidFill>
+        <a:effectLst/>
+      </p:bgPr>
+    </p:bg>
+    <p:spTree>
+      <p:nvGrpSpPr>
+        <p:cNvPr id="1" name=""/>
+        <p:cNvGrpSpPr/>
+        <p:nvPr/>
+      </p:nvGrpSpPr>
+      <p:grpSpPr>
+        <a:xfrm>
+          <a:off x="0" y="0"/>
+          <a:ext cx="0" cy="0"/>
+          <a:chOff x="0" y="0"/>
+          <a:chExt cx="0" cy="0"/>
+        </a:xfrm>
+      </p:grpSpPr>
+      <p:sp>
+        <p:nvSpPr>
+          <p:cNvPr id="11" name="标题 1"/>
+          <p:cNvSpPr txBox="1"/>
+          <p:nvPr>
+            <p:custDataLst>
+              <p:tags r:id="rId1"/>
+            </p:custDataLst>
+          </p:nvPr>
+        </p:nvSpPr>
+        <p:spPr>
+          <a:xfrm>
+            <a:off x="838200" y="365125"/>
+            <a:ext cx="10515600" cy="1325563"/>
+          </a:xfrm>
+          <a:prstGeom prst="rect">
+            <a:avLst/>
+          </a:prstGeom>
+          <a:noFill/>
+        </p:spPr>
+        <p:txBody>
+          <a:bodyPr anchor="ctr" anchorCtr="0">
+            <a:normAutofit/>
+          </a:bodyPr>
+          <a:lstStyle>
+            <a:defPPr>
+              <a:defRPr lang="zh-CN"/>
+            </a:defPPr>
+            <a:lvl1pPr algn="ctr">
+              <a:lnSpc>
+                <a:spcPct val="90000"/>
+              </a:lnSpc>
+              <a:spcBef>
+                <a:spcPct val="0"/>
+              </a:spcBef>
+              <a:buNone/>
+              <a:defRPr sz="4400">
+                <a:latin typeface="+mj-lt"/>
+                <a:ea typeface="+mj-ea"/>
+                <a:cs typeface="+mj-cs"/>
+              </a:defRPr>
+            </a:lvl1pPr>
+          </a:lstStyle>
+          <a:p>
+            <a:r>
+              <a:rPr lang="zh-CN" altLang="en-US" dirty="0" smtClean="0">
+                <a:solidFill>
+                  <a:schemeClr val="bg1"/>
+                </a:solidFill>
+                <a:sym typeface="+mn-ea"/>
+              </a:rPr>
+              <a:t>多人玩法构想：竞技场</a:t>
+            </a:r>
+            <a:endParaRPr lang="zh-CN" altLang="en-US" dirty="0" smtClean="0">
+              <a:solidFill>
+                <a:schemeClr val="bg1"/>
+              </a:solidFill>
+              <a:sym typeface="+mn-ea"/>
+            </a:endParaRPr>
+          </a:p>
+        </p:txBody>
+      </p:sp>
+      <p:sp>
+        <p:nvSpPr>
+          <p:cNvPr id="3" name="文本占位符 14"/>
+          <p:cNvSpPr txBox="1"/>
+          <p:nvPr>
+            <p:custDataLst>
+              <p:tags r:id="rId2"/>
+            </p:custDataLst>
+          </p:nvPr>
+        </p:nvSpPr>
+        <p:spPr>
+          <a:xfrm>
+            <a:off x="838200" y="1614805"/>
+            <a:ext cx="9914255" cy="4678680"/>
+          </a:xfrm>
+          <a:prstGeom prst="rect">
+            <a:avLst/>
+          </a:prstGeom>
+          <a:ln>
+            <a:solidFill>
+              <a:schemeClr val="bg1">
+                <a:lumMod val="85000"/>
+              </a:schemeClr>
+            </a:solidFill>
+            <a:prstDash val="sysDash"/>
+          </a:ln>
+        </p:spPr>
+        <p:txBody>
+          <a:bodyPr vert="horz" lIns="91440" tIns="45720" rIns="91440" bIns="45720" rtlCol="0" anchor="ctr" anchorCtr="0">
+            <a:normAutofit fontScale="90000"/>
+          </a:bodyPr>
+          <a:lstStyle>
+            <a:defPPr>
+              <a:defRPr lang="zh-CN"/>
+            </a:defPPr>
+            <a:lvl1pPr indent="0" algn="ctr">
+              <a:lnSpc>
+                <a:spcPct val="90000"/>
+              </a:lnSpc>
+              <a:spcBef>
+                <a:spcPts val="1000"/>
+              </a:spcBef>
+              <a:buFont typeface="Arial" panose="020B0604020202020204" pitchFamily="34" charset="0"/>
+              <a:buNone/>
+              <a:defRPr sz="2800"/>
+            </a:lvl1pPr>
+            <a:lvl2pPr marL="685800" indent="-228600">
+              <a:lnSpc>
+                <a:spcPct val="90000"/>
+              </a:lnSpc>
+              <a:spcBef>
+                <a:spcPts val="500"/>
+              </a:spcBef>
+              <a:buFont typeface="Arial" panose="020B0604020202020204" pitchFamily="34" charset="0"/>
+              <a:buChar char="•"/>
+              <a:defRPr sz="2400"/>
+            </a:lvl2pPr>
+            <a:lvl3pPr marL="1143000" indent="-228600">
+              <a:lnSpc>
+                <a:spcPct val="90000"/>
+              </a:lnSpc>
+              <a:spcBef>
+                <a:spcPts val="500"/>
+              </a:spcBef>
+              <a:buFont typeface="Arial" panose="020B0604020202020204" pitchFamily="34" charset="0"/>
+              <a:buChar char="•"/>
+              <a:defRPr sz="2000"/>
+            </a:lvl3pPr>
+            <a:lvl4pPr marL="1600200" indent="-228600">
+              <a:lnSpc>
+                <a:spcPct val="90000"/>
+              </a:lnSpc>
+              <a:spcBef>
+                <a:spcPts val="500"/>
+              </a:spcBef>
+              <a:buFont typeface="Arial" panose="020B0604020202020204" pitchFamily="34" charset="0"/>
+              <a:buChar char="•"/>
+            </a:lvl4pPr>
+            <a:lvl5pPr marL="2057400" indent="-228600">
+              <a:lnSpc>
+                <a:spcPct val="90000"/>
+              </a:lnSpc>
+              <a:spcBef>
+                <a:spcPts val="500"/>
+              </a:spcBef>
+              <a:buFont typeface="Arial" panose="020B0604020202020204" pitchFamily="34" charset="0"/>
+              <a:buChar char="•"/>
+            </a:lvl5pPr>
+            <a:lvl6pPr marL="2514600" indent="-228600">
+              <a:lnSpc>
+                <a:spcPct val="90000"/>
+              </a:lnSpc>
+              <a:spcBef>
+                <a:spcPts val="500"/>
+              </a:spcBef>
+              <a:buFont typeface="Arial" panose="020B0604020202020204" pitchFamily="34" charset="0"/>
+              <a:buChar char="•"/>
+            </a:lvl6pPr>
+            <a:lvl7pPr marL="2971800" indent="-228600">
+              <a:lnSpc>
+                <a:spcPct val="90000"/>
+              </a:lnSpc>
+              <a:spcBef>
+                <a:spcPts val="500"/>
+              </a:spcBef>
+              <a:buFont typeface="Arial" panose="020B0604020202020204" pitchFamily="34" charset="0"/>
+              <a:buChar char="•"/>
+            </a:lvl7pPr>
+            <a:lvl8pPr marL="3429000" indent="-228600">
+              <a:lnSpc>
+                <a:spcPct val="90000"/>
+              </a:lnSpc>
+              <a:spcBef>
+                <a:spcPts val="500"/>
+              </a:spcBef>
+              <a:buFont typeface="Arial" panose="020B0604020202020204" pitchFamily="34" charset="0"/>
+              <a:buChar char="•"/>
+            </a:lvl8pPr>
+            <a:lvl9pPr marL="3886200" indent="-228600">
+              <a:lnSpc>
+                <a:spcPct val="90000"/>
+              </a:lnSpc>
+              <a:spcBef>
+                <a:spcPts val="500"/>
+              </a:spcBef>
+              <a:buFont typeface="Arial" panose="020B0604020202020204" pitchFamily="34" charset="0"/>
+              <a:buChar char="•"/>
+            </a:lvl9pPr>
+          </a:lstStyle>
+          <a:p>
+            <a:pPr algn="l">
+              <a:lnSpc>
+                <a:spcPct val="110000"/>
+              </a:lnSpc>
+            </a:pPr>
+            <a:r>
+              <a:rPr lang="en-US" altLang="zh-CN" dirty="0" smtClean="0">
+                <a:solidFill>
+                  <a:schemeClr val="bg1"/>
+                </a:solidFill>
+              </a:rPr>
+              <a:t>· </a:t>
+            </a:r>
+            <a:r>
+              <a:rPr lang="zh-CN" altLang="en-US" dirty="0" smtClean="0">
+                <a:solidFill>
+                  <a:schemeClr val="bg1"/>
+                </a:solidFill>
+              </a:rPr>
+              <a:t>基本玩法：</a:t>
+            </a:r>
+            <a:r>
+              <a:rPr lang="en-US" altLang="zh-CN" dirty="0" smtClean="0">
+                <a:solidFill>
+                  <a:schemeClr val="bg1"/>
+                </a:solidFill>
+              </a:rPr>
+              <a:t> 4</a:t>
+            </a:r>
+            <a:r>
+              <a:rPr lang="zh-CN" altLang="en-US" dirty="0" smtClean="0">
+                <a:solidFill>
+                  <a:schemeClr val="bg1"/>
+                </a:solidFill>
+              </a:rPr>
+              <a:t>个玩家一组对抗，每个人投入一定的保证金（数额可以有大有小），然后开始老虎机游戏，</a:t>
+            </a:r>
+            <a:r>
+              <a:rPr lang="zh-CN" altLang="en-US" dirty="0" smtClean="0">
+                <a:solidFill>
+                  <a:schemeClr val="bg1"/>
+                </a:solidFill>
+              </a:rPr>
+              <a:t>最后满足条件的赢家获得所有人的保证金（抽成一部分给系统）</a:t>
+            </a:r>
+            <a:endParaRPr lang="zh-CN" altLang="en-US" dirty="0" smtClean="0">
+              <a:solidFill>
+                <a:schemeClr val="bg1"/>
+              </a:solidFill>
+            </a:endParaRPr>
+          </a:p>
+          <a:p>
+            <a:pPr algn="l">
+              <a:lnSpc>
+                <a:spcPct val="110000"/>
+              </a:lnSpc>
+            </a:pPr>
+            <a:r>
+              <a:rPr lang="en-US" altLang="zh-CN" dirty="0" smtClean="0">
+                <a:solidFill>
+                  <a:schemeClr val="bg1"/>
+                </a:solidFill>
+              </a:rPr>
+              <a:t>· </a:t>
+            </a:r>
+            <a:r>
+              <a:rPr lang="zh-CN" altLang="en-US" dirty="0" smtClean="0">
+                <a:solidFill>
+                  <a:schemeClr val="bg1"/>
+                </a:solidFill>
+              </a:rPr>
+              <a:t>每个玩家在对抗之前，需要从自己拥有的卡牌里选出两样来（类似于挑选牌组）。这些选项之间是有针对性的，如</a:t>
+            </a:r>
+            <a:r>
+              <a:rPr lang="en-US" altLang="zh-CN" dirty="0" smtClean="0">
+                <a:solidFill>
+                  <a:schemeClr val="bg1"/>
+                </a:solidFill>
+              </a:rPr>
+              <a:t>A</a:t>
+            </a:r>
+            <a:r>
+              <a:rPr lang="zh-CN" altLang="en-US" dirty="0" smtClean="0">
+                <a:solidFill>
+                  <a:schemeClr val="bg1"/>
+                </a:solidFill>
+              </a:rPr>
+              <a:t>克</a:t>
+            </a:r>
+            <a:r>
+              <a:rPr lang="en-US" altLang="zh-CN" dirty="0" smtClean="0">
+                <a:solidFill>
+                  <a:schemeClr val="bg1"/>
+                </a:solidFill>
+              </a:rPr>
+              <a:t>B</a:t>
+            </a:r>
+            <a:r>
+              <a:rPr lang="zh-CN" altLang="en-US" dirty="0" smtClean="0">
+                <a:solidFill>
+                  <a:schemeClr val="bg1"/>
+                </a:solidFill>
+              </a:rPr>
+              <a:t>，</a:t>
+            </a:r>
+            <a:r>
+              <a:rPr lang="en-US" altLang="zh-CN" dirty="0" smtClean="0">
+                <a:solidFill>
+                  <a:schemeClr val="bg1"/>
+                </a:solidFill>
+              </a:rPr>
+              <a:t>B</a:t>
+            </a:r>
+            <a:r>
+              <a:rPr lang="zh-CN" altLang="en-US" dirty="0" smtClean="0">
+                <a:solidFill>
+                  <a:schemeClr val="bg1"/>
+                </a:solidFill>
+              </a:rPr>
+              <a:t>克</a:t>
+            </a:r>
+            <a:r>
+              <a:rPr lang="en-US" altLang="zh-CN" dirty="0" smtClean="0">
+                <a:solidFill>
+                  <a:schemeClr val="bg1"/>
+                </a:solidFill>
+              </a:rPr>
+              <a:t>C</a:t>
+            </a:r>
+            <a:r>
+              <a:rPr lang="zh-CN" altLang="en-US" dirty="0" smtClean="0">
+                <a:solidFill>
+                  <a:schemeClr val="bg1"/>
+                </a:solidFill>
+              </a:rPr>
+              <a:t>。而玩家预先并不知道别的玩家做了什么选择，只能看到对手的可选卡牌</a:t>
+            </a:r>
+            <a:r>
+              <a:rPr lang="zh-CN" altLang="en-US" dirty="0" smtClean="0">
+                <a:solidFill>
+                  <a:schemeClr val="bg1"/>
+                </a:solidFill>
+              </a:rPr>
+              <a:t>或历史选择</a:t>
+            </a:r>
+            <a:r>
+              <a:rPr lang="zh-CN" altLang="en-US" dirty="0" smtClean="0">
+                <a:solidFill>
+                  <a:schemeClr val="bg1"/>
+                </a:solidFill>
+              </a:rPr>
+              <a:t>，因此整个玩法其实也是赌运气（具体之间的针对性可以结合老虎机玩法再想，总之要达到石头剪刀布那样的效果）</a:t>
+            </a:r>
+            <a:endParaRPr lang="zh-CN" altLang="en-US" dirty="0" smtClean="0">
+              <a:solidFill>
+                <a:schemeClr val="bg1"/>
+              </a:solidFill>
+            </a:endParaRPr>
+          </a:p>
+          <a:p>
+            <a:pPr algn="l">
+              <a:lnSpc>
+                <a:spcPct val="110000"/>
+              </a:lnSpc>
+            </a:pPr>
+            <a:r>
+              <a:rPr lang="en-US" altLang="zh-CN" dirty="0" smtClean="0">
+                <a:solidFill>
+                  <a:schemeClr val="bg1"/>
+                </a:solidFill>
+              </a:rPr>
+              <a:t>· </a:t>
+            </a:r>
+            <a:r>
+              <a:rPr lang="zh-CN" altLang="en-US" dirty="0" smtClean="0">
+                <a:solidFill>
+                  <a:schemeClr val="bg1"/>
+                </a:solidFill>
+              </a:rPr>
+              <a:t>每周有排行榜，将胜者的名字写上去</a:t>
+            </a:r>
+            <a:r>
+              <a:rPr lang="zh-CN" altLang="en-US" dirty="0" smtClean="0">
+                <a:solidFill>
+                  <a:schemeClr val="bg1"/>
+                </a:solidFill>
+              </a:rPr>
+              <a:t>，强化竞技场的成就感</a:t>
+            </a:r>
+            <a:endParaRPr lang="zh-CN" altLang="en-US" dirty="0" smtClean="0">
+              <a:solidFill>
+                <a:schemeClr val="bg1"/>
+              </a:solidFill>
+            </a:endParaRPr>
+          </a:p>
+          <a:p>
+            <a:pPr algn="l">
+              <a:lnSpc>
+                <a:spcPct val="110000"/>
+              </a:lnSpc>
+            </a:pPr>
+            <a:r>
+              <a:rPr lang="en-US" altLang="zh-CN" dirty="0" smtClean="0">
+                <a:solidFill>
+                  <a:schemeClr val="bg1"/>
+                </a:solidFill>
+              </a:rPr>
+              <a:t>· </a:t>
+            </a:r>
+            <a:r>
+              <a:rPr lang="zh-CN" altLang="en-US" dirty="0" smtClean="0">
+                <a:solidFill>
+                  <a:schemeClr val="bg1"/>
+                </a:solidFill>
+              </a:rPr>
+              <a:t>可以考虑做成三盘两胜制，每一盘玩家都可以重新选择卡牌</a:t>
             </a:r>
             <a:endParaRPr lang="zh-CN" altLang="en-US" dirty="0" smtClean="0">
               <a:solidFill>
@@ -6280,6 +10615,22 @@
 
 <file path=ppt/tags/tag10.xml><?xml version="1.0" encoding="utf-8"?>
 <p:tagLst xmlns:p="http://schemas.openxmlformats.org/presentationml/2006/main">
+  <p:tag name="KSO_WM_SLIDE_ID" val="150995249"/>
+  <p:tag name="KSO_WM_SLIDE_INDEX" val="26"/>
+  <p:tag name="KSO_WM_SLIDE_ITEM_CNT" val="4"/>
+  <p:tag name="KSO_WM_SLIDE_LAYOUT" val="a_l"/>
+  <p:tag name="KSO_WM_SLIDE_LAYOUT_CNT" val="1_1"/>
+  <p:tag name="KSO_WM_SLIDE_TYPE" val="contents"/>
+  <p:tag name="KSO_WM_BEAUTIFY_FLAG" val="#wm#"/>
+  <p:tag name="KSO_WM_TEMPLATE_CATEGORY" val="preset"/>
+  <p:tag name="KSO_WM_TEMPLATE_INDEX" val="1"/>
+  <p:tag name="KSO_WM_TAG_VERSION" val="1.0"/>
+  <p:tag name="KSO_WM_DIAGRAM_GROUP_CODE" val="第五组"/>
+</p:tagLst>
+</file>
+
+<file path=ppt/tags/tag11.xml><?xml version="1.0" encoding="utf-8"?>
+<p:tagLst xmlns:p="http://schemas.openxmlformats.org/presentationml/2006/main">
   <p:tag name="KSO_WM_TAG_VERSION" val="1.0"/>
   <p:tag name="KSO_WM_TEMPLATE_CATEGORY" val="preset"/>
   <p:tag name="KSO_WM_TEMPLATE_INDEX" val="1"/>
@@ -6294,30 +10645,6 @@
   <p:tag name="KSO_WM_UNIT_COMPATIBLE" val="0"/>
   <p:tag name="KSO_WM_UNIT_PRESET_TEXT" val="请在此处添加标题"/>
   <p:tag name="KSO_WM_BEAUTIFY_FLAG" val="#wm#"/>
-</p:tagLst>
-</file>
-
-<file path=ppt/tags/tag11.xml><?xml version="1.0" encoding="utf-8"?>
-<p:tagLst xmlns:p="http://schemas.openxmlformats.org/presentationml/2006/main">
-  <p:tag name="KSO_WM_TAG_VERSION" val="1.0"/>
-  <p:tag name="KSO_WM_TEMPLATE_CATEGORY" val="preset"/>
-  <p:tag name="KSO_WM_TEMPLATE_INDEX" val="1"/>
-  <p:tag name="KSO_WM_UNIT_TYPE" val="l_h_f"/>
-  <p:tag name="KSO_WM_UNIT_INDEX" val="1_1_1"/>
-  <p:tag name="KSO_WM_UNIT_ID" val="150995249*l_h_f*1_1_1"/>
-  <p:tag name="KSO_WM_UNIT_CLEAR" val="1"/>
-  <p:tag name="KSO_WM_UNIT_LAYERLEVEL" val="1_1_1"/>
-  <p:tag name="KSO_WM_UNIT_VALUE" val="40"/>
-  <p:tag name="KSO_WM_UNIT_HIGHLIGHT" val="0"/>
-  <p:tag name="KSO_WM_UNIT_COMPATIBLE" val="0"/>
-  <p:tag name="KSO_WM_UNIT_PRESET_TEXT" val="请在此处添加文本"/>
-  <p:tag name="KSO_WM_BEAUTIFY_FLAG" val="#wm#"/>
-  <p:tag name="KSO_WM_DIAGRAM_GROUP_CODE" val="第五组"/>
-  <p:tag name="KSO_WM_UNIT_LINE_FORE_SCHEMECOLOR_INDEX" val="14"/>
-  <p:tag name="KSO_WM_UNIT_LINE_FILL_TYPE" val="2"/>
-  <p:tag name="KSO_WM_UNIT_TEXT_FILL_FORE_SCHEMECOLOR_INDEX" val="13"/>
-  <p:tag name="KSO_WM_UNIT_TEXT_FILL_TYPE" val="1"/>
-  <p:tag name="KSO_WM_UNIT_USESOURCEFORMAT_APPLY" val="0"/>
 </p:tagLst>
 </file>
 
@@ -6347,6 +10674,41 @@
 
 <file path=ppt/tags/tag13.xml><?xml version="1.0" encoding="utf-8"?>
 <p:tagLst xmlns:p="http://schemas.openxmlformats.org/presentationml/2006/main">
+  <p:tag name="KSO_WM_SLIDE_ID" val="150995249"/>
+  <p:tag name="KSO_WM_SLIDE_INDEX" val="26"/>
+  <p:tag name="KSO_WM_SLIDE_ITEM_CNT" val="4"/>
+  <p:tag name="KSO_WM_SLIDE_LAYOUT" val="a_l"/>
+  <p:tag name="KSO_WM_SLIDE_LAYOUT_CNT" val="1_1"/>
+  <p:tag name="KSO_WM_SLIDE_TYPE" val="contents"/>
+  <p:tag name="KSO_WM_BEAUTIFY_FLAG" val="#wm#"/>
+  <p:tag name="KSO_WM_TEMPLATE_CATEGORY" val="preset"/>
+  <p:tag name="KSO_WM_TEMPLATE_INDEX" val="1"/>
+  <p:tag name="KSO_WM_TAG_VERSION" val="1.0"/>
+  <p:tag name="KSO_WM_DIAGRAM_GROUP_CODE" val="第五组"/>
+</p:tagLst>
+</file>
+
+<file path=ppt/tags/tag14.xml><?xml version="1.0" encoding="utf-8"?>
+<p:tagLst xmlns:p="http://schemas.openxmlformats.org/presentationml/2006/main">
+  <p:tag name="KSO_WM_TAG_VERSION" val="1.0"/>
+  <p:tag name="KSO_WM_TEMPLATE_CATEGORY" val="preset"/>
+  <p:tag name="KSO_WM_TEMPLATE_INDEX" val="1"/>
+  <p:tag name="KSO_WM_UNIT_TYPE" val="a"/>
+  <p:tag name="KSO_WM_UNIT_INDEX" val="1"/>
+  <p:tag name="KSO_WM_UNIT_ID" val="150995249*a*1"/>
+  <p:tag name="KSO_WM_UNIT_CLEAR" val="1"/>
+  <p:tag name="KSO_WM_UNIT_LAYERLEVEL" val="1"/>
+  <p:tag name="KSO_WM_UNIT_ISCONTENTSTITLE" val="1"/>
+  <p:tag name="KSO_WM_UNIT_VALUE" val="40"/>
+  <p:tag name="KSO_WM_UNIT_HIGHLIGHT" val="0"/>
+  <p:tag name="KSO_WM_UNIT_COMPATIBLE" val="0"/>
+  <p:tag name="KSO_WM_UNIT_PRESET_TEXT" val="请在此处添加标题"/>
+  <p:tag name="KSO_WM_BEAUTIFY_FLAG" val="#wm#"/>
+</p:tagLst>
+</file>
+
+<file path=ppt/tags/tag15.xml><?xml version="1.0" encoding="utf-8"?>
+<p:tagLst xmlns:p="http://schemas.openxmlformats.org/presentationml/2006/main">
   <p:tag name="KSO_WM_TAG_VERSION" val="1.0"/>
   <p:tag name="KSO_WM_TEMPLATE_CATEGORY" val="preset"/>
   <p:tag name="KSO_WM_TEMPLATE_INDEX" val="1"/>
@@ -6366,41 +10728,6 @@
   <p:tag name="KSO_WM_UNIT_TEXT_FILL_FORE_SCHEMECOLOR_INDEX" val="13"/>
   <p:tag name="KSO_WM_UNIT_TEXT_FILL_TYPE" val="1"/>
   <p:tag name="KSO_WM_UNIT_USESOURCEFORMAT_APPLY" val="0"/>
-</p:tagLst>
-</file>
-
-<file path=ppt/tags/tag14.xml><?xml version="1.0" encoding="utf-8"?>
-<p:tagLst xmlns:p="http://schemas.openxmlformats.org/presentationml/2006/main">
-  <p:tag name="KSO_WM_SLIDE_ID" val="150995249"/>
-  <p:tag name="KSO_WM_SLIDE_INDEX" val="26"/>
-  <p:tag name="KSO_WM_SLIDE_ITEM_CNT" val="4"/>
-  <p:tag name="KSO_WM_SLIDE_LAYOUT" val="a_l"/>
-  <p:tag name="KSO_WM_SLIDE_LAYOUT_CNT" val="1_1"/>
-  <p:tag name="KSO_WM_SLIDE_TYPE" val="contents"/>
-  <p:tag name="KSO_WM_BEAUTIFY_FLAG" val="#wm#"/>
-  <p:tag name="KSO_WM_TEMPLATE_CATEGORY" val="preset"/>
-  <p:tag name="KSO_WM_TEMPLATE_INDEX" val="1"/>
-  <p:tag name="KSO_WM_TAG_VERSION" val="1.0"/>
-  <p:tag name="KSO_WM_DIAGRAM_GROUP_CODE" val="第五组"/>
-</p:tagLst>
-</file>
-
-<file path=ppt/tags/tag15.xml><?xml version="1.0" encoding="utf-8"?>
-<p:tagLst xmlns:p="http://schemas.openxmlformats.org/presentationml/2006/main">
-  <p:tag name="KSO_WM_TAG_VERSION" val="1.0"/>
-  <p:tag name="KSO_WM_TEMPLATE_CATEGORY" val="preset"/>
-  <p:tag name="KSO_WM_TEMPLATE_INDEX" val="1"/>
-  <p:tag name="KSO_WM_UNIT_TYPE" val="a"/>
-  <p:tag name="KSO_WM_UNIT_INDEX" val="1"/>
-  <p:tag name="KSO_WM_UNIT_ID" val="150995249*a*1"/>
-  <p:tag name="KSO_WM_UNIT_CLEAR" val="1"/>
-  <p:tag name="KSO_WM_UNIT_LAYERLEVEL" val="1"/>
-  <p:tag name="KSO_WM_UNIT_ISCONTENTSTITLE" val="1"/>
-  <p:tag name="KSO_WM_UNIT_VALUE" val="40"/>
-  <p:tag name="KSO_WM_UNIT_HIGHLIGHT" val="0"/>
-  <p:tag name="KSO_WM_UNIT_COMPATIBLE" val="0"/>
-  <p:tag name="KSO_WM_UNIT_PRESET_TEXT" val="请在此处添加标题"/>
-  <p:tag name="KSO_WM_BEAUTIFY_FLAG" val="#wm#"/>
 </p:tagLst>
 </file>
 
@@ -6445,8 +10772,8 @@
   <p:tag name="KSO_WM_TEMPLATE_CATEGORY" val="preset"/>
   <p:tag name="KSO_WM_TEMPLATE_INDEX" val="1"/>
   <p:tag name="KSO_WM_UNIT_TYPE" val="l_h_f"/>
-  <p:tag name="KSO_WM_UNIT_INDEX" val="1_1_1"/>
-  <p:tag name="KSO_WM_UNIT_ID" val="150995249*l_h_f*1_1_1"/>
+  <p:tag name="KSO_WM_UNIT_INDEX" val="1_2_1"/>
+  <p:tag name="KSO_WM_UNIT_ID" val="150995249*l_h_f*1_2_1"/>
   <p:tag name="KSO_WM_UNIT_CLEAR" val="1"/>
   <p:tag name="KSO_WM_UNIT_LAYERLEVEL" val="1_1_1"/>
   <p:tag name="KSO_WM_UNIT_VALUE" val="40"/>
@@ -6464,6 +10791,22 @@
 </file>
 
 <file path=ppt/tags/tag19.xml><?xml version="1.0" encoding="utf-8"?>
+<p:tagLst xmlns:p="http://schemas.openxmlformats.org/presentationml/2006/main">
+  <p:tag name="KSO_WM_SLIDE_ID" val="150995249"/>
+  <p:tag name="KSO_WM_SLIDE_INDEX" val="26"/>
+  <p:tag name="KSO_WM_SLIDE_ITEM_CNT" val="4"/>
+  <p:tag name="KSO_WM_SLIDE_LAYOUT" val="a_l"/>
+  <p:tag name="KSO_WM_SLIDE_LAYOUT_CNT" val="1_1"/>
+  <p:tag name="KSO_WM_SLIDE_TYPE" val="contents"/>
+  <p:tag name="KSO_WM_BEAUTIFY_FLAG" val="#wm#"/>
+  <p:tag name="KSO_WM_TEMPLATE_CATEGORY" val="preset"/>
+  <p:tag name="KSO_WM_TEMPLATE_INDEX" val="1"/>
+  <p:tag name="KSO_WM_TAG_VERSION" val="1.0"/>
+  <p:tag name="KSO_WM_DIAGRAM_GROUP_CODE" val="第五组"/>
+</p:tagLst>
+</file>
+
+<file path=ppt/tags/tag2.xml><?xml version="1.0" encoding="utf-8"?>
 <p:tagLst xmlns:p="http://schemas.openxmlformats.org/presentationml/2006/main">
   <p:tag name="KSO_WM_TAG_VERSION" val="1.0"/>
   <p:tag name="KSO_WM_TEMPLATE_CATEGORY" val="preset"/>
@@ -6487,51 +10830,22 @@
 </p:tagLst>
 </file>
 
-<file path=ppt/tags/tag2.xml><?xml version="1.0" encoding="utf-8"?>
-<p:tagLst xmlns:p="http://schemas.openxmlformats.org/presentationml/2006/main">
-  <p:tag name="KSO_WM_TAG_VERSION" val="1.0"/>
-  <p:tag name="KSO_WM_TEMPLATE_CATEGORY" val="preset"/>
-  <p:tag name="KSO_WM_TEMPLATE_INDEX" val="1"/>
-  <p:tag name="KSO_WM_UNIT_TYPE" val="l_h_f"/>
-  <p:tag name="KSO_WM_UNIT_INDEX" val="1_1_1"/>
-  <p:tag name="KSO_WM_UNIT_ID" val="150995249*l_h_f*1_1_1"/>
-  <p:tag name="KSO_WM_UNIT_CLEAR" val="1"/>
-  <p:tag name="KSO_WM_UNIT_LAYERLEVEL" val="1_1_1"/>
-  <p:tag name="KSO_WM_UNIT_VALUE" val="40"/>
-  <p:tag name="KSO_WM_UNIT_HIGHLIGHT" val="0"/>
-  <p:tag name="KSO_WM_UNIT_COMPATIBLE" val="0"/>
-  <p:tag name="KSO_WM_UNIT_PRESET_TEXT" val="请在此处添加文本"/>
-  <p:tag name="KSO_WM_BEAUTIFY_FLAG" val="#wm#"/>
-  <p:tag name="KSO_WM_DIAGRAM_GROUP_CODE" val="第五组"/>
-  <p:tag name="KSO_WM_UNIT_LINE_FORE_SCHEMECOLOR_INDEX" val="14"/>
-  <p:tag name="KSO_WM_UNIT_LINE_FILL_TYPE" val="2"/>
-  <p:tag name="KSO_WM_UNIT_TEXT_FILL_FORE_SCHEMECOLOR_INDEX" val="13"/>
-  <p:tag name="KSO_WM_UNIT_TEXT_FILL_TYPE" val="1"/>
-  <p:tag name="KSO_WM_UNIT_USESOURCEFORMAT_APPLY" val="0"/>
-</p:tagLst>
-</file>
-
 <file path=ppt/tags/tag20.xml><?xml version="1.0" encoding="utf-8"?>
 <p:tagLst xmlns:p="http://schemas.openxmlformats.org/presentationml/2006/main">
   <p:tag name="KSO_WM_TAG_VERSION" val="1.0"/>
   <p:tag name="KSO_WM_TEMPLATE_CATEGORY" val="preset"/>
   <p:tag name="KSO_WM_TEMPLATE_INDEX" val="1"/>
-  <p:tag name="KSO_WM_UNIT_TYPE" val="l_h_f"/>
-  <p:tag name="KSO_WM_UNIT_INDEX" val="1_2_1"/>
-  <p:tag name="KSO_WM_UNIT_ID" val="150995249*l_h_f*1_2_1"/>
+  <p:tag name="KSO_WM_UNIT_TYPE" val="a"/>
+  <p:tag name="KSO_WM_UNIT_INDEX" val="1"/>
+  <p:tag name="KSO_WM_UNIT_ID" val="150995249*a*1"/>
   <p:tag name="KSO_WM_UNIT_CLEAR" val="1"/>
-  <p:tag name="KSO_WM_UNIT_LAYERLEVEL" val="1_1_1"/>
+  <p:tag name="KSO_WM_UNIT_LAYERLEVEL" val="1"/>
+  <p:tag name="KSO_WM_UNIT_ISCONTENTSTITLE" val="1"/>
   <p:tag name="KSO_WM_UNIT_VALUE" val="40"/>
   <p:tag name="KSO_WM_UNIT_HIGHLIGHT" val="0"/>
   <p:tag name="KSO_WM_UNIT_COMPATIBLE" val="0"/>
-  <p:tag name="KSO_WM_UNIT_PRESET_TEXT" val="请在此处添加文本"/>
+  <p:tag name="KSO_WM_UNIT_PRESET_TEXT" val="请在此处添加标题"/>
   <p:tag name="KSO_WM_BEAUTIFY_FLAG" val="#wm#"/>
-  <p:tag name="KSO_WM_DIAGRAM_GROUP_CODE" val="第五组"/>
-  <p:tag name="KSO_WM_UNIT_LINE_FORE_SCHEMECOLOR_INDEX" val="14"/>
-  <p:tag name="KSO_WM_UNIT_LINE_FILL_TYPE" val="2"/>
-  <p:tag name="KSO_WM_UNIT_TEXT_FILL_FORE_SCHEMECOLOR_INDEX" val="13"/>
-  <p:tag name="KSO_WM_UNIT_TEXT_FILL_TYPE" val="1"/>
-  <p:tag name="KSO_WM_UNIT_USESOURCEFORMAT_APPLY" val="0"/>
 </p:tagLst>
 </file>
 
@@ -6561,29 +10875,40 @@
 
 <file path=ppt/tags/tag22.xml><?xml version="1.0" encoding="utf-8"?>
 <p:tagLst xmlns:p="http://schemas.openxmlformats.org/presentationml/2006/main">
-  <p:tag name="KSO_WM_TAG_VERSION" val="1.0"/>
+  <p:tag name="KSO_WM_SLIDE_ID" val="150995249"/>
+  <p:tag name="KSO_WM_SLIDE_INDEX" val="26"/>
+  <p:tag name="KSO_WM_SLIDE_ITEM_CNT" val="4"/>
+  <p:tag name="KSO_WM_SLIDE_LAYOUT" val="a_l"/>
+  <p:tag name="KSO_WM_SLIDE_LAYOUT_CNT" val="1_1"/>
+  <p:tag name="KSO_WM_SLIDE_TYPE" val="contents"/>
+  <p:tag name="KSO_WM_BEAUTIFY_FLAG" val="#wm#"/>
   <p:tag name="KSO_WM_TEMPLATE_CATEGORY" val="preset"/>
   <p:tag name="KSO_WM_TEMPLATE_INDEX" val="1"/>
-  <p:tag name="KSO_WM_UNIT_TYPE" val="l_h_f"/>
-  <p:tag name="KSO_WM_UNIT_INDEX" val="1_2_1"/>
-  <p:tag name="KSO_WM_UNIT_ID" val="150995249*l_h_f*1_2_1"/>
-  <p:tag name="KSO_WM_UNIT_CLEAR" val="1"/>
-  <p:tag name="KSO_WM_UNIT_LAYERLEVEL" val="1_1_1"/>
-  <p:tag name="KSO_WM_UNIT_VALUE" val="40"/>
-  <p:tag name="KSO_WM_UNIT_HIGHLIGHT" val="0"/>
-  <p:tag name="KSO_WM_UNIT_COMPATIBLE" val="0"/>
-  <p:tag name="KSO_WM_UNIT_PRESET_TEXT" val="请在此处添加文本"/>
-  <p:tag name="KSO_WM_BEAUTIFY_FLAG" val="#wm#"/>
+  <p:tag name="KSO_WM_TAG_VERSION" val="1.0"/>
   <p:tag name="KSO_WM_DIAGRAM_GROUP_CODE" val="第五组"/>
-  <p:tag name="KSO_WM_UNIT_LINE_FORE_SCHEMECOLOR_INDEX" val="14"/>
-  <p:tag name="KSO_WM_UNIT_LINE_FILL_TYPE" val="2"/>
-  <p:tag name="KSO_WM_UNIT_TEXT_FILL_FORE_SCHEMECOLOR_INDEX" val="13"/>
-  <p:tag name="KSO_WM_UNIT_TEXT_FILL_TYPE" val="1"/>
-  <p:tag name="KSO_WM_UNIT_USESOURCEFORMAT_APPLY" val="0"/>
 </p:tagLst>
 </file>
 
 <file path=ppt/tags/tag23.xml><?xml version="1.0" encoding="utf-8"?>
+<p:tagLst xmlns:p="http://schemas.openxmlformats.org/presentationml/2006/main">
+  <p:tag name="KSO_WM_TAG_VERSION" val="1.0"/>
+  <p:tag name="KSO_WM_TEMPLATE_CATEGORY" val="preset"/>
+  <p:tag name="KSO_WM_TEMPLATE_INDEX" val="1"/>
+  <p:tag name="KSO_WM_UNIT_TYPE" val="a"/>
+  <p:tag name="KSO_WM_UNIT_INDEX" val="1"/>
+  <p:tag name="KSO_WM_UNIT_ID" val="150995249*a*1"/>
+  <p:tag name="KSO_WM_UNIT_CLEAR" val="1"/>
+  <p:tag name="KSO_WM_UNIT_LAYERLEVEL" val="1"/>
+  <p:tag name="KSO_WM_UNIT_ISCONTENTSTITLE" val="1"/>
+  <p:tag name="KSO_WM_UNIT_VALUE" val="40"/>
+  <p:tag name="KSO_WM_UNIT_HIGHLIGHT" val="0"/>
+  <p:tag name="KSO_WM_UNIT_COMPATIBLE" val="0"/>
+  <p:tag name="KSO_WM_UNIT_PRESET_TEXT" val="请在此处添加标题"/>
+  <p:tag name="KSO_WM_BEAUTIFY_FLAG" val="#wm#"/>
+</p:tagLst>
+</file>
+
+<file path=ppt/tags/tag24.xml><?xml version="1.0" encoding="utf-8"?>
 <p:tagLst xmlns:p="http://schemas.openxmlformats.org/presentationml/2006/main">
   <p:tag name="KSO_WM_TAG_VERSION" val="1.0"/>
   <p:tag name="KSO_WM_TEMPLATE_CATEGORY" val="preset"/>
@@ -6607,7 +10932,7 @@
 </p:tagLst>
 </file>
 
-<file path=ppt/tags/tag24.xml><?xml version="1.0" encoding="utf-8"?>
+<file path=ppt/tags/tag25.xml><?xml version="1.0" encoding="utf-8"?>
 <p:tagLst xmlns:p="http://schemas.openxmlformats.org/presentationml/2006/main">
   <p:tag name="KSO_WM_SLIDE_ID" val="150995249"/>
   <p:tag name="KSO_WM_SLIDE_INDEX" val="26"/>
@@ -6623,7 +10948,7 @@
 </p:tagLst>
 </file>
 
-<file path=ppt/tags/tag25.xml><?xml version="1.0" encoding="utf-8"?>
+<file path=ppt/tags/tag26.xml><?xml version="1.0" encoding="utf-8"?>
 <p:tagLst xmlns:p="http://schemas.openxmlformats.org/presentationml/2006/main">
   <p:tag name="KSO_WM_TAG_VERSION" val="1.0"/>
   <p:tag name="KSO_WM_TEMPLATE_CATEGORY" val="preset"/>
@@ -6642,14 +10967,14 @@
 </p:tagLst>
 </file>
 
-<file path=ppt/tags/tag26.xml><?xml version="1.0" encoding="utf-8"?>
+<file path=ppt/tags/tag27.xml><?xml version="1.0" encoding="utf-8"?>
 <p:tagLst xmlns:p="http://schemas.openxmlformats.org/presentationml/2006/main">
   <p:tag name="KSO_WM_TAG_VERSION" val="1.0"/>
   <p:tag name="KSO_WM_TEMPLATE_CATEGORY" val="preset"/>
   <p:tag name="KSO_WM_TEMPLATE_INDEX" val="1"/>
   <p:tag name="KSO_WM_UNIT_TYPE" val="l_h_f"/>
-  <p:tag name="KSO_WM_UNIT_INDEX" val="1_1_1"/>
-  <p:tag name="KSO_WM_UNIT_ID" val="150995249*l_h_f*1_1_1"/>
+  <p:tag name="KSO_WM_UNIT_INDEX" val="1_2_1"/>
+  <p:tag name="KSO_WM_UNIT_ID" val="150995249*l_h_f*1_2_1"/>
   <p:tag name="KSO_WM_UNIT_CLEAR" val="1"/>
   <p:tag name="KSO_WM_UNIT_LAYERLEVEL" val="1_1_1"/>
   <p:tag name="KSO_WM_UNIT_VALUE" val="40"/>
@@ -6666,7 +10991,7 @@
 </p:tagLst>
 </file>
 
-<file path=ppt/tags/tag27.xml><?xml version="1.0" encoding="utf-8"?>
+<file path=ppt/tags/tag28.xml><?xml version="1.0" encoding="utf-8"?>
 <p:tagLst xmlns:p="http://schemas.openxmlformats.org/presentationml/2006/main">
   <p:tag name="KSO_WM_SLIDE_ID" val="150995249"/>
   <p:tag name="KSO_WM_SLIDE_INDEX" val="26"/>
@@ -6682,7 +11007,7 @@
 </p:tagLst>
 </file>
 
-<file path=ppt/tags/tag28.xml><?xml version="1.0" encoding="utf-8"?>
+<file path=ppt/tags/tag29.xml><?xml version="1.0" encoding="utf-8"?>
 <p:tagLst xmlns:p="http://schemas.openxmlformats.org/presentationml/2006/main">
   <p:tag name="KSO_WM_TAG_VERSION" val="1.0"/>
   <p:tag name="KSO_WM_TEMPLATE_CATEGORY" val="preset"/>
@@ -6698,30 +11023,6 @@
   <p:tag name="KSO_WM_UNIT_COMPATIBLE" val="0"/>
   <p:tag name="KSO_WM_UNIT_PRESET_TEXT" val="请在此处添加标题"/>
   <p:tag name="KSO_WM_BEAUTIFY_FLAG" val="#wm#"/>
-</p:tagLst>
-</file>
-
-<file path=ppt/tags/tag29.xml><?xml version="1.0" encoding="utf-8"?>
-<p:tagLst xmlns:p="http://schemas.openxmlformats.org/presentationml/2006/main">
-  <p:tag name="KSO_WM_TAG_VERSION" val="1.0"/>
-  <p:tag name="KSO_WM_TEMPLATE_CATEGORY" val="preset"/>
-  <p:tag name="KSO_WM_TEMPLATE_INDEX" val="1"/>
-  <p:tag name="KSO_WM_UNIT_TYPE" val="l_h_f"/>
-  <p:tag name="KSO_WM_UNIT_INDEX" val="1_1_1"/>
-  <p:tag name="KSO_WM_UNIT_ID" val="150995249*l_h_f*1_1_1"/>
-  <p:tag name="KSO_WM_UNIT_CLEAR" val="1"/>
-  <p:tag name="KSO_WM_UNIT_LAYERLEVEL" val="1_1_1"/>
-  <p:tag name="KSO_WM_UNIT_VALUE" val="40"/>
-  <p:tag name="KSO_WM_UNIT_HIGHLIGHT" val="0"/>
-  <p:tag name="KSO_WM_UNIT_COMPATIBLE" val="0"/>
-  <p:tag name="KSO_WM_UNIT_PRESET_TEXT" val="请在此处添加文本"/>
-  <p:tag name="KSO_WM_BEAUTIFY_FLAG" val="#wm#"/>
-  <p:tag name="KSO_WM_DIAGRAM_GROUP_CODE" val="第五组"/>
-  <p:tag name="KSO_WM_UNIT_LINE_FORE_SCHEMECOLOR_INDEX" val="14"/>
-  <p:tag name="KSO_WM_UNIT_LINE_FILL_TYPE" val="2"/>
-  <p:tag name="KSO_WM_UNIT_TEXT_FILL_FORE_SCHEMECOLOR_INDEX" val="13"/>
-  <p:tag name="KSO_WM_UNIT_TEXT_FILL_TYPE" val="1"/>
-  <p:tag name="KSO_WM_UNIT_USESOURCEFORMAT_APPLY" val="0"/>
 </p:tagLst>
 </file>
 
@@ -6751,21 +11052,29 @@
 
 <file path=ppt/tags/tag30.xml><?xml version="1.0" encoding="utf-8"?>
 <p:tagLst xmlns:p="http://schemas.openxmlformats.org/presentationml/2006/main">
-  <p:tag name="KSO_WM_SLIDE_ID" val="150995249"/>
-  <p:tag name="KSO_WM_SLIDE_INDEX" val="26"/>
-  <p:tag name="KSO_WM_SLIDE_ITEM_CNT" val="4"/>
-  <p:tag name="KSO_WM_SLIDE_LAYOUT" val="a_l"/>
-  <p:tag name="KSO_WM_SLIDE_LAYOUT_CNT" val="1_1"/>
-  <p:tag name="KSO_WM_SLIDE_TYPE" val="contents"/>
-  <p:tag name="KSO_WM_BEAUTIFY_FLAG" val="#wm#"/>
+  <p:tag name="KSO_WM_TAG_VERSION" val="1.0"/>
   <p:tag name="KSO_WM_TEMPLATE_CATEGORY" val="preset"/>
   <p:tag name="KSO_WM_TEMPLATE_INDEX" val="1"/>
-  <p:tag name="KSO_WM_TAG_VERSION" val="1.0"/>
+  <p:tag name="KSO_WM_UNIT_TYPE" val="l_h_f"/>
+  <p:tag name="KSO_WM_UNIT_INDEX" val="1_2_1"/>
+  <p:tag name="KSO_WM_UNIT_ID" val="150995249*l_h_f*1_2_1"/>
+  <p:tag name="KSO_WM_UNIT_CLEAR" val="1"/>
+  <p:tag name="KSO_WM_UNIT_LAYERLEVEL" val="1_1_1"/>
+  <p:tag name="KSO_WM_UNIT_VALUE" val="40"/>
+  <p:tag name="KSO_WM_UNIT_HIGHLIGHT" val="0"/>
+  <p:tag name="KSO_WM_UNIT_COMPATIBLE" val="0"/>
+  <p:tag name="KSO_WM_UNIT_PRESET_TEXT" val="请在此处添加文本"/>
+  <p:tag name="KSO_WM_BEAUTIFY_FLAG" val="#wm#"/>
   <p:tag name="KSO_WM_DIAGRAM_GROUP_CODE" val="第五组"/>
+  <p:tag name="KSO_WM_UNIT_LINE_FORE_SCHEMECOLOR_INDEX" val="14"/>
+  <p:tag name="KSO_WM_UNIT_LINE_FILL_TYPE" val="2"/>
+  <p:tag name="KSO_WM_UNIT_TEXT_FILL_FORE_SCHEMECOLOR_INDEX" val="13"/>
+  <p:tag name="KSO_WM_UNIT_TEXT_FILL_TYPE" val="1"/>
+  <p:tag name="KSO_WM_UNIT_USESOURCEFORMAT_APPLY" val="0"/>
 </p:tagLst>
 </file>
 
-<file path=ppt/tags/tag4.xml><?xml version="1.0" encoding="utf-8"?>
+<file path=ppt/tags/tag31.xml><?xml version="1.0" encoding="utf-8"?>
 <p:tagLst xmlns:p="http://schemas.openxmlformats.org/presentationml/2006/main">
   <p:tag name="KSO_WM_SLIDE_ID" val="150995249"/>
   <p:tag name="KSO_WM_SLIDE_INDEX" val="26"/>
@@ -6781,7 +11090,7 @@
 </p:tagLst>
 </file>
 
-<file path=ppt/tags/tag5.xml><?xml version="1.0" encoding="utf-8"?>
+<file path=ppt/tags/tag32.xml><?xml version="1.0" encoding="utf-8"?>
 <p:tagLst xmlns:p="http://schemas.openxmlformats.org/presentationml/2006/main">
   <p:tag name="KSO_WM_TAG_VERSION" val="1.0"/>
   <p:tag name="KSO_WM_TEMPLATE_CATEGORY" val="preset"/>
@@ -6800,14 +11109,14 @@
 </p:tagLst>
 </file>
 
-<file path=ppt/tags/tag6.xml><?xml version="1.0" encoding="utf-8"?>
+<file path=ppt/tags/tag33.xml><?xml version="1.0" encoding="utf-8"?>
 <p:tagLst xmlns:p="http://schemas.openxmlformats.org/presentationml/2006/main">
   <p:tag name="KSO_WM_TAG_VERSION" val="1.0"/>
   <p:tag name="KSO_WM_TEMPLATE_CATEGORY" val="preset"/>
   <p:tag name="KSO_WM_TEMPLATE_INDEX" val="1"/>
   <p:tag name="KSO_WM_UNIT_TYPE" val="l_h_f"/>
-  <p:tag name="KSO_WM_UNIT_INDEX" val="1_1_1"/>
-  <p:tag name="KSO_WM_UNIT_ID" val="150995249*l_h_f*1_1_1"/>
+  <p:tag name="KSO_WM_UNIT_INDEX" val="1_2_1"/>
+  <p:tag name="KSO_WM_UNIT_ID" val="150995249*l_h_f*1_2_1"/>
   <p:tag name="KSO_WM_UNIT_CLEAR" val="1"/>
   <p:tag name="KSO_WM_UNIT_LAYERLEVEL" val="1_1_1"/>
   <p:tag name="KSO_WM_UNIT_VALUE" val="40"/>
@@ -6821,6 +11130,553 @@
   <p:tag name="KSO_WM_UNIT_TEXT_FILL_FORE_SCHEMECOLOR_INDEX" val="13"/>
   <p:tag name="KSO_WM_UNIT_TEXT_FILL_TYPE" val="1"/>
   <p:tag name="KSO_WM_UNIT_USESOURCEFORMAT_APPLY" val="0"/>
+</p:tagLst>
+</file>
+
+<file path=ppt/tags/tag34.xml><?xml version="1.0" encoding="utf-8"?>
+<p:tagLst xmlns:p="http://schemas.openxmlformats.org/presentationml/2006/main">
+  <p:tag name="KSO_WM_SLIDE_ID" val="150995249"/>
+  <p:tag name="KSO_WM_SLIDE_INDEX" val="26"/>
+  <p:tag name="KSO_WM_SLIDE_ITEM_CNT" val="4"/>
+  <p:tag name="KSO_WM_SLIDE_LAYOUT" val="a_l"/>
+  <p:tag name="KSO_WM_SLIDE_LAYOUT_CNT" val="1_1"/>
+  <p:tag name="KSO_WM_SLIDE_TYPE" val="contents"/>
+  <p:tag name="KSO_WM_BEAUTIFY_FLAG" val="#wm#"/>
+  <p:tag name="KSO_WM_TEMPLATE_CATEGORY" val="preset"/>
+  <p:tag name="KSO_WM_TEMPLATE_INDEX" val="1"/>
+  <p:tag name="KSO_WM_TAG_VERSION" val="1.0"/>
+  <p:tag name="KSO_WM_DIAGRAM_GROUP_CODE" val="第五组"/>
+</p:tagLst>
+</file>
+
+<file path=ppt/tags/tag35.xml><?xml version="1.0" encoding="utf-8"?>
+<p:tagLst xmlns:p="http://schemas.openxmlformats.org/presentationml/2006/main">
+  <p:tag name="KSO_WM_TAG_VERSION" val="1.0"/>
+  <p:tag name="KSO_WM_TEMPLATE_CATEGORY" val="preset"/>
+  <p:tag name="KSO_WM_TEMPLATE_INDEX" val="1"/>
+  <p:tag name="KSO_WM_UNIT_TYPE" val="a"/>
+  <p:tag name="KSO_WM_UNIT_INDEX" val="1"/>
+  <p:tag name="KSO_WM_UNIT_ID" val="150995249*a*1"/>
+  <p:tag name="KSO_WM_UNIT_CLEAR" val="1"/>
+  <p:tag name="KSO_WM_UNIT_LAYERLEVEL" val="1"/>
+  <p:tag name="KSO_WM_UNIT_ISCONTENTSTITLE" val="1"/>
+  <p:tag name="KSO_WM_UNIT_VALUE" val="40"/>
+  <p:tag name="KSO_WM_UNIT_HIGHLIGHT" val="0"/>
+  <p:tag name="KSO_WM_UNIT_COMPATIBLE" val="0"/>
+  <p:tag name="KSO_WM_UNIT_PRESET_TEXT" val="请在此处添加标题"/>
+  <p:tag name="KSO_WM_BEAUTIFY_FLAG" val="#wm#"/>
+</p:tagLst>
+</file>
+
+<file path=ppt/tags/tag36.xml><?xml version="1.0" encoding="utf-8"?>
+<p:tagLst xmlns:p="http://schemas.openxmlformats.org/presentationml/2006/main">
+  <p:tag name="KSO_WM_TAG_VERSION" val="1.0"/>
+  <p:tag name="KSO_WM_TEMPLATE_CATEGORY" val="preset"/>
+  <p:tag name="KSO_WM_TEMPLATE_INDEX" val="1"/>
+  <p:tag name="KSO_WM_UNIT_TYPE" val="l_h_f"/>
+  <p:tag name="KSO_WM_UNIT_INDEX" val="1_2_1"/>
+  <p:tag name="KSO_WM_UNIT_ID" val="150995249*l_h_f*1_2_1"/>
+  <p:tag name="KSO_WM_UNIT_CLEAR" val="1"/>
+  <p:tag name="KSO_WM_UNIT_LAYERLEVEL" val="1_1_1"/>
+  <p:tag name="KSO_WM_UNIT_VALUE" val="40"/>
+  <p:tag name="KSO_WM_UNIT_HIGHLIGHT" val="0"/>
+  <p:tag name="KSO_WM_UNIT_COMPATIBLE" val="0"/>
+  <p:tag name="KSO_WM_UNIT_PRESET_TEXT" val="请在此处添加文本"/>
+  <p:tag name="KSO_WM_BEAUTIFY_FLAG" val="#wm#"/>
+  <p:tag name="KSO_WM_DIAGRAM_GROUP_CODE" val="第五组"/>
+  <p:tag name="KSO_WM_UNIT_LINE_FORE_SCHEMECOLOR_INDEX" val="14"/>
+  <p:tag name="KSO_WM_UNIT_LINE_FILL_TYPE" val="2"/>
+  <p:tag name="KSO_WM_UNIT_TEXT_FILL_FORE_SCHEMECOLOR_INDEX" val="13"/>
+  <p:tag name="KSO_WM_UNIT_TEXT_FILL_TYPE" val="1"/>
+  <p:tag name="KSO_WM_UNIT_USESOURCEFORMAT_APPLY" val="0"/>
+</p:tagLst>
+</file>
+
+<file path=ppt/tags/tag37.xml><?xml version="1.0" encoding="utf-8"?>
+<p:tagLst xmlns:p="http://schemas.openxmlformats.org/presentationml/2006/main">
+  <p:tag name="KSO_WM_SLIDE_ID" val="150995249"/>
+  <p:tag name="KSO_WM_SLIDE_INDEX" val="26"/>
+  <p:tag name="KSO_WM_SLIDE_ITEM_CNT" val="4"/>
+  <p:tag name="KSO_WM_SLIDE_LAYOUT" val="a_l"/>
+  <p:tag name="KSO_WM_SLIDE_LAYOUT_CNT" val="1_1"/>
+  <p:tag name="KSO_WM_SLIDE_TYPE" val="contents"/>
+  <p:tag name="KSO_WM_BEAUTIFY_FLAG" val="#wm#"/>
+  <p:tag name="KSO_WM_TEMPLATE_CATEGORY" val="preset"/>
+  <p:tag name="KSO_WM_TEMPLATE_INDEX" val="1"/>
+  <p:tag name="KSO_WM_TAG_VERSION" val="1.0"/>
+  <p:tag name="KSO_WM_DIAGRAM_GROUP_CODE" val="第五组"/>
+</p:tagLst>
+</file>
+
+<file path=ppt/tags/tag38.xml><?xml version="1.0" encoding="utf-8"?>
+<p:tagLst xmlns:p="http://schemas.openxmlformats.org/presentationml/2006/main">
+  <p:tag name="KSO_WM_TAG_VERSION" val="1.0"/>
+  <p:tag name="KSO_WM_TEMPLATE_CATEGORY" val="preset"/>
+  <p:tag name="KSO_WM_TEMPLATE_INDEX" val="1"/>
+  <p:tag name="KSO_WM_UNIT_TYPE" val="a"/>
+  <p:tag name="KSO_WM_UNIT_INDEX" val="1"/>
+  <p:tag name="KSO_WM_UNIT_ID" val="150995249*a*1"/>
+  <p:tag name="KSO_WM_UNIT_CLEAR" val="1"/>
+  <p:tag name="KSO_WM_UNIT_LAYERLEVEL" val="1"/>
+  <p:tag name="KSO_WM_UNIT_ISCONTENTSTITLE" val="1"/>
+  <p:tag name="KSO_WM_UNIT_VALUE" val="40"/>
+  <p:tag name="KSO_WM_UNIT_HIGHLIGHT" val="0"/>
+  <p:tag name="KSO_WM_UNIT_COMPATIBLE" val="0"/>
+  <p:tag name="KSO_WM_UNIT_PRESET_TEXT" val="请在此处添加标题"/>
+  <p:tag name="KSO_WM_BEAUTIFY_FLAG" val="#wm#"/>
+</p:tagLst>
+</file>
+
+<file path=ppt/tags/tag39.xml><?xml version="1.0" encoding="utf-8"?>
+<p:tagLst xmlns:p="http://schemas.openxmlformats.org/presentationml/2006/main">
+  <p:tag name="KSO_WM_TAG_VERSION" val="1.0"/>
+  <p:tag name="KSO_WM_TEMPLATE_CATEGORY" val="preset"/>
+  <p:tag name="KSO_WM_TEMPLATE_INDEX" val="1"/>
+  <p:tag name="KSO_WM_UNIT_TYPE" val="l_h_f"/>
+  <p:tag name="KSO_WM_UNIT_INDEX" val="1_2_1"/>
+  <p:tag name="KSO_WM_UNIT_ID" val="150995249*l_h_f*1_2_1"/>
+  <p:tag name="KSO_WM_UNIT_CLEAR" val="1"/>
+  <p:tag name="KSO_WM_UNIT_LAYERLEVEL" val="1_1_1"/>
+  <p:tag name="KSO_WM_UNIT_VALUE" val="40"/>
+  <p:tag name="KSO_WM_UNIT_HIGHLIGHT" val="0"/>
+  <p:tag name="KSO_WM_UNIT_COMPATIBLE" val="0"/>
+  <p:tag name="KSO_WM_UNIT_PRESET_TEXT" val="请在此处添加文本"/>
+  <p:tag name="KSO_WM_BEAUTIFY_FLAG" val="#wm#"/>
+  <p:tag name="KSO_WM_DIAGRAM_GROUP_CODE" val="第五组"/>
+  <p:tag name="KSO_WM_UNIT_LINE_FORE_SCHEMECOLOR_INDEX" val="14"/>
+  <p:tag name="KSO_WM_UNIT_LINE_FILL_TYPE" val="2"/>
+  <p:tag name="KSO_WM_UNIT_TEXT_FILL_FORE_SCHEMECOLOR_INDEX" val="13"/>
+  <p:tag name="KSO_WM_UNIT_TEXT_FILL_TYPE" val="1"/>
+  <p:tag name="KSO_WM_UNIT_USESOURCEFORMAT_APPLY" val="0"/>
+</p:tagLst>
+</file>
+
+<file path=ppt/tags/tag4.xml><?xml version="1.0" encoding="utf-8"?>
+<p:tagLst xmlns:p="http://schemas.openxmlformats.org/presentationml/2006/main">
+  <p:tag name="KSO_WM_TAG_VERSION" val="1.0"/>
+  <p:tag name="KSO_WM_TEMPLATE_CATEGORY" val="preset"/>
+  <p:tag name="KSO_WM_TEMPLATE_INDEX" val="1"/>
+  <p:tag name="KSO_WM_UNIT_TYPE" val="l_h_f"/>
+  <p:tag name="KSO_WM_UNIT_INDEX" val="1_2_1"/>
+  <p:tag name="KSO_WM_UNIT_ID" val="150995249*l_h_f*1_2_1"/>
+  <p:tag name="KSO_WM_UNIT_CLEAR" val="1"/>
+  <p:tag name="KSO_WM_UNIT_LAYERLEVEL" val="1_1_1"/>
+  <p:tag name="KSO_WM_UNIT_VALUE" val="40"/>
+  <p:tag name="KSO_WM_UNIT_HIGHLIGHT" val="0"/>
+  <p:tag name="KSO_WM_UNIT_COMPATIBLE" val="0"/>
+  <p:tag name="KSO_WM_UNIT_PRESET_TEXT" val="请在此处添加文本"/>
+  <p:tag name="KSO_WM_BEAUTIFY_FLAG" val="#wm#"/>
+  <p:tag name="KSO_WM_DIAGRAM_GROUP_CODE" val="第五组"/>
+  <p:tag name="KSO_WM_UNIT_LINE_FORE_SCHEMECOLOR_INDEX" val="14"/>
+  <p:tag name="KSO_WM_UNIT_LINE_FILL_TYPE" val="2"/>
+  <p:tag name="KSO_WM_UNIT_TEXT_FILL_FORE_SCHEMECOLOR_INDEX" val="13"/>
+  <p:tag name="KSO_WM_UNIT_TEXT_FILL_TYPE" val="1"/>
+  <p:tag name="KSO_WM_UNIT_USESOURCEFORMAT_APPLY" val="0"/>
+</p:tagLst>
+</file>
+
+<file path=ppt/tags/tag40.xml><?xml version="1.0" encoding="utf-8"?>
+<p:tagLst xmlns:p="http://schemas.openxmlformats.org/presentationml/2006/main">
+  <p:tag name="KSO_WM_SLIDE_ID" val="150995249"/>
+  <p:tag name="KSO_WM_SLIDE_INDEX" val="26"/>
+  <p:tag name="KSO_WM_SLIDE_ITEM_CNT" val="4"/>
+  <p:tag name="KSO_WM_SLIDE_LAYOUT" val="a_l"/>
+  <p:tag name="KSO_WM_SLIDE_LAYOUT_CNT" val="1_1"/>
+  <p:tag name="KSO_WM_SLIDE_TYPE" val="contents"/>
+  <p:tag name="KSO_WM_BEAUTIFY_FLAG" val="#wm#"/>
+  <p:tag name="KSO_WM_TEMPLATE_CATEGORY" val="preset"/>
+  <p:tag name="KSO_WM_TEMPLATE_INDEX" val="1"/>
+  <p:tag name="KSO_WM_TAG_VERSION" val="1.0"/>
+  <p:tag name="KSO_WM_DIAGRAM_GROUP_CODE" val="第五组"/>
+</p:tagLst>
+</file>
+
+<file path=ppt/tags/tag41.xml><?xml version="1.0" encoding="utf-8"?>
+<p:tagLst xmlns:p="http://schemas.openxmlformats.org/presentationml/2006/main">
+  <p:tag name="KSO_WM_TAG_VERSION" val="1.0"/>
+  <p:tag name="KSO_WM_TEMPLATE_CATEGORY" val="preset"/>
+  <p:tag name="KSO_WM_TEMPLATE_INDEX" val="1"/>
+  <p:tag name="KSO_WM_UNIT_TYPE" val="a"/>
+  <p:tag name="KSO_WM_UNIT_INDEX" val="1"/>
+  <p:tag name="KSO_WM_UNIT_ID" val="150995249*a*1"/>
+  <p:tag name="KSO_WM_UNIT_CLEAR" val="1"/>
+  <p:tag name="KSO_WM_UNIT_LAYERLEVEL" val="1"/>
+  <p:tag name="KSO_WM_UNIT_ISCONTENTSTITLE" val="1"/>
+  <p:tag name="KSO_WM_UNIT_VALUE" val="40"/>
+  <p:tag name="KSO_WM_UNIT_HIGHLIGHT" val="0"/>
+  <p:tag name="KSO_WM_UNIT_COMPATIBLE" val="0"/>
+  <p:tag name="KSO_WM_UNIT_PRESET_TEXT" val="请在此处添加标题"/>
+  <p:tag name="KSO_WM_BEAUTIFY_FLAG" val="#wm#"/>
+</p:tagLst>
+</file>
+
+<file path=ppt/tags/tag42.xml><?xml version="1.0" encoding="utf-8"?>
+<p:tagLst xmlns:p="http://schemas.openxmlformats.org/presentationml/2006/main">
+  <p:tag name="KSO_WM_TAG_VERSION" val="1.0"/>
+  <p:tag name="KSO_WM_TEMPLATE_CATEGORY" val="preset"/>
+  <p:tag name="KSO_WM_TEMPLATE_INDEX" val="1"/>
+  <p:tag name="KSO_WM_UNIT_TYPE" val="l_h_f"/>
+  <p:tag name="KSO_WM_UNIT_INDEX" val="1_2_1"/>
+  <p:tag name="KSO_WM_UNIT_ID" val="150995249*l_h_f*1_2_1"/>
+  <p:tag name="KSO_WM_UNIT_CLEAR" val="1"/>
+  <p:tag name="KSO_WM_UNIT_LAYERLEVEL" val="1_1_1"/>
+  <p:tag name="KSO_WM_UNIT_VALUE" val="40"/>
+  <p:tag name="KSO_WM_UNIT_HIGHLIGHT" val="0"/>
+  <p:tag name="KSO_WM_UNIT_COMPATIBLE" val="0"/>
+  <p:tag name="KSO_WM_UNIT_PRESET_TEXT" val="请在此处添加文本"/>
+  <p:tag name="KSO_WM_BEAUTIFY_FLAG" val="#wm#"/>
+  <p:tag name="KSO_WM_DIAGRAM_GROUP_CODE" val="第五组"/>
+  <p:tag name="KSO_WM_UNIT_LINE_FORE_SCHEMECOLOR_INDEX" val="14"/>
+  <p:tag name="KSO_WM_UNIT_LINE_FILL_TYPE" val="2"/>
+  <p:tag name="KSO_WM_UNIT_TEXT_FILL_FORE_SCHEMECOLOR_INDEX" val="13"/>
+  <p:tag name="KSO_WM_UNIT_TEXT_FILL_TYPE" val="1"/>
+  <p:tag name="KSO_WM_UNIT_USESOURCEFORMAT_APPLY" val="0"/>
+</p:tagLst>
+</file>
+
+<file path=ppt/tags/tag43.xml><?xml version="1.0" encoding="utf-8"?>
+<p:tagLst xmlns:p="http://schemas.openxmlformats.org/presentationml/2006/main">
+  <p:tag name="KSO_WM_SLIDE_ID" val="150995249"/>
+  <p:tag name="KSO_WM_SLIDE_INDEX" val="26"/>
+  <p:tag name="KSO_WM_SLIDE_ITEM_CNT" val="4"/>
+  <p:tag name="KSO_WM_SLIDE_LAYOUT" val="a_l"/>
+  <p:tag name="KSO_WM_SLIDE_LAYOUT_CNT" val="1_1"/>
+  <p:tag name="KSO_WM_SLIDE_TYPE" val="contents"/>
+  <p:tag name="KSO_WM_BEAUTIFY_FLAG" val="#wm#"/>
+  <p:tag name="KSO_WM_TEMPLATE_CATEGORY" val="preset"/>
+  <p:tag name="KSO_WM_TEMPLATE_INDEX" val="1"/>
+  <p:tag name="KSO_WM_TAG_VERSION" val="1.0"/>
+  <p:tag name="KSO_WM_DIAGRAM_GROUP_CODE" val="第五组"/>
+</p:tagLst>
+</file>
+
+<file path=ppt/tags/tag44.xml><?xml version="1.0" encoding="utf-8"?>
+<p:tagLst xmlns:p="http://schemas.openxmlformats.org/presentationml/2006/main">
+  <p:tag name="KSO_WM_TAG_VERSION" val="1.0"/>
+  <p:tag name="KSO_WM_TEMPLATE_CATEGORY" val="preset"/>
+  <p:tag name="KSO_WM_TEMPLATE_INDEX" val="1"/>
+  <p:tag name="KSO_WM_UNIT_TYPE" val="a"/>
+  <p:tag name="KSO_WM_UNIT_INDEX" val="1"/>
+  <p:tag name="KSO_WM_UNIT_ID" val="150995249*a*1"/>
+  <p:tag name="KSO_WM_UNIT_CLEAR" val="1"/>
+  <p:tag name="KSO_WM_UNIT_LAYERLEVEL" val="1"/>
+  <p:tag name="KSO_WM_UNIT_ISCONTENTSTITLE" val="1"/>
+  <p:tag name="KSO_WM_UNIT_VALUE" val="40"/>
+  <p:tag name="KSO_WM_UNIT_HIGHLIGHT" val="0"/>
+  <p:tag name="KSO_WM_UNIT_COMPATIBLE" val="0"/>
+  <p:tag name="KSO_WM_UNIT_PRESET_TEXT" val="请在此处添加标题"/>
+  <p:tag name="KSO_WM_BEAUTIFY_FLAG" val="#wm#"/>
+</p:tagLst>
+</file>
+
+<file path=ppt/tags/tag45.xml><?xml version="1.0" encoding="utf-8"?>
+<p:tagLst xmlns:p="http://schemas.openxmlformats.org/presentationml/2006/main">
+  <p:tag name="KSO_WM_TAG_VERSION" val="1.0"/>
+  <p:tag name="KSO_WM_TEMPLATE_CATEGORY" val="preset"/>
+  <p:tag name="KSO_WM_TEMPLATE_INDEX" val="1"/>
+  <p:tag name="KSO_WM_UNIT_TYPE" val="l_h_f"/>
+  <p:tag name="KSO_WM_UNIT_INDEX" val="1_2_1"/>
+  <p:tag name="KSO_WM_UNIT_ID" val="150995249*l_h_f*1_2_1"/>
+  <p:tag name="KSO_WM_UNIT_CLEAR" val="1"/>
+  <p:tag name="KSO_WM_UNIT_LAYERLEVEL" val="1_1_1"/>
+  <p:tag name="KSO_WM_UNIT_VALUE" val="40"/>
+  <p:tag name="KSO_WM_UNIT_HIGHLIGHT" val="0"/>
+  <p:tag name="KSO_WM_UNIT_COMPATIBLE" val="0"/>
+  <p:tag name="KSO_WM_UNIT_PRESET_TEXT" val="请在此处添加文本"/>
+  <p:tag name="KSO_WM_BEAUTIFY_FLAG" val="#wm#"/>
+  <p:tag name="KSO_WM_DIAGRAM_GROUP_CODE" val="第五组"/>
+  <p:tag name="KSO_WM_UNIT_LINE_FORE_SCHEMECOLOR_INDEX" val="14"/>
+  <p:tag name="KSO_WM_UNIT_LINE_FILL_TYPE" val="2"/>
+  <p:tag name="KSO_WM_UNIT_TEXT_FILL_FORE_SCHEMECOLOR_INDEX" val="13"/>
+  <p:tag name="KSO_WM_UNIT_TEXT_FILL_TYPE" val="1"/>
+  <p:tag name="KSO_WM_UNIT_USESOURCEFORMAT_APPLY" val="0"/>
+</p:tagLst>
+</file>
+
+<file path=ppt/tags/tag46.xml><?xml version="1.0" encoding="utf-8"?>
+<p:tagLst xmlns:p="http://schemas.openxmlformats.org/presentationml/2006/main">
+  <p:tag name="KSO_WM_SLIDE_ID" val="150995249"/>
+  <p:tag name="KSO_WM_SLIDE_INDEX" val="26"/>
+  <p:tag name="KSO_WM_SLIDE_ITEM_CNT" val="4"/>
+  <p:tag name="KSO_WM_SLIDE_LAYOUT" val="a_l"/>
+  <p:tag name="KSO_WM_SLIDE_LAYOUT_CNT" val="1_1"/>
+  <p:tag name="KSO_WM_SLIDE_TYPE" val="contents"/>
+  <p:tag name="KSO_WM_BEAUTIFY_FLAG" val="#wm#"/>
+  <p:tag name="KSO_WM_TEMPLATE_CATEGORY" val="preset"/>
+  <p:tag name="KSO_WM_TEMPLATE_INDEX" val="1"/>
+  <p:tag name="KSO_WM_TAG_VERSION" val="1.0"/>
+  <p:tag name="KSO_WM_DIAGRAM_GROUP_CODE" val="第五组"/>
+</p:tagLst>
+</file>
+
+<file path=ppt/tags/tag47.xml><?xml version="1.0" encoding="utf-8"?>
+<p:tagLst xmlns:p="http://schemas.openxmlformats.org/presentationml/2006/main">
+  <p:tag name="KSO_WM_TAG_VERSION" val="1.0"/>
+  <p:tag name="KSO_WM_TEMPLATE_CATEGORY" val="preset"/>
+  <p:tag name="KSO_WM_TEMPLATE_INDEX" val="1"/>
+  <p:tag name="KSO_WM_UNIT_TYPE" val="a"/>
+  <p:tag name="KSO_WM_UNIT_INDEX" val="1"/>
+  <p:tag name="KSO_WM_UNIT_ID" val="150995249*a*1"/>
+  <p:tag name="KSO_WM_UNIT_CLEAR" val="1"/>
+  <p:tag name="KSO_WM_UNIT_LAYERLEVEL" val="1"/>
+  <p:tag name="KSO_WM_UNIT_ISCONTENTSTITLE" val="1"/>
+  <p:tag name="KSO_WM_UNIT_VALUE" val="40"/>
+  <p:tag name="KSO_WM_UNIT_HIGHLIGHT" val="0"/>
+  <p:tag name="KSO_WM_UNIT_COMPATIBLE" val="0"/>
+  <p:tag name="KSO_WM_UNIT_PRESET_TEXT" val="请在此处添加标题"/>
+  <p:tag name="KSO_WM_BEAUTIFY_FLAG" val="#wm#"/>
+</p:tagLst>
+</file>
+
+<file path=ppt/tags/tag48.xml><?xml version="1.0" encoding="utf-8"?>
+<p:tagLst xmlns:p="http://schemas.openxmlformats.org/presentationml/2006/main">
+  <p:tag name="KSO_WM_TAG_VERSION" val="1.0"/>
+  <p:tag name="KSO_WM_TEMPLATE_CATEGORY" val="preset"/>
+  <p:tag name="KSO_WM_TEMPLATE_INDEX" val="1"/>
+  <p:tag name="KSO_WM_UNIT_TYPE" val="l_h_f"/>
+  <p:tag name="KSO_WM_UNIT_INDEX" val="1_2_1"/>
+  <p:tag name="KSO_WM_UNIT_ID" val="150995249*l_h_f*1_2_1"/>
+  <p:tag name="KSO_WM_UNIT_CLEAR" val="1"/>
+  <p:tag name="KSO_WM_UNIT_LAYERLEVEL" val="1_1_1"/>
+  <p:tag name="KSO_WM_UNIT_VALUE" val="40"/>
+  <p:tag name="KSO_WM_UNIT_HIGHLIGHT" val="0"/>
+  <p:tag name="KSO_WM_UNIT_COMPATIBLE" val="0"/>
+  <p:tag name="KSO_WM_UNIT_PRESET_TEXT" val="请在此处添加文本"/>
+  <p:tag name="KSO_WM_BEAUTIFY_FLAG" val="#wm#"/>
+  <p:tag name="KSO_WM_DIAGRAM_GROUP_CODE" val="第五组"/>
+  <p:tag name="KSO_WM_UNIT_LINE_FORE_SCHEMECOLOR_INDEX" val="14"/>
+  <p:tag name="KSO_WM_UNIT_LINE_FILL_TYPE" val="2"/>
+  <p:tag name="KSO_WM_UNIT_TEXT_FILL_FORE_SCHEMECOLOR_INDEX" val="13"/>
+  <p:tag name="KSO_WM_UNIT_TEXT_FILL_TYPE" val="1"/>
+  <p:tag name="KSO_WM_UNIT_USESOURCEFORMAT_APPLY" val="0"/>
+</p:tagLst>
+</file>
+
+<file path=ppt/tags/tag49.xml><?xml version="1.0" encoding="utf-8"?>
+<p:tagLst xmlns:p="http://schemas.openxmlformats.org/presentationml/2006/main">
+  <p:tag name="KSO_WM_SLIDE_ID" val="150995249"/>
+  <p:tag name="KSO_WM_SLIDE_INDEX" val="26"/>
+  <p:tag name="KSO_WM_SLIDE_ITEM_CNT" val="4"/>
+  <p:tag name="KSO_WM_SLIDE_LAYOUT" val="a_l"/>
+  <p:tag name="KSO_WM_SLIDE_LAYOUT_CNT" val="1_1"/>
+  <p:tag name="KSO_WM_SLIDE_TYPE" val="contents"/>
+  <p:tag name="KSO_WM_BEAUTIFY_FLAG" val="#wm#"/>
+  <p:tag name="KSO_WM_TEMPLATE_CATEGORY" val="preset"/>
+  <p:tag name="KSO_WM_TEMPLATE_INDEX" val="1"/>
+  <p:tag name="KSO_WM_TAG_VERSION" val="1.0"/>
+  <p:tag name="KSO_WM_DIAGRAM_GROUP_CODE" val="第五组"/>
+</p:tagLst>
+</file>
+
+<file path=ppt/tags/tag5.xml><?xml version="1.0" encoding="utf-8"?>
+<p:tagLst xmlns:p="http://schemas.openxmlformats.org/presentationml/2006/main">
+  <p:tag name="KSO_WM_SLIDE_ID" val="150995249"/>
+  <p:tag name="KSO_WM_SLIDE_INDEX" val="26"/>
+  <p:tag name="KSO_WM_SLIDE_ITEM_CNT" val="4"/>
+  <p:tag name="KSO_WM_SLIDE_LAYOUT" val="a_l"/>
+  <p:tag name="KSO_WM_SLIDE_LAYOUT_CNT" val="1_1"/>
+  <p:tag name="KSO_WM_SLIDE_TYPE" val="contents"/>
+  <p:tag name="KSO_WM_BEAUTIFY_FLAG" val="#wm#"/>
+  <p:tag name="KSO_WM_TEMPLATE_CATEGORY" val="preset"/>
+  <p:tag name="KSO_WM_TEMPLATE_INDEX" val="1"/>
+  <p:tag name="KSO_WM_TAG_VERSION" val="1.0"/>
+  <p:tag name="KSO_WM_DIAGRAM_GROUP_CODE" val="第五组"/>
+</p:tagLst>
+</file>
+
+<file path=ppt/tags/tag50.xml><?xml version="1.0" encoding="utf-8"?>
+<p:tagLst xmlns:p="http://schemas.openxmlformats.org/presentationml/2006/main">
+  <p:tag name="KSO_WM_TAG_VERSION" val="1.0"/>
+  <p:tag name="KSO_WM_TEMPLATE_CATEGORY" val="preset"/>
+  <p:tag name="KSO_WM_TEMPLATE_INDEX" val="1"/>
+  <p:tag name="KSO_WM_UNIT_TYPE" val="a"/>
+  <p:tag name="KSO_WM_UNIT_INDEX" val="1"/>
+  <p:tag name="KSO_WM_UNIT_ID" val="150995249*a*1"/>
+  <p:tag name="KSO_WM_UNIT_CLEAR" val="1"/>
+  <p:tag name="KSO_WM_UNIT_LAYERLEVEL" val="1"/>
+  <p:tag name="KSO_WM_UNIT_ISCONTENTSTITLE" val="1"/>
+  <p:tag name="KSO_WM_UNIT_VALUE" val="40"/>
+  <p:tag name="KSO_WM_UNIT_HIGHLIGHT" val="0"/>
+  <p:tag name="KSO_WM_UNIT_COMPATIBLE" val="0"/>
+  <p:tag name="KSO_WM_UNIT_PRESET_TEXT" val="请在此处添加标题"/>
+  <p:tag name="KSO_WM_BEAUTIFY_FLAG" val="#wm#"/>
+</p:tagLst>
+</file>
+
+<file path=ppt/tags/tag51.xml><?xml version="1.0" encoding="utf-8"?>
+<p:tagLst xmlns:p="http://schemas.openxmlformats.org/presentationml/2006/main">
+  <p:tag name="KSO_WM_TAG_VERSION" val="1.0"/>
+  <p:tag name="KSO_WM_TEMPLATE_CATEGORY" val="preset"/>
+  <p:tag name="KSO_WM_TEMPLATE_INDEX" val="1"/>
+  <p:tag name="KSO_WM_UNIT_TYPE" val="l_h_f"/>
+  <p:tag name="KSO_WM_UNIT_INDEX" val="1_2_1"/>
+  <p:tag name="KSO_WM_UNIT_ID" val="150995249*l_h_f*1_2_1"/>
+  <p:tag name="KSO_WM_UNIT_CLEAR" val="1"/>
+  <p:tag name="KSO_WM_UNIT_LAYERLEVEL" val="1_1_1"/>
+  <p:tag name="KSO_WM_UNIT_VALUE" val="40"/>
+  <p:tag name="KSO_WM_UNIT_HIGHLIGHT" val="0"/>
+  <p:tag name="KSO_WM_UNIT_COMPATIBLE" val="0"/>
+  <p:tag name="KSO_WM_UNIT_PRESET_TEXT" val="请在此处添加文本"/>
+  <p:tag name="KSO_WM_BEAUTIFY_FLAG" val="#wm#"/>
+  <p:tag name="KSO_WM_DIAGRAM_GROUP_CODE" val="第五组"/>
+  <p:tag name="KSO_WM_UNIT_LINE_FORE_SCHEMECOLOR_INDEX" val="14"/>
+  <p:tag name="KSO_WM_UNIT_LINE_FILL_TYPE" val="2"/>
+  <p:tag name="KSO_WM_UNIT_TEXT_FILL_FORE_SCHEMECOLOR_INDEX" val="13"/>
+  <p:tag name="KSO_WM_UNIT_TEXT_FILL_TYPE" val="1"/>
+  <p:tag name="KSO_WM_UNIT_USESOURCEFORMAT_APPLY" val="0"/>
+</p:tagLst>
+</file>
+
+<file path=ppt/tags/tag52.xml><?xml version="1.0" encoding="utf-8"?>
+<p:tagLst xmlns:p="http://schemas.openxmlformats.org/presentationml/2006/main">
+  <p:tag name="KSO_WM_SLIDE_ID" val="150995249"/>
+  <p:tag name="KSO_WM_SLIDE_INDEX" val="26"/>
+  <p:tag name="KSO_WM_SLIDE_ITEM_CNT" val="4"/>
+  <p:tag name="KSO_WM_SLIDE_LAYOUT" val="a_l"/>
+  <p:tag name="KSO_WM_SLIDE_LAYOUT_CNT" val="1_1"/>
+  <p:tag name="KSO_WM_SLIDE_TYPE" val="contents"/>
+  <p:tag name="KSO_WM_BEAUTIFY_FLAG" val="#wm#"/>
+  <p:tag name="KSO_WM_TEMPLATE_CATEGORY" val="preset"/>
+  <p:tag name="KSO_WM_TEMPLATE_INDEX" val="1"/>
+  <p:tag name="KSO_WM_TAG_VERSION" val="1.0"/>
+  <p:tag name="KSO_WM_DIAGRAM_GROUP_CODE" val="第五组"/>
+</p:tagLst>
+</file>
+
+<file path=ppt/tags/tag53.xml><?xml version="1.0" encoding="utf-8"?>
+<p:tagLst xmlns:p="http://schemas.openxmlformats.org/presentationml/2006/main">
+  <p:tag name="KSO_WM_TAG_VERSION" val="1.0"/>
+  <p:tag name="KSO_WM_TEMPLATE_CATEGORY" val="preset"/>
+  <p:tag name="KSO_WM_TEMPLATE_INDEX" val="1"/>
+  <p:tag name="KSO_WM_UNIT_TYPE" val="a"/>
+  <p:tag name="KSO_WM_UNIT_INDEX" val="1"/>
+  <p:tag name="KSO_WM_UNIT_ID" val="150995249*a*1"/>
+  <p:tag name="KSO_WM_UNIT_CLEAR" val="1"/>
+  <p:tag name="KSO_WM_UNIT_LAYERLEVEL" val="1"/>
+  <p:tag name="KSO_WM_UNIT_ISCONTENTSTITLE" val="1"/>
+  <p:tag name="KSO_WM_UNIT_VALUE" val="40"/>
+  <p:tag name="KSO_WM_UNIT_HIGHLIGHT" val="0"/>
+  <p:tag name="KSO_WM_UNIT_COMPATIBLE" val="0"/>
+  <p:tag name="KSO_WM_UNIT_PRESET_TEXT" val="请在此处添加标题"/>
+  <p:tag name="KSO_WM_BEAUTIFY_FLAG" val="#wm#"/>
+</p:tagLst>
+</file>
+
+<file path=ppt/tags/tag54.xml><?xml version="1.0" encoding="utf-8"?>
+<p:tagLst xmlns:p="http://schemas.openxmlformats.org/presentationml/2006/main">
+  <p:tag name="KSO_WM_TAG_VERSION" val="1.0"/>
+  <p:tag name="KSO_WM_TEMPLATE_CATEGORY" val="preset"/>
+  <p:tag name="KSO_WM_TEMPLATE_INDEX" val="1"/>
+  <p:tag name="KSO_WM_UNIT_TYPE" val="l_h_f"/>
+  <p:tag name="KSO_WM_UNIT_INDEX" val="1_2_1"/>
+  <p:tag name="KSO_WM_UNIT_ID" val="150995249*l_h_f*1_2_1"/>
+  <p:tag name="KSO_WM_UNIT_CLEAR" val="1"/>
+  <p:tag name="KSO_WM_UNIT_LAYERLEVEL" val="1_1_1"/>
+  <p:tag name="KSO_WM_UNIT_VALUE" val="40"/>
+  <p:tag name="KSO_WM_UNIT_HIGHLIGHT" val="0"/>
+  <p:tag name="KSO_WM_UNIT_COMPATIBLE" val="0"/>
+  <p:tag name="KSO_WM_UNIT_PRESET_TEXT" val="请在此处添加文本"/>
+  <p:tag name="KSO_WM_BEAUTIFY_FLAG" val="#wm#"/>
+  <p:tag name="KSO_WM_DIAGRAM_GROUP_CODE" val="第五组"/>
+  <p:tag name="KSO_WM_UNIT_LINE_FORE_SCHEMECOLOR_INDEX" val="14"/>
+  <p:tag name="KSO_WM_UNIT_LINE_FILL_TYPE" val="2"/>
+  <p:tag name="KSO_WM_UNIT_TEXT_FILL_FORE_SCHEMECOLOR_INDEX" val="13"/>
+  <p:tag name="KSO_WM_UNIT_TEXT_FILL_TYPE" val="1"/>
+  <p:tag name="KSO_WM_UNIT_USESOURCEFORMAT_APPLY" val="0"/>
+</p:tagLst>
+</file>
+
+<file path=ppt/tags/tag55.xml><?xml version="1.0" encoding="utf-8"?>
+<p:tagLst xmlns:p="http://schemas.openxmlformats.org/presentationml/2006/main">
+  <p:tag name="KSO_WM_SLIDE_ID" val="150995249"/>
+  <p:tag name="KSO_WM_SLIDE_INDEX" val="26"/>
+  <p:tag name="KSO_WM_SLIDE_ITEM_CNT" val="4"/>
+  <p:tag name="KSO_WM_SLIDE_LAYOUT" val="a_l"/>
+  <p:tag name="KSO_WM_SLIDE_LAYOUT_CNT" val="1_1"/>
+  <p:tag name="KSO_WM_SLIDE_TYPE" val="contents"/>
+  <p:tag name="KSO_WM_BEAUTIFY_FLAG" val="#wm#"/>
+  <p:tag name="KSO_WM_TEMPLATE_CATEGORY" val="preset"/>
+  <p:tag name="KSO_WM_TEMPLATE_INDEX" val="1"/>
+  <p:tag name="KSO_WM_TAG_VERSION" val="1.0"/>
+  <p:tag name="KSO_WM_DIAGRAM_GROUP_CODE" val="第五组"/>
+</p:tagLst>
+</file>
+
+<file path=ppt/tags/tag56.xml><?xml version="1.0" encoding="utf-8"?>
+<p:tagLst xmlns:p="http://schemas.openxmlformats.org/presentationml/2006/main">
+  <p:tag name="KSO_WM_TAG_VERSION" val="1.0"/>
+  <p:tag name="KSO_WM_TEMPLATE_CATEGORY" val="preset"/>
+  <p:tag name="KSO_WM_TEMPLATE_INDEX" val="1"/>
+  <p:tag name="KSO_WM_UNIT_TYPE" val="a"/>
+  <p:tag name="KSO_WM_UNIT_INDEX" val="1"/>
+  <p:tag name="KSO_WM_UNIT_ID" val="150995249*a*1"/>
+  <p:tag name="KSO_WM_UNIT_CLEAR" val="1"/>
+  <p:tag name="KSO_WM_UNIT_LAYERLEVEL" val="1"/>
+  <p:tag name="KSO_WM_UNIT_ISCONTENTSTITLE" val="1"/>
+  <p:tag name="KSO_WM_UNIT_VALUE" val="40"/>
+  <p:tag name="KSO_WM_UNIT_HIGHLIGHT" val="0"/>
+  <p:tag name="KSO_WM_UNIT_COMPATIBLE" val="0"/>
+  <p:tag name="KSO_WM_UNIT_PRESET_TEXT" val="请在此处添加标题"/>
+  <p:tag name="KSO_WM_BEAUTIFY_FLAG" val="#wm#"/>
+</p:tagLst>
+</file>
+
+<file path=ppt/tags/tag57.xml><?xml version="1.0" encoding="utf-8"?>
+<p:tagLst xmlns:p="http://schemas.openxmlformats.org/presentationml/2006/main">
+  <p:tag name="KSO_WM_TAG_VERSION" val="1.0"/>
+  <p:tag name="KSO_WM_TEMPLATE_CATEGORY" val="preset"/>
+  <p:tag name="KSO_WM_TEMPLATE_INDEX" val="1"/>
+  <p:tag name="KSO_WM_UNIT_TYPE" val="l_h_f"/>
+  <p:tag name="KSO_WM_UNIT_INDEX" val="1_2_1"/>
+  <p:tag name="KSO_WM_UNIT_ID" val="150995249*l_h_f*1_2_1"/>
+  <p:tag name="KSO_WM_UNIT_CLEAR" val="1"/>
+  <p:tag name="KSO_WM_UNIT_LAYERLEVEL" val="1_1_1"/>
+  <p:tag name="KSO_WM_UNIT_VALUE" val="40"/>
+  <p:tag name="KSO_WM_UNIT_HIGHLIGHT" val="0"/>
+  <p:tag name="KSO_WM_UNIT_COMPATIBLE" val="0"/>
+  <p:tag name="KSO_WM_UNIT_PRESET_TEXT" val="请在此处添加文本"/>
+  <p:tag name="KSO_WM_BEAUTIFY_FLAG" val="#wm#"/>
+  <p:tag name="KSO_WM_DIAGRAM_GROUP_CODE" val="第五组"/>
+  <p:tag name="KSO_WM_UNIT_LINE_FORE_SCHEMECOLOR_INDEX" val="14"/>
+  <p:tag name="KSO_WM_UNIT_LINE_FILL_TYPE" val="2"/>
+  <p:tag name="KSO_WM_UNIT_TEXT_FILL_FORE_SCHEMECOLOR_INDEX" val="13"/>
+  <p:tag name="KSO_WM_UNIT_TEXT_FILL_TYPE" val="1"/>
+  <p:tag name="KSO_WM_UNIT_USESOURCEFORMAT_APPLY" val="0"/>
+</p:tagLst>
+</file>
+
+<file path=ppt/tags/tag58.xml><?xml version="1.0" encoding="utf-8"?>
+<p:tagLst xmlns:p="http://schemas.openxmlformats.org/presentationml/2006/main">
+  <p:tag name="KSO_WM_SLIDE_ID" val="150995249"/>
+  <p:tag name="KSO_WM_SLIDE_INDEX" val="26"/>
+  <p:tag name="KSO_WM_SLIDE_ITEM_CNT" val="4"/>
+  <p:tag name="KSO_WM_SLIDE_LAYOUT" val="a_l"/>
+  <p:tag name="KSO_WM_SLIDE_LAYOUT_CNT" val="1_1"/>
+  <p:tag name="KSO_WM_SLIDE_TYPE" val="contents"/>
+  <p:tag name="KSO_WM_BEAUTIFY_FLAG" val="#wm#"/>
+  <p:tag name="KSO_WM_TEMPLATE_CATEGORY" val="preset"/>
+  <p:tag name="KSO_WM_TEMPLATE_INDEX" val="1"/>
+  <p:tag name="KSO_WM_TAG_VERSION" val="1.0"/>
+  <p:tag name="KSO_WM_DIAGRAM_GROUP_CODE" val="第五组"/>
+</p:tagLst>
+</file>
+
+<file path=ppt/tags/tag6.xml><?xml version="1.0" encoding="utf-8"?>
+<p:tagLst xmlns:p="http://schemas.openxmlformats.org/presentationml/2006/main">
+  <p:tag name="KSO_WM_TAG_VERSION" val="1.0"/>
+  <p:tag name="KSO_WM_TEMPLATE_CATEGORY" val="preset"/>
+  <p:tag name="KSO_WM_TEMPLATE_INDEX" val="1"/>
+  <p:tag name="KSO_WM_UNIT_TYPE" val="a"/>
+  <p:tag name="KSO_WM_UNIT_INDEX" val="1"/>
+  <p:tag name="KSO_WM_UNIT_ID" val="150995249*a*1"/>
+  <p:tag name="KSO_WM_UNIT_CLEAR" val="1"/>
+  <p:tag name="KSO_WM_UNIT_LAYERLEVEL" val="1"/>
+  <p:tag name="KSO_WM_UNIT_ISCONTENTSTITLE" val="1"/>
+  <p:tag name="KSO_WM_UNIT_VALUE" val="40"/>
+  <p:tag name="KSO_WM_UNIT_HIGHLIGHT" val="0"/>
+  <p:tag name="KSO_WM_UNIT_COMPATIBLE" val="0"/>
+  <p:tag name="KSO_WM_UNIT_PRESET_TEXT" val="请在此处添加标题"/>
+  <p:tag name="KSO_WM_BEAUTIFY_FLAG" val="#wm#"/>
 </p:tagLst>
 </file>
 
@@ -6874,17 +11730,25 @@
 
 <file path=ppt/tags/tag9.xml><?xml version="1.0" encoding="utf-8"?>
 <p:tagLst xmlns:p="http://schemas.openxmlformats.org/presentationml/2006/main">
-  <p:tag name="KSO_WM_SLIDE_ID" val="150995249"/>
-  <p:tag name="KSO_WM_SLIDE_INDEX" val="26"/>
-  <p:tag name="KSO_WM_SLIDE_ITEM_CNT" val="4"/>
-  <p:tag name="KSO_WM_SLIDE_LAYOUT" val="a_l"/>
-  <p:tag name="KSO_WM_SLIDE_LAYOUT_CNT" val="1_1"/>
-  <p:tag name="KSO_WM_SLIDE_TYPE" val="contents"/>
-  <p:tag name="KSO_WM_BEAUTIFY_FLAG" val="#wm#"/>
+  <p:tag name="KSO_WM_TAG_VERSION" val="1.0"/>
   <p:tag name="KSO_WM_TEMPLATE_CATEGORY" val="preset"/>
   <p:tag name="KSO_WM_TEMPLATE_INDEX" val="1"/>
-  <p:tag name="KSO_WM_TAG_VERSION" val="1.0"/>
+  <p:tag name="KSO_WM_UNIT_TYPE" val="l_h_f"/>
+  <p:tag name="KSO_WM_UNIT_INDEX" val="1_2_1"/>
+  <p:tag name="KSO_WM_UNIT_ID" val="150995249*l_h_f*1_2_1"/>
+  <p:tag name="KSO_WM_UNIT_CLEAR" val="1"/>
+  <p:tag name="KSO_WM_UNIT_LAYERLEVEL" val="1_1_1"/>
+  <p:tag name="KSO_WM_UNIT_VALUE" val="40"/>
+  <p:tag name="KSO_WM_UNIT_HIGHLIGHT" val="0"/>
+  <p:tag name="KSO_WM_UNIT_COMPATIBLE" val="0"/>
+  <p:tag name="KSO_WM_UNIT_PRESET_TEXT" val="请在此处添加文本"/>
+  <p:tag name="KSO_WM_BEAUTIFY_FLAG" val="#wm#"/>
   <p:tag name="KSO_WM_DIAGRAM_GROUP_CODE" val="第五组"/>
+  <p:tag name="KSO_WM_UNIT_LINE_FORE_SCHEMECOLOR_INDEX" val="14"/>
+  <p:tag name="KSO_WM_UNIT_LINE_FILL_TYPE" val="2"/>
+  <p:tag name="KSO_WM_UNIT_TEXT_FILL_FORE_SCHEMECOLOR_INDEX" val="13"/>
+  <p:tag name="KSO_WM_UNIT_TEXT_FILL_TYPE" val="1"/>
+  <p:tag name="KSO_WM_UNIT_USESOURCEFORMAT_APPLY" val="0"/>
 </p:tagLst>
 </file>
 
